--- a/linux/MQTT.pptx
+++ b/linux/MQTT.pptx
@@ -6,18 +6,19 @@
   </p:sldMasterIdLst>
   <p:sldIdLst>
     <p:sldId id="256" r:id="rId2"/>
-    <p:sldId id="261" r:id="rId3"/>
-    <p:sldId id="257" r:id="rId4"/>
-    <p:sldId id="262" r:id="rId5"/>
-    <p:sldId id="266" r:id="rId6"/>
-    <p:sldId id="268" r:id="rId7"/>
-    <p:sldId id="267" r:id="rId8"/>
-    <p:sldId id="263" r:id="rId9"/>
-    <p:sldId id="264" r:id="rId10"/>
-    <p:sldId id="265" r:id="rId11"/>
-    <p:sldId id="258" r:id="rId12"/>
-    <p:sldId id="259" r:id="rId13"/>
-    <p:sldId id="260" r:id="rId14"/>
+    <p:sldId id="259" r:id="rId3"/>
+    <p:sldId id="265" r:id="rId4"/>
+    <p:sldId id="269" r:id="rId5"/>
+    <p:sldId id="270" r:id="rId6"/>
+    <p:sldId id="261" r:id="rId7"/>
+    <p:sldId id="257" r:id="rId8"/>
+    <p:sldId id="262" r:id="rId9"/>
+    <p:sldId id="266" r:id="rId10"/>
+    <p:sldId id="268" r:id="rId11"/>
+    <p:sldId id="267" r:id="rId12"/>
+    <p:sldId id="263" r:id="rId13"/>
+    <p:sldId id="264" r:id="rId14"/>
+    <p:sldId id="258" r:id="rId15"/>
   </p:sldIdLst>
   <p:sldSz cx="12192000" cy="6858000"/>
   <p:notesSz cx="6858000" cy="9144000"/>
@@ -253,7 +254,7 @@
           <a:p>
             <a:fld id="{65E535AE-D734-4F0D-BA85-3E252C2D5942}" type="datetimeFigureOut">
               <a:rPr lang="zh-CN" altLang="en-US" smtClean="0"/>
-              <a:t>2017/3/28</a:t>
+              <a:t>2017/3/30</a:t>
             </a:fld>
             <a:endParaRPr lang="zh-CN" altLang="en-US"/>
           </a:p>
@@ -421,7 +422,7 @@
           <a:p>
             <a:fld id="{65E535AE-D734-4F0D-BA85-3E252C2D5942}" type="datetimeFigureOut">
               <a:rPr lang="zh-CN" altLang="en-US" smtClean="0"/>
-              <a:t>2017/3/28</a:t>
+              <a:t>2017/3/30</a:t>
             </a:fld>
             <a:endParaRPr lang="zh-CN" altLang="en-US"/>
           </a:p>
@@ -599,7 +600,7 @@
           <a:p>
             <a:fld id="{65E535AE-D734-4F0D-BA85-3E252C2D5942}" type="datetimeFigureOut">
               <a:rPr lang="zh-CN" altLang="en-US" smtClean="0"/>
-              <a:t>2017/3/28</a:t>
+              <a:t>2017/3/30</a:t>
             </a:fld>
             <a:endParaRPr lang="zh-CN" altLang="en-US"/>
           </a:p>
@@ -767,7 +768,7 @@
           <a:p>
             <a:fld id="{65E535AE-D734-4F0D-BA85-3E252C2D5942}" type="datetimeFigureOut">
               <a:rPr lang="zh-CN" altLang="en-US" smtClean="0"/>
-              <a:t>2017/3/28</a:t>
+              <a:t>2017/3/30</a:t>
             </a:fld>
             <a:endParaRPr lang="zh-CN" altLang="en-US"/>
           </a:p>
@@ -1012,7 +1013,7 @@
           <a:p>
             <a:fld id="{65E535AE-D734-4F0D-BA85-3E252C2D5942}" type="datetimeFigureOut">
               <a:rPr lang="zh-CN" altLang="en-US" smtClean="0"/>
-              <a:t>2017/3/28</a:t>
+              <a:t>2017/3/30</a:t>
             </a:fld>
             <a:endParaRPr lang="zh-CN" altLang="en-US"/>
           </a:p>
@@ -1241,7 +1242,7 @@
           <a:p>
             <a:fld id="{65E535AE-D734-4F0D-BA85-3E252C2D5942}" type="datetimeFigureOut">
               <a:rPr lang="zh-CN" altLang="en-US" smtClean="0"/>
-              <a:t>2017/3/28</a:t>
+              <a:t>2017/3/30</a:t>
             </a:fld>
             <a:endParaRPr lang="zh-CN" altLang="en-US"/>
           </a:p>
@@ -1605,7 +1606,7 @@
           <a:p>
             <a:fld id="{65E535AE-D734-4F0D-BA85-3E252C2D5942}" type="datetimeFigureOut">
               <a:rPr lang="zh-CN" altLang="en-US" smtClean="0"/>
-              <a:t>2017/3/28</a:t>
+              <a:t>2017/3/30</a:t>
             </a:fld>
             <a:endParaRPr lang="zh-CN" altLang="en-US"/>
           </a:p>
@@ -1722,7 +1723,7 @@
           <a:p>
             <a:fld id="{65E535AE-D734-4F0D-BA85-3E252C2D5942}" type="datetimeFigureOut">
               <a:rPr lang="zh-CN" altLang="en-US" smtClean="0"/>
-              <a:t>2017/3/28</a:t>
+              <a:t>2017/3/30</a:t>
             </a:fld>
             <a:endParaRPr lang="zh-CN" altLang="en-US"/>
           </a:p>
@@ -1817,7 +1818,7 @@
           <a:p>
             <a:fld id="{65E535AE-D734-4F0D-BA85-3E252C2D5942}" type="datetimeFigureOut">
               <a:rPr lang="zh-CN" altLang="en-US" smtClean="0"/>
-              <a:t>2017/3/28</a:t>
+              <a:t>2017/3/30</a:t>
             </a:fld>
             <a:endParaRPr lang="zh-CN" altLang="en-US"/>
           </a:p>
@@ -2092,7 +2093,7 @@
           <a:p>
             <a:fld id="{65E535AE-D734-4F0D-BA85-3E252C2D5942}" type="datetimeFigureOut">
               <a:rPr lang="zh-CN" altLang="en-US" smtClean="0"/>
-              <a:t>2017/3/28</a:t>
+              <a:t>2017/3/30</a:t>
             </a:fld>
             <a:endParaRPr lang="zh-CN" altLang="en-US"/>
           </a:p>
@@ -2344,7 +2345,7 @@
           <a:p>
             <a:fld id="{65E535AE-D734-4F0D-BA85-3E252C2D5942}" type="datetimeFigureOut">
               <a:rPr lang="zh-CN" altLang="en-US" smtClean="0"/>
-              <a:t>2017/3/28</a:t>
+              <a:t>2017/3/30</a:t>
             </a:fld>
             <a:endParaRPr lang="zh-CN" altLang="en-US"/>
           </a:p>
@@ -2555,7 +2556,7 @@
           <a:p>
             <a:fld id="{65E535AE-D734-4F0D-BA85-3E252C2D5942}" type="datetimeFigureOut">
               <a:rPr lang="zh-CN" altLang="en-US" smtClean="0"/>
-              <a:t>2017/3/28</a:t>
+              <a:t>2017/3/30</a:t>
             </a:fld>
             <a:endParaRPr lang="zh-CN" altLang="en-US"/>
           </a:p>
@@ -3208,39 +3209,13 @@
       </p:grpSpPr>
       <p:sp>
         <p:nvSpPr>
-          <p:cNvPr id="5" name="文本框 4"/>
-          <p:cNvSpPr txBox="1"/>
-          <p:nvPr/>
-        </p:nvSpPr>
-        <p:spPr>
-          <a:xfrm>
-            <a:off x="3090930" y="2253803"/>
-            <a:ext cx="5666704" cy="369332"/>
-          </a:xfrm>
-          <a:prstGeom prst="rect">
-            <a:avLst/>
-          </a:prstGeom>
-          <a:noFill/>
-        </p:spPr>
-        <p:txBody>
-          <a:bodyPr wrap="square" rtlCol="0">
-            <a:spAutoFit/>
-          </a:bodyPr>
-          <a:lstStyle/>
-          <a:p>
-            <a:endParaRPr lang="zh-CN" altLang="en-US" dirty="0"/>
-          </a:p>
-        </p:txBody>
-      </p:sp>
-      <p:sp>
-        <p:nvSpPr>
           <p:cNvPr id="7" name="文本框 6"/>
           <p:cNvSpPr txBox="1"/>
           <p:nvPr/>
         </p:nvSpPr>
         <p:spPr>
           <a:xfrm>
-            <a:off x="3090930" y="5301801"/>
+            <a:off x="3236144" y="354864"/>
             <a:ext cx="5666704" cy="646331"/>
           </a:xfrm>
           <a:prstGeom prst="rect">
@@ -3254,35 +3229,575 @@
           </a:bodyPr>
           <a:lstStyle/>
           <a:p>
-            <a:r>
-              <a:rPr lang="en-US" altLang="zh-CN" dirty="0" err="1"/>
-              <a:t>Mqtt</a:t>
-            </a:r>
-            <a:r>
-              <a:rPr lang="zh-CN" altLang="en-US" dirty="0"/>
-              <a:t>与物联网</a:t>
-            </a:r>
-            <a:endParaRPr lang="en-US" altLang="zh-CN" dirty="0"/>
-          </a:p>
-          <a:p>
-            <a:r>
-              <a:rPr lang="en-US" altLang="zh-CN" dirty="0"/>
-              <a:t>http://www.tuicool.com/articles/j6vqaqj</a:t>
-            </a:r>
-            <a:endParaRPr lang="zh-CN" altLang="en-US" dirty="0"/>
+            <a:pPr algn="ctr"/>
+            <a:r>
+              <a:rPr lang="en-US" altLang="zh-CN" sz="3600" dirty="0" err="1"/>
+              <a:t>Mosquitto</a:t>
+            </a:r>
+            <a:r>
+              <a:rPr lang="en-US" altLang="zh-CN" sz="3600" dirty="0"/>
+              <a:t> </a:t>
+            </a:r>
+            <a:r>
+              <a:rPr lang="zh-CN" altLang="en-US" sz="3600" dirty="0"/>
+              <a:t>配置</a:t>
+            </a:r>
+            <a:endParaRPr lang="en-US" altLang="zh-CN" sz="3600" dirty="0"/>
+          </a:p>
+        </p:txBody>
+      </p:sp>
+      <p:sp>
+        <p:nvSpPr>
+          <p:cNvPr id="10" name="文本框 9"/>
+          <p:cNvSpPr txBox="1"/>
+          <p:nvPr/>
+        </p:nvSpPr>
+        <p:spPr>
+          <a:xfrm>
+            <a:off x="728870" y="1649209"/>
+            <a:ext cx="5473147" cy="1384995"/>
+          </a:xfrm>
+          <a:prstGeom prst="rect">
+            <a:avLst/>
+          </a:prstGeom>
+          <a:noFill/>
+        </p:spPr>
+        <p:txBody>
+          <a:bodyPr wrap="square" rtlCol="0">
+            <a:spAutoFit/>
+          </a:bodyPr>
+          <a:lstStyle/>
+          <a:p>
+            <a:pPr lvl="0" eaLnBrk="0" fontAlgn="base" hangingPunct="0">
+              <a:spcBef>
+                <a:spcPct val="0"/>
+              </a:spcBef>
+              <a:spcAft>
+                <a:spcPct val="0"/>
+              </a:spcAft>
+            </a:pPr>
+            <a:r>
+              <a:rPr lang="zh-CN" altLang="en-US" sz="1400" dirty="0">
+                <a:solidFill>
+                  <a:srgbClr val="000000"/>
+                </a:solidFill>
+                <a:latin typeface="微软雅黑" panose="020B0503020204020204" pitchFamily="34" charset="-122"/>
+                <a:ea typeface="微软雅黑" panose="020B0503020204020204" pitchFamily="34" charset="-122"/>
+              </a:rPr>
+              <a:t>在</a:t>
+            </a:r>
+            <a:r>
+              <a:rPr lang="en-US" altLang="zh-CN" sz="1400" dirty="0">
+                <a:solidFill>
+                  <a:srgbClr val="000000"/>
+                </a:solidFill>
+                <a:latin typeface="微软雅黑" panose="020B0503020204020204" pitchFamily="34" charset="-122"/>
+                <a:ea typeface="微软雅黑" panose="020B0503020204020204" pitchFamily="34" charset="-122"/>
+              </a:rPr>
+              <a:t>/</a:t>
+            </a:r>
+            <a:r>
+              <a:rPr lang="en-US" altLang="zh-CN" sz="1400" dirty="0" err="1">
+                <a:solidFill>
+                  <a:srgbClr val="000000"/>
+                </a:solidFill>
+                <a:latin typeface="微软雅黑" panose="020B0503020204020204" pitchFamily="34" charset="-122"/>
+                <a:ea typeface="微软雅黑" panose="020B0503020204020204" pitchFamily="34" charset="-122"/>
+              </a:rPr>
+              <a:t>etc</a:t>
+            </a:r>
+            <a:r>
+              <a:rPr lang="en-US" altLang="zh-CN" sz="1400" dirty="0">
+                <a:solidFill>
+                  <a:srgbClr val="000000"/>
+                </a:solidFill>
+                <a:latin typeface="微软雅黑" panose="020B0503020204020204" pitchFamily="34" charset="-122"/>
+                <a:ea typeface="微软雅黑" panose="020B0503020204020204" pitchFamily="34" charset="-122"/>
+              </a:rPr>
+              <a:t>/mosquito/</a:t>
+            </a:r>
+            <a:r>
+              <a:rPr lang="en-US" altLang="zh-CN" sz="1400" dirty="0" err="1">
+                <a:solidFill>
+                  <a:srgbClr val="000000"/>
+                </a:solidFill>
+                <a:latin typeface="微软雅黑" panose="020B0503020204020204" pitchFamily="34" charset="-122"/>
+                <a:ea typeface="微软雅黑" panose="020B0503020204020204" pitchFamily="34" charset="-122"/>
+              </a:rPr>
+              <a:t>mosquito.conf</a:t>
+            </a:r>
+            <a:r>
+              <a:rPr lang="en-US" altLang="zh-CN" sz="1400" dirty="0">
+                <a:solidFill>
+                  <a:srgbClr val="000000"/>
+                </a:solidFill>
+                <a:latin typeface="微软雅黑" panose="020B0503020204020204" pitchFamily="34" charset="-122"/>
+                <a:ea typeface="微软雅黑" panose="020B0503020204020204" pitchFamily="34" charset="-122"/>
+              </a:rPr>
+              <a:t> </a:t>
+            </a:r>
+            <a:r>
+              <a:rPr lang="zh-CN" altLang="en-US" sz="1400" dirty="0">
+                <a:solidFill>
+                  <a:srgbClr val="000000"/>
+                </a:solidFill>
+                <a:latin typeface="微软雅黑" panose="020B0503020204020204" pitchFamily="34" charset="-122"/>
+                <a:ea typeface="微软雅黑" panose="020B0503020204020204" pitchFamily="34" charset="-122"/>
+              </a:rPr>
+              <a:t>后添加</a:t>
+            </a:r>
+            <a:endParaRPr lang="en-US" altLang="zh-CN" sz="1400" dirty="0">
+              <a:solidFill>
+                <a:srgbClr val="000000"/>
+              </a:solidFill>
+              <a:latin typeface="微软雅黑" panose="020B0503020204020204" pitchFamily="34" charset="-122"/>
+              <a:ea typeface="微软雅黑" panose="020B0503020204020204" pitchFamily="34" charset="-122"/>
+            </a:endParaRPr>
+          </a:p>
+          <a:p>
+            <a:pPr lvl="0" eaLnBrk="0" fontAlgn="base" hangingPunct="0">
+              <a:spcBef>
+                <a:spcPct val="0"/>
+              </a:spcBef>
+              <a:spcAft>
+                <a:spcPct val="0"/>
+              </a:spcAft>
+            </a:pPr>
+            <a:endParaRPr lang="en-US" altLang="zh-CN" sz="1400" dirty="0">
+              <a:solidFill>
+                <a:srgbClr val="000000"/>
+              </a:solidFill>
+              <a:latin typeface="微软雅黑" panose="020B0503020204020204" pitchFamily="34" charset="-122"/>
+              <a:ea typeface="微软雅黑" panose="020B0503020204020204" pitchFamily="34" charset="-122"/>
+            </a:endParaRPr>
+          </a:p>
+          <a:p>
+            <a:pPr lvl="0" eaLnBrk="0" fontAlgn="base" hangingPunct="0">
+              <a:spcBef>
+                <a:spcPct val="0"/>
+              </a:spcBef>
+              <a:spcAft>
+                <a:spcPct val="0"/>
+              </a:spcAft>
+            </a:pPr>
+            <a:r>
+              <a:rPr lang="en-US" altLang="zh-CN" sz="1400" dirty="0">
+                <a:solidFill>
+                  <a:srgbClr val="000000"/>
+                </a:solidFill>
+                <a:latin typeface="微软雅黑" panose="020B0503020204020204" pitchFamily="34" charset="-122"/>
+                <a:ea typeface="微软雅黑" panose="020B0503020204020204" pitchFamily="34" charset="-122"/>
+              </a:rPr>
+              <a:t>port 1884</a:t>
+            </a:r>
+          </a:p>
+          <a:p>
+            <a:pPr lvl="0" eaLnBrk="0" fontAlgn="base" hangingPunct="0">
+              <a:spcBef>
+                <a:spcPct val="0"/>
+              </a:spcBef>
+              <a:spcAft>
+                <a:spcPct val="0"/>
+              </a:spcAft>
+            </a:pPr>
+            <a:r>
+              <a:rPr lang="en-US" altLang="zh-CN" sz="1400" dirty="0" err="1">
+                <a:solidFill>
+                  <a:srgbClr val="000000"/>
+                </a:solidFill>
+                <a:latin typeface="微软雅黑" panose="020B0503020204020204" pitchFamily="34" charset="-122"/>
+                <a:ea typeface="微软雅黑" panose="020B0503020204020204" pitchFamily="34" charset="-122"/>
+              </a:rPr>
+              <a:t>allow_anonymous</a:t>
+            </a:r>
+            <a:r>
+              <a:rPr lang="en-US" altLang="zh-CN" sz="1400" dirty="0">
+                <a:solidFill>
+                  <a:srgbClr val="000000"/>
+                </a:solidFill>
+                <a:latin typeface="微软雅黑" panose="020B0503020204020204" pitchFamily="34" charset="-122"/>
+                <a:ea typeface="微软雅黑" panose="020B0503020204020204" pitchFamily="34" charset="-122"/>
+              </a:rPr>
+              <a:t> false</a:t>
+            </a:r>
+          </a:p>
+          <a:p>
+            <a:pPr lvl="0" eaLnBrk="0" fontAlgn="base" hangingPunct="0">
+              <a:spcBef>
+                <a:spcPct val="0"/>
+              </a:spcBef>
+              <a:spcAft>
+                <a:spcPct val="0"/>
+              </a:spcAft>
+            </a:pPr>
+            <a:r>
+              <a:rPr lang="en-US" altLang="zh-CN" sz="1400" dirty="0" err="1">
+                <a:solidFill>
+                  <a:srgbClr val="000000"/>
+                </a:solidFill>
+                <a:latin typeface="微软雅黑" panose="020B0503020204020204" pitchFamily="34" charset="-122"/>
+                <a:ea typeface="微软雅黑" panose="020B0503020204020204" pitchFamily="34" charset="-122"/>
+              </a:rPr>
+              <a:t>password_file</a:t>
+            </a:r>
+            <a:r>
+              <a:rPr lang="en-US" altLang="zh-CN" sz="1400" dirty="0">
+                <a:solidFill>
+                  <a:srgbClr val="000000"/>
+                </a:solidFill>
+                <a:latin typeface="微软雅黑" panose="020B0503020204020204" pitchFamily="34" charset="-122"/>
+                <a:ea typeface="微软雅黑" panose="020B0503020204020204" pitchFamily="34" charset="-122"/>
+              </a:rPr>
+              <a:t> /</a:t>
+            </a:r>
+            <a:r>
+              <a:rPr lang="en-US" altLang="zh-CN" sz="1400" dirty="0" err="1">
+                <a:solidFill>
+                  <a:srgbClr val="000000"/>
+                </a:solidFill>
+                <a:latin typeface="微软雅黑" panose="020B0503020204020204" pitchFamily="34" charset="-122"/>
+                <a:ea typeface="微软雅黑" panose="020B0503020204020204" pitchFamily="34" charset="-122"/>
+              </a:rPr>
+              <a:t>etc</a:t>
+            </a:r>
+            <a:r>
+              <a:rPr lang="en-US" altLang="zh-CN" sz="1400" dirty="0">
+                <a:solidFill>
+                  <a:srgbClr val="000000"/>
+                </a:solidFill>
+                <a:latin typeface="微软雅黑" panose="020B0503020204020204" pitchFamily="34" charset="-122"/>
+                <a:ea typeface="微软雅黑" panose="020B0503020204020204" pitchFamily="34" charset="-122"/>
+              </a:rPr>
+              <a:t>/</a:t>
+            </a:r>
+            <a:r>
+              <a:rPr lang="en-US" altLang="zh-CN" sz="1400" dirty="0" err="1">
+                <a:solidFill>
+                  <a:srgbClr val="000000"/>
+                </a:solidFill>
+                <a:latin typeface="微软雅黑" panose="020B0503020204020204" pitchFamily="34" charset="-122"/>
+                <a:ea typeface="微软雅黑" panose="020B0503020204020204" pitchFamily="34" charset="-122"/>
+              </a:rPr>
+              <a:t>mosquitto</a:t>
+            </a:r>
+            <a:r>
+              <a:rPr lang="en-US" altLang="zh-CN" sz="1400" dirty="0">
+                <a:solidFill>
+                  <a:srgbClr val="000000"/>
+                </a:solidFill>
+                <a:latin typeface="微软雅黑" panose="020B0503020204020204" pitchFamily="34" charset="-122"/>
+                <a:ea typeface="微软雅黑" panose="020B0503020204020204" pitchFamily="34" charset="-122"/>
+              </a:rPr>
+              <a:t>/</a:t>
+            </a:r>
+            <a:r>
+              <a:rPr lang="en-US" altLang="zh-CN" sz="1400" dirty="0" err="1">
+                <a:solidFill>
+                  <a:srgbClr val="000000"/>
+                </a:solidFill>
+                <a:latin typeface="微软雅黑" panose="020B0503020204020204" pitchFamily="34" charset="-122"/>
+                <a:ea typeface="微软雅黑" panose="020B0503020204020204" pitchFamily="34" charset="-122"/>
+              </a:rPr>
+              <a:t>pwfile.example</a:t>
+            </a:r>
+            <a:endParaRPr lang="en-US" altLang="zh-CN" sz="1400" dirty="0">
+              <a:solidFill>
+                <a:srgbClr val="000000"/>
+              </a:solidFill>
+              <a:latin typeface="微软雅黑" panose="020B0503020204020204" pitchFamily="34" charset="-122"/>
+              <a:ea typeface="微软雅黑" panose="020B0503020204020204" pitchFamily="34" charset="-122"/>
+            </a:endParaRPr>
+          </a:p>
+          <a:p>
+            <a:pPr lvl="0" eaLnBrk="0" fontAlgn="base" hangingPunct="0">
+              <a:spcBef>
+                <a:spcPct val="0"/>
+              </a:spcBef>
+              <a:spcAft>
+                <a:spcPct val="0"/>
+              </a:spcAft>
+            </a:pPr>
+            <a:r>
+              <a:rPr lang="fr-FR" altLang="zh-CN" sz="1400" dirty="0">
+                <a:solidFill>
+                  <a:srgbClr val="000000"/>
+                </a:solidFill>
+                <a:latin typeface="微软雅黑" panose="020B0503020204020204" pitchFamily="34" charset="-122"/>
+                <a:ea typeface="微软雅黑" panose="020B0503020204020204" pitchFamily="34" charset="-122"/>
+              </a:rPr>
+              <a:t>acl_file /etc/mosquitto/aclfile.example </a:t>
+            </a:r>
+            <a:r>
+              <a:rPr lang="en-US" altLang="zh-CN" sz="1400" dirty="0">
+                <a:solidFill>
+                  <a:srgbClr val="000000"/>
+                </a:solidFill>
+                <a:latin typeface="微软雅黑" panose="020B0503020204020204" pitchFamily="34" charset="-122"/>
+                <a:ea typeface="微软雅黑" panose="020B0503020204020204" pitchFamily="34" charset="-122"/>
+              </a:rPr>
+              <a:t>#</a:t>
+            </a:r>
+            <a:r>
+              <a:rPr lang="zh-CN" altLang="en-US" sz="1400" dirty="0">
+                <a:solidFill>
+                  <a:srgbClr val="000000"/>
+                </a:solidFill>
+                <a:latin typeface="微软雅黑" panose="020B0503020204020204" pitchFamily="34" charset="-122"/>
+                <a:ea typeface="微软雅黑" panose="020B0503020204020204" pitchFamily="34" charset="-122"/>
+              </a:rPr>
+              <a:t>暂时不需要</a:t>
+            </a:r>
+            <a:endParaRPr lang="en-US" altLang="zh-CN" sz="1400" dirty="0">
+              <a:solidFill>
+                <a:srgbClr val="000000"/>
+              </a:solidFill>
+              <a:latin typeface="微软雅黑" panose="020B0503020204020204" pitchFamily="34" charset="-122"/>
+              <a:ea typeface="微软雅黑" panose="020B0503020204020204" pitchFamily="34" charset="-122"/>
+            </a:endParaRPr>
+          </a:p>
+        </p:txBody>
+      </p:sp>
+      <p:sp>
+        <p:nvSpPr>
+          <p:cNvPr id="5" name="文本框 4"/>
+          <p:cNvSpPr txBox="1"/>
+          <p:nvPr/>
+        </p:nvSpPr>
+        <p:spPr>
+          <a:xfrm>
+            <a:off x="728870" y="3577401"/>
+            <a:ext cx="5473147" cy="738664"/>
+          </a:xfrm>
+          <a:prstGeom prst="rect">
+            <a:avLst/>
+          </a:prstGeom>
+          <a:noFill/>
+        </p:spPr>
+        <p:txBody>
+          <a:bodyPr wrap="square" rtlCol="0">
+            <a:spAutoFit/>
+          </a:bodyPr>
+          <a:lstStyle/>
+          <a:p>
+            <a:pPr lvl="0" eaLnBrk="0" fontAlgn="base" hangingPunct="0">
+              <a:spcBef>
+                <a:spcPct val="0"/>
+              </a:spcBef>
+              <a:spcAft>
+                <a:spcPct val="0"/>
+              </a:spcAft>
+            </a:pPr>
+            <a:r>
+              <a:rPr lang="zh-CN" altLang="en-US" sz="1400" dirty="0">
+                <a:solidFill>
+                  <a:srgbClr val="000000"/>
+                </a:solidFill>
+                <a:latin typeface="微软雅黑" panose="020B0503020204020204" pitchFamily="34" charset="-122"/>
+                <a:ea typeface="微软雅黑" panose="020B0503020204020204" pitchFamily="34" charset="-122"/>
+              </a:rPr>
+              <a:t>用户名：</a:t>
+            </a:r>
+            <a:r>
+              <a:rPr lang="en-US" altLang="zh-CN" sz="1400" dirty="0" err="1">
+                <a:solidFill>
+                  <a:srgbClr val="000000"/>
+                </a:solidFill>
+                <a:latin typeface="微软雅黑" panose="020B0503020204020204" pitchFamily="34" charset="-122"/>
+                <a:ea typeface="微软雅黑" panose="020B0503020204020204" pitchFamily="34" charset="-122"/>
+              </a:rPr>
+              <a:t>mosquitto</a:t>
+            </a:r>
+            <a:endParaRPr lang="en-US" altLang="zh-CN" sz="1400" dirty="0">
+              <a:solidFill>
+                <a:srgbClr val="000000"/>
+              </a:solidFill>
+              <a:latin typeface="微软雅黑" panose="020B0503020204020204" pitchFamily="34" charset="-122"/>
+              <a:ea typeface="微软雅黑" panose="020B0503020204020204" pitchFamily="34" charset="-122"/>
+            </a:endParaRPr>
+          </a:p>
+          <a:p>
+            <a:pPr lvl="0" eaLnBrk="0" fontAlgn="base" hangingPunct="0">
+              <a:spcBef>
+                <a:spcPct val="0"/>
+              </a:spcBef>
+              <a:spcAft>
+                <a:spcPct val="0"/>
+              </a:spcAft>
+            </a:pPr>
+            <a:r>
+              <a:rPr lang="zh-CN" altLang="en-US" sz="1400" dirty="0">
+                <a:solidFill>
+                  <a:srgbClr val="000000"/>
+                </a:solidFill>
+                <a:latin typeface="微软雅黑" panose="020B0503020204020204" pitchFamily="34" charset="-122"/>
+                <a:ea typeface="微软雅黑" panose="020B0503020204020204" pitchFamily="34" charset="-122"/>
+              </a:rPr>
+              <a:t>密码：</a:t>
+            </a:r>
+            <a:r>
+              <a:rPr lang="en-US" altLang="zh-CN" sz="1400" dirty="0">
+                <a:solidFill>
+                  <a:srgbClr val="000000"/>
+                </a:solidFill>
+                <a:latin typeface="微软雅黑" panose="020B0503020204020204" pitchFamily="34" charset="-122"/>
+                <a:ea typeface="微软雅黑" panose="020B0503020204020204" pitchFamily="34" charset="-122"/>
+              </a:rPr>
+              <a:t>vanrui@123</a:t>
+            </a:r>
+          </a:p>
+          <a:p>
+            <a:pPr lvl="0" eaLnBrk="0" fontAlgn="base" hangingPunct="0">
+              <a:spcBef>
+                <a:spcPct val="0"/>
+              </a:spcBef>
+              <a:spcAft>
+                <a:spcPct val="0"/>
+              </a:spcAft>
+            </a:pPr>
+            <a:endParaRPr lang="en-US" altLang="zh-CN" sz="1400" dirty="0">
+              <a:solidFill>
+                <a:srgbClr val="000000"/>
+              </a:solidFill>
+              <a:latin typeface="微软雅黑" panose="020B0503020204020204" pitchFamily="34" charset="-122"/>
+              <a:ea typeface="微软雅黑" panose="020B0503020204020204" pitchFamily="34" charset="-122"/>
+            </a:endParaRPr>
           </a:p>
         </p:txBody>
       </p:sp>
     </p:spTree>
     <p:extLst>
       <p:ext uri="{BB962C8B-B14F-4D97-AF65-F5344CB8AC3E}">
-        <p14:creationId xmlns:p14="http://schemas.microsoft.com/office/powerpoint/2010/main" val="1507644190"/>
+        <p14:creationId xmlns:p14="http://schemas.microsoft.com/office/powerpoint/2010/main" val="3613180011"/>
       </p:ext>
     </p:extLst>
   </p:cSld>
   <p:clrMapOvr>
     <a:masterClrMapping/>
   </p:clrMapOvr>
+  <p:timing>
+    <p:tnLst>
+      <p:par>
+        <p:cTn id="1" dur="indefinite" restart="never" nodeType="tmRoot">
+          <p:childTnLst>
+            <p:seq concurrent="1" nextAc="seek">
+              <p:cTn id="2" dur="indefinite" nodeType="mainSeq">
+                <p:childTnLst>
+                  <p:par>
+                    <p:cTn id="3" fill="hold">
+                      <p:stCondLst>
+                        <p:cond delay="indefinite"/>
+                      </p:stCondLst>
+                      <p:childTnLst>
+                        <p:par>
+                          <p:cTn id="4" fill="hold">
+                            <p:stCondLst>
+                              <p:cond delay="0"/>
+                            </p:stCondLst>
+                            <p:childTnLst>
+                              <p:par>
+                                <p:cTn id="5" presetID="1" presetClass="entr" presetSubtype="0" fill="hold" grpId="0" nodeType="clickEffect">
+                                  <p:stCondLst>
+                                    <p:cond delay="0"/>
+                                  </p:stCondLst>
+                                  <p:childTnLst>
+                                    <p:set>
+                                      <p:cBhvr>
+                                        <p:cTn id="6" dur="1" fill="hold">
+                                          <p:stCondLst>
+                                            <p:cond delay="0"/>
+                                          </p:stCondLst>
+                                        </p:cTn>
+                                        <p:tgtEl>
+                                          <p:spTgt spid="10"/>
+                                        </p:tgtEl>
+                                        <p:attrNameLst>
+                                          <p:attrName>style.visibility</p:attrName>
+                                        </p:attrNameLst>
+                                      </p:cBhvr>
+                                      <p:to>
+                                        <p:strVal val="visible"/>
+                                      </p:to>
+                                    </p:set>
+                                  </p:childTnLst>
+                                </p:cTn>
+                              </p:par>
+                            </p:childTnLst>
+                          </p:cTn>
+                        </p:par>
+                      </p:childTnLst>
+                    </p:cTn>
+                  </p:par>
+                  <p:par>
+                    <p:cTn id="7" fill="hold">
+                      <p:stCondLst>
+                        <p:cond delay="indefinite"/>
+                      </p:stCondLst>
+                      <p:childTnLst>
+                        <p:par>
+                          <p:cTn id="8" fill="hold">
+                            <p:stCondLst>
+                              <p:cond delay="0"/>
+                            </p:stCondLst>
+                            <p:childTnLst>
+                              <p:par>
+                                <p:cTn id="9" presetID="1" presetClass="entr" presetSubtype="0" fill="hold" grpId="0" nodeType="clickEffect">
+                                  <p:stCondLst>
+                                    <p:cond delay="0"/>
+                                  </p:stCondLst>
+                                  <p:childTnLst>
+                                    <p:set>
+                                      <p:cBhvr>
+                                        <p:cTn id="10" dur="1" fill="hold">
+                                          <p:stCondLst>
+                                            <p:cond delay="0"/>
+                                          </p:stCondLst>
+                                        </p:cTn>
+                                        <p:tgtEl>
+                                          <p:spTgt spid="5"/>
+                                        </p:tgtEl>
+                                        <p:attrNameLst>
+                                          <p:attrName>style.visibility</p:attrName>
+                                        </p:attrNameLst>
+                                      </p:cBhvr>
+                                      <p:to>
+                                        <p:strVal val="visible"/>
+                                      </p:to>
+                                    </p:set>
+                                  </p:childTnLst>
+                                </p:cTn>
+                              </p:par>
+                            </p:childTnLst>
+                          </p:cTn>
+                        </p:par>
+                      </p:childTnLst>
+                    </p:cTn>
+                  </p:par>
+                </p:childTnLst>
+              </p:cTn>
+              <p:prevCondLst>
+                <p:cond evt="onPrev" delay="0">
+                  <p:tgtEl>
+                    <p:sldTgt/>
+                  </p:tgtEl>
+                </p:cond>
+              </p:prevCondLst>
+              <p:nextCondLst>
+                <p:cond evt="onNext" delay="0">
+                  <p:tgtEl>
+                    <p:sldTgt/>
+                  </p:tgtEl>
+                </p:cond>
+              </p:nextCondLst>
+            </p:seq>
+          </p:childTnLst>
+        </p:cTn>
+      </p:par>
+    </p:tnLst>
+    <p:bldLst>
+      <p:bldP spid="10" grpId="0"/>
+      <p:bldP spid="5" grpId="0"/>
+    </p:bldLst>
+  </p:timing>
 </p:sld>
 </file>
 
@@ -3305,14 +3820,14 @@
       </p:grpSpPr>
       <p:sp>
         <p:nvSpPr>
-          <p:cNvPr id="5" name="文本框 4"/>
+          <p:cNvPr id="7" name="文本框 6"/>
           <p:cNvSpPr txBox="1"/>
           <p:nvPr/>
         </p:nvSpPr>
         <p:spPr>
           <a:xfrm>
-            <a:off x="2343955" y="2099256"/>
-            <a:ext cx="5666704" cy="2308324"/>
+            <a:off x="3236144" y="354864"/>
+            <a:ext cx="5666704" cy="646331"/>
           </a:xfrm>
           <a:prstGeom prst="rect">
             <a:avLst/>
@@ -3325,67 +3840,484 @@
           </a:bodyPr>
           <a:lstStyle/>
           <a:p>
-            <a:r>
-              <a:rPr lang="zh-CN" altLang="en-US" dirty="0"/>
-              <a:t>发布与订阅好处</a:t>
-            </a:r>
-            <a:endParaRPr lang="en-US" altLang="zh-CN" dirty="0"/>
-          </a:p>
-          <a:p>
-            <a:endParaRPr lang="en-US" altLang="zh-CN" dirty="0"/>
-          </a:p>
-          <a:p>
-            <a:r>
-              <a:rPr lang="en-US" altLang="zh-CN" dirty="0">
-                <a:hlinkClick r:id="rId2"/>
+            <a:pPr algn="ctr"/>
+            <a:r>
+              <a:rPr lang="en-US" altLang="zh-CN" sz="3600" dirty="0" err="1"/>
+              <a:t>Mosquitto</a:t>
+            </a:r>
+            <a:r>
+              <a:rPr lang="zh-CN" altLang="en-US" sz="3600" dirty="0"/>
+              <a:t>联机测试</a:t>
+            </a:r>
+            <a:endParaRPr lang="en-US" altLang="zh-CN" sz="3600" dirty="0"/>
+          </a:p>
+        </p:txBody>
+      </p:sp>
+      <p:sp>
+        <p:nvSpPr>
+          <p:cNvPr id="10" name="文本框 9"/>
+          <p:cNvSpPr txBox="1"/>
+          <p:nvPr/>
+        </p:nvSpPr>
+        <p:spPr>
+          <a:xfrm>
+            <a:off x="1921098" y="1145626"/>
+            <a:ext cx="8799911" cy="923330"/>
+          </a:xfrm>
+          <a:prstGeom prst="rect">
+            <a:avLst/>
+          </a:prstGeom>
+          <a:noFill/>
+        </p:spPr>
+        <p:txBody>
+          <a:bodyPr wrap="square" rtlCol="0">
+            <a:spAutoFit/>
+          </a:bodyPr>
+          <a:lstStyle/>
+          <a:p>
+            <a:pPr lvl="0" eaLnBrk="0" fontAlgn="base" hangingPunct="0">
+              <a:spcBef>
+                <a:spcPct val="0"/>
+              </a:spcBef>
+              <a:spcAft>
+                <a:spcPct val="0"/>
+              </a:spcAft>
+            </a:pPr>
+            <a:r>
+              <a:rPr lang="zh-CN" altLang="en-US" sz="2000" dirty="0">
+                <a:solidFill>
+                  <a:srgbClr val="000000"/>
+                </a:solidFill>
+                <a:latin typeface="微软雅黑" panose="020B0503020204020204" pitchFamily="34" charset="-122"/>
+                <a:ea typeface="微软雅黑" panose="020B0503020204020204" pitchFamily="34" charset="-122"/>
               </a:rPr>
-              <a:t>http://m.blog.csdn.net/article/details?id=5223309</a:t>
-            </a:r>
-            <a:endParaRPr lang="en-US" altLang="zh-CN" dirty="0"/>
-          </a:p>
-          <a:p>
-            <a:endParaRPr lang="en-US" altLang="zh-CN" dirty="0"/>
-          </a:p>
-          <a:p>
-            <a:endParaRPr lang="en-US" altLang="zh-CN" dirty="0"/>
-          </a:p>
-          <a:p>
-            <a:r>
-              <a:rPr lang="en-US" altLang="zh-CN" dirty="0">
+              <a:t>服务器</a:t>
+            </a:r>
+            <a:r>
+              <a:rPr lang="en-US" altLang="zh-CN" sz="2000" dirty="0">
                 <a:solidFill>
                   <a:srgbClr val="000000"/>
                 </a:solidFill>
-                <a:latin typeface="Times New Roman" panose="02020603050405020304" pitchFamily="18" charset="0"/>
+                <a:latin typeface="微软雅黑" panose="020B0503020204020204" pitchFamily="34" charset="-122"/>
                 <a:ea typeface="微软雅黑" panose="020B0503020204020204" pitchFamily="34" charset="-122"/>
-                <a:cs typeface="Times New Roman" panose="02020603050405020304" pitchFamily="18" charset="0"/>
               </a:rPr>
-              <a:t>http://www.cnblogs.com/littleatp/p/4835879.html</a:t>
-            </a:r>
-            <a:endParaRPr lang="en-US" altLang="zh-CN" sz="2800" dirty="0">
-              <a:latin typeface="Arial" panose="020B0604020202020204" pitchFamily="34" charset="0"/>
+              <a:t>A</a:t>
+            </a:r>
+            <a:r>
+              <a:rPr lang="zh-CN" altLang="en-US" sz="2000" dirty="0">
+                <a:solidFill>
+                  <a:srgbClr val="000000"/>
+                </a:solidFill>
+                <a:latin typeface="微软雅黑" panose="020B0503020204020204" pitchFamily="34" charset="-122"/>
+                <a:ea typeface="微软雅黑" panose="020B0503020204020204" pitchFamily="34" charset="-122"/>
+              </a:rPr>
+              <a:t>（发布）</a:t>
+            </a:r>
+            <a:endParaRPr lang="en-US" altLang="zh-CN" sz="2000" dirty="0">
+              <a:solidFill>
+                <a:srgbClr val="000000"/>
+              </a:solidFill>
+              <a:latin typeface="微软雅黑" panose="020B0503020204020204" pitchFamily="34" charset="-122"/>
+              <a:ea typeface="微软雅黑" panose="020B0503020204020204" pitchFamily="34" charset="-122"/>
             </a:endParaRPr>
           </a:p>
           <a:p>
-            <a:r>
-              <a:rPr lang="en-US" altLang="zh-CN" dirty="0"/>
-              <a:t> </a:t>
-            </a:r>
-          </a:p>
-          <a:p>
-            <a:endParaRPr lang="zh-CN" altLang="en-US" dirty="0"/>
+            <a:pPr lvl="0" eaLnBrk="0" fontAlgn="base" hangingPunct="0">
+              <a:spcBef>
+                <a:spcPct val="0"/>
+              </a:spcBef>
+              <a:spcAft>
+                <a:spcPct val="0"/>
+              </a:spcAft>
+            </a:pPr>
+            <a:endParaRPr lang="en-US" altLang="zh-CN" sz="2000" dirty="0">
+              <a:solidFill>
+                <a:srgbClr val="000000"/>
+              </a:solidFill>
+              <a:latin typeface="微软雅黑" panose="020B0503020204020204" pitchFamily="34" charset="-122"/>
+              <a:ea typeface="微软雅黑" panose="020B0503020204020204" pitchFamily="34" charset="-122"/>
+            </a:endParaRPr>
+          </a:p>
+          <a:p>
+            <a:pPr lvl="0" eaLnBrk="0" fontAlgn="base" hangingPunct="0">
+              <a:spcBef>
+                <a:spcPct val="0"/>
+              </a:spcBef>
+              <a:spcAft>
+                <a:spcPct val="0"/>
+              </a:spcAft>
+            </a:pPr>
+            <a:r>
+              <a:rPr lang="en-US" altLang="zh-CN" sz="1400" dirty="0" err="1">
+                <a:solidFill>
+                  <a:srgbClr val="000000"/>
+                </a:solidFill>
+                <a:latin typeface="微软雅黑" panose="020B0503020204020204" pitchFamily="34" charset="-122"/>
+                <a:ea typeface="微软雅黑" panose="020B0503020204020204" pitchFamily="34" charset="-122"/>
+              </a:rPr>
+              <a:t>mosquitto_pub</a:t>
+            </a:r>
+            <a:r>
+              <a:rPr lang="en-US" altLang="zh-CN" sz="1400" dirty="0">
+                <a:solidFill>
+                  <a:srgbClr val="000000"/>
+                </a:solidFill>
+                <a:latin typeface="微软雅黑" panose="020B0503020204020204" pitchFamily="34" charset="-122"/>
+                <a:ea typeface="微软雅黑" panose="020B0503020204020204" pitchFamily="34" charset="-122"/>
+              </a:rPr>
+              <a:t> -t </a:t>
+            </a:r>
+            <a:r>
+              <a:rPr lang="en-US" altLang="zh-CN" sz="1400" dirty="0" err="1">
+                <a:solidFill>
+                  <a:srgbClr val="000000"/>
+                </a:solidFill>
+                <a:latin typeface="微软雅黑" panose="020B0503020204020204" pitchFamily="34" charset="-122"/>
+                <a:ea typeface="微软雅黑" panose="020B0503020204020204" pitchFamily="34" charset="-122"/>
+              </a:rPr>
+              <a:t>topicTest</a:t>
+            </a:r>
+            <a:r>
+              <a:rPr lang="en-US" altLang="zh-CN" sz="1400" dirty="0">
+                <a:solidFill>
+                  <a:srgbClr val="000000"/>
+                </a:solidFill>
+                <a:latin typeface="微软雅黑" panose="020B0503020204020204" pitchFamily="34" charset="-122"/>
+                <a:ea typeface="微软雅黑" panose="020B0503020204020204" pitchFamily="34" charset="-122"/>
+              </a:rPr>
+              <a:t> -h 112.74.58.249 -p 1884 -u </a:t>
+            </a:r>
+            <a:r>
+              <a:rPr lang="en-US" altLang="zh-CN" sz="1400" dirty="0" err="1">
+                <a:solidFill>
+                  <a:srgbClr val="000000"/>
+                </a:solidFill>
+                <a:latin typeface="微软雅黑" panose="020B0503020204020204" pitchFamily="34" charset="-122"/>
+                <a:ea typeface="微软雅黑" panose="020B0503020204020204" pitchFamily="34" charset="-122"/>
+              </a:rPr>
+              <a:t>mosquitto</a:t>
+            </a:r>
+            <a:r>
+              <a:rPr lang="en-US" altLang="zh-CN" sz="1400" dirty="0">
+                <a:solidFill>
+                  <a:srgbClr val="000000"/>
+                </a:solidFill>
+                <a:latin typeface="微软雅黑" panose="020B0503020204020204" pitchFamily="34" charset="-122"/>
+                <a:ea typeface="微软雅黑" panose="020B0503020204020204" pitchFamily="34" charset="-122"/>
+              </a:rPr>
+              <a:t> -P vanrui@123 -m </a:t>
+            </a:r>
+            <a:r>
+              <a:rPr lang="en-US" altLang="zh-CN" sz="1400" dirty="0" err="1">
+                <a:solidFill>
+                  <a:srgbClr val="000000"/>
+                </a:solidFill>
+                <a:latin typeface="微软雅黑" panose="020B0503020204020204" pitchFamily="34" charset="-122"/>
+                <a:ea typeface="微软雅黑" panose="020B0503020204020204" pitchFamily="34" charset="-122"/>
+              </a:rPr>
+              <a:t>helloWorld</a:t>
+            </a:r>
+            <a:endParaRPr lang="en-US" altLang="zh-CN" sz="1400" dirty="0">
+              <a:solidFill>
+                <a:srgbClr val="000000"/>
+              </a:solidFill>
+              <a:latin typeface="微软雅黑" panose="020B0503020204020204" pitchFamily="34" charset="-122"/>
+              <a:ea typeface="微软雅黑" panose="020B0503020204020204" pitchFamily="34" charset="-122"/>
+            </a:endParaRPr>
+          </a:p>
+        </p:txBody>
+      </p:sp>
+      <p:sp>
+        <p:nvSpPr>
+          <p:cNvPr id="5" name="文本框 4"/>
+          <p:cNvSpPr txBox="1"/>
+          <p:nvPr/>
+        </p:nvSpPr>
+        <p:spPr>
+          <a:xfrm>
+            <a:off x="1921098" y="2941824"/>
+            <a:ext cx="8057789" cy="830997"/>
+          </a:xfrm>
+          <a:prstGeom prst="rect">
+            <a:avLst/>
+          </a:prstGeom>
+          <a:noFill/>
+        </p:spPr>
+        <p:txBody>
+          <a:bodyPr wrap="square" rtlCol="0">
+            <a:spAutoFit/>
+          </a:bodyPr>
+          <a:lstStyle/>
+          <a:p>
+            <a:pPr lvl="0" eaLnBrk="0" fontAlgn="base" hangingPunct="0">
+              <a:spcBef>
+                <a:spcPct val="0"/>
+              </a:spcBef>
+              <a:spcAft>
+                <a:spcPct val="0"/>
+              </a:spcAft>
+            </a:pPr>
+            <a:r>
+              <a:rPr lang="zh-CN" altLang="en-US" sz="2000" dirty="0">
+                <a:solidFill>
+                  <a:srgbClr val="000000"/>
+                </a:solidFill>
+                <a:latin typeface="微软雅黑" panose="020B0503020204020204" pitchFamily="34" charset="-122"/>
+                <a:ea typeface="微软雅黑" panose="020B0503020204020204" pitchFamily="34" charset="-122"/>
+              </a:rPr>
+              <a:t>服务器</a:t>
+            </a:r>
+            <a:r>
+              <a:rPr lang="en-US" altLang="zh-CN" sz="2000" dirty="0">
+                <a:solidFill>
+                  <a:srgbClr val="000000"/>
+                </a:solidFill>
+                <a:latin typeface="微软雅黑" panose="020B0503020204020204" pitchFamily="34" charset="-122"/>
+                <a:ea typeface="微软雅黑" panose="020B0503020204020204" pitchFamily="34" charset="-122"/>
+              </a:rPr>
+              <a:t> 112.74.58.249</a:t>
+            </a:r>
+            <a:r>
+              <a:rPr lang="zh-CN" altLang="en-US" sz="2000" dirty="0">
+                <a:solidFill>
+                  <a:srgbClr val="000000"/>
+                </a:solidFill>
+                <a:latin typeface="微软雅黑" panose="020B0503020204020204" pitchFamily="34" charset="-122"/>
+                <a:ea typeface="微软雅黑" panose="020B0503020204020204" pitchFamily="34" charset="-122"/>
+              </a:rPr>
+              <a:t>（订阅）</a:t>
+            </a:r>
+            <a:endParaRPr lang="en-US" altLang="zh-CN" sz="2000" dirty="0">
+              <a:solidFill>
+                <a:srgbClr val="000000"/>
+              </a:solidFill>
+              <a:latin typeface="微软雅黑" panose="020B0503020204020204" pitchFamily="34" charset="-122"/>
+              <a:ea typeface="微软雅黑" panose="020B0503020204020204" pitchFamily="34" charset="-122"/>
+            </a:endParaRPr>
+          </a:p>
+          <a:p>
+            <a:pPr lvl="0" eaLnBrk="0" fontAlgn="base" hangingPunct="0">
+              <a:spcBef>
+                <a:spcPct val="0"/>
+              </a:spcBef>
+              <a:spcAft>
+                <a:spcPct val="0"/>
+              </a:spcAft>
+            </a:pPr>
+            <a:endParaRPr lang="en-US" altLang="zh-CN" sz="1400" dirty="0">
+              <a:solidFill>
+                <a:srgbClr val="000000"/>
+              </a:solidFill>
+              <a:latin typeface="微软雅黑" panose="020B0503020204020204" pitchFamily="34" charset="-122"/>
+              <a:ea typeface="微软雅黑" panose="020B0503020204020204" pitchFamily="34" charset="-122"/>
+            </a:endParaRPr>
+          </a:p>
+          <a:p>
+            <a:pPr lvl="0" eaLnBrk="0" fontAlgn="base" hangingPunct="0">
+              <a:spcBef>
+                <a:spcPct val="0"/>
+              </a:spcBef>
+              <a:spcAft>
+                <a:spcPct val="0"/>
+              </a:spcAft>
+            </a:pPr>
+            <a:r>
+              <a:rPr lang="en-US" altLang="zh-CN" sz="1400" dirty="0" err="1">
+                <a:solidFill>
+                  <a:srgbClr val="000000"/>
+                </a:solidFill>
+                <a:latin typeface="微软雅黑" panose="020B0503020204020204" pitchFamily="34" charset="-122"/>
+                <a:ea typeface="微软雅黑" panose="020B0503020204020204" pitchFamily="34" charset="-122"/>
+              </a:rPr>
+              <a:t>mosquitto_sub</a:t>
+            </a:r>
+            <a:r>
+              <a:rPr lang="en-US" altLang="zh-CN" sz="1400" dirty="0">
+                <a:solidFill>
+                  <a:srgbClr val="000000"/>
+                </a:solidFill>
+                <a:latin typeface="微软雅黑" panose="020B0503020204020204" pitchFamily="34" charset="-122"/>
+                <a:ea typeface="微软雅黑" panose="020B0503020204020204" pitchFamily="34" charset="-122"/>
+              </a:rPr>
+              <a:t> -t </a:t>
+            </a:r>
+            <a:r>
+              <a:rPr lang="en-US" altLang="zh-CN" sz="1400" dirty="0" err="1">
+                <a:solidFill>
+                  <a:srgbClr val="000000"/>
+                </a:solidFill>
+                <a:latin typeface="微软雅黑" panose="020B0503020204020204" pitchFamily="34" charset="-122"/>
+                <a:ea typeface="微软雅黑" panose="020B0503020204020204" pitchFamily="34" charset="-122"/>
+              </a:rPr>
+              <a:t>topicTest</a:t>
+            </a:r>
+            <a:r>
+              <a:rPr lang="en-US" altLang="zh-CN" sz="1400" dirty="0">
+                <a:solidFill>
+                  <a:srgbClr val="000000"/>
+                </a:solidFill>
+                <a:latin typeface="微软雅黑" panose="020B0503020204020204" pitchFamily="34" charset="-122"/>
+                <a:ea typeface="微软雅黑" panose="020B0503020204020204" pitchFamily="34" charset="-122"/>
+              </a:rPr>
+              <a:t> -p 1884 -u </a:t>
+            </a:r>
+            <a:r>
+              <a:rPr lang="en-US" altLang="zh-CN" sz="1400" dirty="0" err="1">
+                <a:solidFill>
+                  <a:srgbClr val="000000"/>
+                </a:solidFill>
+                <a:latin typeface="微软雅黑" panose="020B0503020204020204" pitchFamily="34" charset="-122"/>
+                <a:ea typeface="微软雅黑" panose="020B0503020204020204" pitchFamily="34" charset="-122"/>
+              </a:rPr>
+              <a:t>mosquitto</a:t>
+            </a:r>
+            <a:r>
+              <a:rPr lang="en-US" altLang="zh-CN" sz="1400" dirty="0">
+                <a:solidFill>
+                  <a:srgbClr val="000000"/>
+                </a:solidFill>
+                <a:latin typeface="微软雅黑" panose="020B0503020204020204" pitchFamily="34" charset="-122"/>
+                <a:ea typeface="微软雅黑" panose="020B0503020204020204" pitchFamily="34" charset="-122"/>
+              </a:rPr>
+              <a:t> -P vanrui@123</a:t>
+            </a:r>
           </a:p>
         </p:txBody>
       </p:sp>
     </p:spTree>
     <p:extLst>
       <p:ext uri="{BB962C8B-B14F-4D97-AF65-F5344CB8AC3E}">
-        <p14:creationId xmlns:p14="http://schemas.microsoft.com/office/powerpoint/2010/main" val="340432469"/>
+        <p14:creationId xmlns:p14="http://schemas.microsoft.com/office/powerpoint/2010/main" val="4255326473"/>
       </p:ext>
     </p:extLst>
   </p:cSld>
   <p:clrMapOvr>
     <a:masterClrMapping/>
   </p:clrMapOvr>
+  <p:timing>
+    <p:tnLst>
+      <p:par>
+        <p:cTn id="1" dur="indefinite" restart="never" nodeType="tmRoot">
+          <p:childTnLst>
+            <p:seq concurrent="1" nextAc="seek">
+              <p:cTn id="2" dur="indefinite" nodeType="mainSeq">
+                <p:childTnLst>
+                  <p:par>
+                    <p:cTn id="3" fill="hold">
+                      <p:stCondLst>
+                        <p:cond delay="indefinite"/>
+                      </p:stCondLst>
+                      <p:childTnLst>
+                        <p:par>
+                          <p:cTn id="4" fill="hold">
+                            <p:stCondLst>
+                              <p:cond delay="0"/>
+                            </p:stCondLst>
+                            <p:childTnLst>
+                              <p:par>
+                                <p:cTn id="5" presetID="1" presetClass="entr" presetSubtype="0" fill="hold" grpId="0" nodeType="clickEffect">
+                                  <p:stCondLst>
+                                    <p:cond delay="0"/>
+                                  </p:stCondLst>
+                                  <p:childTnLst>
+                                    <p:set>
+                                      <p:cBhvr>
+                                        <p:cTn id="6" dur="1" fill="hold">
+                                          <p:stCondLst>
+                                            <p:cond delay="0"/>
+                                          </p:stCondLst>
+                                        </p:cTn>
+                                        <p:tgtEl>
+                                          <p:spTgt spid="10"/>
+                                        </p:tgtEl>
+                                        <p:attrNameLst>
+                                          <p:attrName>style.visibility</p:attrName>
+                                        </p:attrNameLst>
+                                      </p:cBhvr>
+                                      <p:to>
+                                        <p:strVal val="visible"/>
+                                      </p:to>
+                                    </p:set>
+                                  </p:childTnLst>
+                                </p:cTn>
+                              </p:par>
+                            </p:childTnLst>
+                          </p:cTn>
+                        </p:par>
+                      </p:childTnLst>
+                    </p:cTn>
+                  </p:par>
+                  <p:par>
+                    <p:cTn id="7" fill="hold">
+                      <p:stCondLst>
+                        <p:cond delay="indefinite"/>
+                      </p:stCondLst>
+                      <p:childTnLst>
+                        <p:par>
+                          <p:cTn id="8" fill="hold">
+                            <p:stCondLst>
+                              <p:cond delay="0"/>
+                            </p:stCondLst>
+                            <p:childTnLst>
+                              <p:par>
+                                <p:cTn id="9" presetID="1" presetClass="entr" presetSubtype="0" fill="hold" grpId="0" nodeType="clickEffect">
+                                  <p:stCondLst>
+                                    <p:cond delay="0"/>
+                                  </p:stCondLst>
+                                  <p:childTnLst>
+                                    <p:set>
+                                      <p:cBhvr>
+                                        <p:cTn id="10" dur="1" fill="hold">
+                                          <p:stCondLst>
+                                            <p:cond delay="0"/>
+                                          </p:stCondLst>
+                                        </p:cTn>
+                                        <p:tgtEl>
+                                          <p:spTgt spid="5"/>
+                                        </p:tgtEl>
+                                        <p:attrNameLst>
+                                          <p:attrName>style.visibility</p:attrName>
+                                        </p:attrNameLst>
+                                      </p:cBhvr>
+                                      <p:to>
+                                        <p:strVal val="visible"/>
+                                      </p:to>
+                                    </p:set>
+                                  </p:childTnLst>
+                                </p:cTn>
+                              </p:par>
+                            </p:childTnLst>
+                          </p:cTn>
+                        </p:par>
+                      </p:childTnLst>
+                    </p:cTn>
+                  </p:par>
+                </p:childTnLst>
+              </p:cTn>
+              <p:prevCondLst>
+                <p:cond evt="onPrev" delay="0">
+                  <p:tgtEl>
+                    <p:sldTgt/>
+                  </p:tgtEl>
+                </p:cond>
+              </p:prevCondLst>
+              <p:nextCondLst>
+                <p:cond evt="onNext" delay="0">
+                  <p:tgtEl>
+                    <p:sldTgt/>
+                  </p:tgtEl>
+                </p:cond>
+              </p:nextCondLst>
+            </p:seq>
+          </p:childTnLst>
+        </p:cTn>
+      </p:par>
+    </p:tnLst>
+    <p:bldLst>
+      <p:bldP spid="10" grpId="0"/>
+      <p:bldP spid="5" grpId="0"/>
+    </p:bldLst>
+  </p:timing>
 </p:sld>
 </file>
 
@@ -3408,14 +4340,14 @@
       </p:grpSpPr>
       <p:sp>
         <p:nvSpPr>
-          <p:cNvPr id="5" name="文本框 4"/>
+          <p:cNvPr id="7" name="文本框 6"/>
           <p:cNvSpPr txBox="1"/>
           <p:nvPr/>
         </p:nvSpPr>
         <p:spPr>
           <a:xfrm>
-            <a:off x="1918951" y="772732"/>
-            <a:ext cx="5666704" cy="769441"/>
+            <a:off x="3262648" y="1038894"/>
+            <a:ext cx="3885127" cy="369332"/>
           </a:xfrm>
           <a:prstGeom prst="rect">
             <a:avLst/>
@@ -3430,23 +4362,35 @@
           <a:p>
             <a:pPr algn="ctr"/>
             <a:r>
-              <a:rPr lang="en-US" altLang="zh-CN" sz="4400" dirty="0" err="1"/>
-              <a:t>activeMQ</a:t>
-            </a:r>
-            <a:endParaRPr lang="zh-CN" altLang="en-US" sz="4400" dirty="0"/>
-          </a:p>
-        </p:txBody>
-      </p:sp>
-      <p:sp>
-        <p:nvSpPr>
-          <p:cNvPr id="3" name="文本框 2"/>
+              <a:rPr lang="en-US" altLang="zh-CN" dirty="0" err="1"/>
+              <a:t>Mqtt</a:t>
+            </a:r>
+            <a:r>
+              <a:rPr lang="en-US" altLang="zh-CN" dirty="0"/>
+              <a:t> </a:t>
+            </a:r>
+            <a:r>
+              <a:rPr lang="zh-CN" altLang="en-US" dirty="0"/>
+              <a:t>与 </a:t>
+            </a:r>
+            <a:r>
+              <a:rPr lang="en-US" altLang="zh-CN" dirty="0"/>
+              <a:t>maven</a:t>
+            </a:r>
+            <a:endParaRPr lang="zh-CN" altLang="en-US" dirty="0"/>
+          </a:p>
+        </p:txBody>
+      </p:sp>
+      <p:sp>
+        <p:nvSpPr>
+          <p:cNvPr id="8" name="文本框 7"/>
           <p:cNvSpPr txBox="1"/>
           <p:nvPr/>
         </p:nvSpPr>
         <p:spPr>
           <a:xfrm>
-            <a:off x="2328930" y="1542173"/>
-            <a:ext cx="5666704" cy="4524315"/>
+            <a:off x="1127742" y="1699356"/>
+            <a:ext cx="9800822" cy="4801314"/>
           </a:xfrm>
           <a:prstGeom prst="rect">
             <a:avLst/>
@@ -3459,51 +4403,331 @@
           </a:bodyPr>
           <a:lstStyle/>
           <a:p>
+            <a:r>
+              <a:rPr lang="en-US" altLang="zh-CN" dirty="0"/>
+              <a:t>&lt;dependency&gt;   </a:t>
+            </a:r>
+          </a:p>
+          <a:p>
+            <a:r>
+              <a:rPr lang="en-US" altLang="zh-CN" dirty="0"/>
+              <a:t>        &lt;</a:t>
+            </a:r>
+            <a:r>
+              <a:rPr lang="en-US" altLang="zh-CN" dirty="0" err="1"/>
+              <a:t>groupId</a:t>
+            </a:r>
+            <a:r>
+              <a:rPr lang="en-US" altLang="zh-CN" dirty="0"/>
+              <a:t>&gt;</a:t>
+            </a:r>
+            <a:r>
+              <a:rPr lang="en-US" altLang="zh-CN" dirty="0" err="1"/>
+              <a:t>org.springframework.integration</a:t>
+            </a:r>
+            <a:r>
+              <a:rPr lang="en-US" altLang="zh-CN" dirty="0"/>
+              <a:t>&lt;/</a:t>
+            </a:r>
+            <a:r>
+              <a:rPr lang="en-US" altLang="zh-CN" dirty="0" err="1"/>
+              <a:t>groupId</a:t>
+            </a:r>
+            <a:r>
+              <a:rPr lang="en-US" altLang="zh-CN" dirty="0"/>
+              <a:t>&gt;</a:t>
+            </a:r>
+          </a:p>
+          <a:p>
+            <a:r>
+              <a:rPr lang="en-US" altLang="zh-CN" dirty="0"/>
+              <a:t>        &lt;</a:t>
+            </a:r>
+            <a:r>
+              <a:rPr lang="en-US" altLang="zh-CN" dirty="0" err="1"/>
+              <a:t>artifactId</a:t>
+            </a:r>
+            <a:r>
+              <a:rPr lang="en-US" altLang="zh-CN" dirty="0"/>
+              <a:t>&gt;spring-integration-</a:t>
+            </a:r>
+            <a:r>
+              <a:rPr lang="en-US" altLang="zh-CN" u="sng" dirty="0" err="1"/>
+              <a:t>mqtt</a:t>
+            </a:r>
+            <a:r>
+              <a:rPr lang="en-US" altLang="zh-CN" u="sng" dirty="0"/>
+              <a:t>&lt;/</a:t>
+            </a:r>
+            <a:r>
+              <a:rPr lang="en-US" altLang="zh-CN" u="sng" dirty="0" err="1"/>
+              <a:t>artifactId</a:t>
+            </a:r>
+            <a:r>
+              <a:rPr lang="en-US" altLang="zh-CN" u="sng" dirty="0"/>
+              <a:t>&gt;</a:t>
+            </a:r>
+          </a:p>
+          <a:p>
+            <a:r>
+              <a:rPr lang="en-US" altLang="zh-CN" dirty="0"/>
+              <a:t>&lt;version&gt;${spring-</a:t>
+            </a:r>
+            <a:r>
+              <a:rPr lang="en-US" altLang="zh-CN" dirty="0" err="1"/>
+              <a:t>integration.version</a:t>
+            </a:r>
+            <a:r>
+              <a:rPr lang="en-US" altLang="zh-CN" dirty="0"/>
+              <a:t>}&lt;/version&gt;</a:t>
+            </a:r>
+          </a:p>
+          <a:p>
+            <a:r>
+              <a:rPr lang="en-US" altLang="zh-CN" dirty="0"/>
+              <a:t>            &lt;exclusions&gt;  </a:t>
+            </a:r>
+          </a:p>
+          <a:p>
+            <a:r>
+              <a:rPr lang="en-US" altLang="zh-CN" dirty="0"/>
+              <a:t>                &lt;exclusion&gt;  </a:t>
+            </a:r>
+          </a:p>
+          <a:p>
+            <a:r>
+              <a:rPr lang="en-US" altLang="zh-CN" dirty="0"/>
+              <a:t>        &lt;</a:t>
+            </a:r>
+            <a:r>
+              <a:rPr lang="en-US" altLang="zh-CN" dirty="0" err="1"/>
+              <a:t>groupId</a:t>
+            </a:r>
+            <a:r>
+              <a:rPr lang="en-US" altLang="zh-CN" dirty="0"/>
+              <a:t>&gt;</a:t>
+            </a:r>
+            <a:r>
+              <a:rPr lang="en-US" altLang="zh-CN" dirty="0" err="1"/>
+              <a:t>org.eclipse.paho</a:t>
+            </a:r>
+            <a:r>
+              <a:rPr lang="en-US" altLang="zh-CN" dirty="0"/>
+              <a:t>&lt;/</a:t>
+            </a:r>
+            <a:r>
+              <a:rPr lang="en-US" altLang="zh-CN" dirty="0" err="1"/>
+              <a:t>groupId</a:t>
+            </a:r>
+            <a:r>
+              <a:rPr lang="en-US" altLang="zh-CN" dirty="0"/>
+              <a:t>&gt;</a:t>
+            </a:r>
+          </a:p>
+          <a:p>
+            <a:r>
+              <a:rPr lang="en-US" altLang="zh-CN" dirty="0"/>
+              <a:t>        &lt;</a:t>
+            </a:r>
+            <a:r>
+              <a:rPr lang="en-US" altLang="zh-CN" dirty="0" err="1"/>
+              <a:t>artifactId</a:t>
+            </a:r>
+            <a:r>
+              <a:rPr lang="en-US" altLang="zh-CN" dirty="0"/>
+              <a:t>&gt;org.eclipse.paho.client.mqttv3&lt;/</a:t>
+            </a:r>
+            <a:r>
+              <a:rPr lang="en-US" altLang="zh-CN" dirty="0" err="1"/>
+              <a:t>artifactId</a:t>
+            </a:r>
+            <a:r>
+              <a:rPr lang="en-US" altLang="zh-CN" dirty="0"/>
+              <a:t>&gt;</a:t>
+            </a:r>
+          </a:p>
+          <a:p>
+            <a:r>
+              <a:rPr lang="en-US" altLang="zh-CN" dirty="0"/>
+              <a:t>                &lt;/exclusion&gt;  </a:t>
+            </a:r>
+          </a:p>
+          <a:p>
+            <a:r>
+              <a:rPr lang="en-US" altLang="zh-CN" dirty="0"/>
+              <a:t>            &lt;/exclusions&gt;  </a:t>
+            </a:r>
+          </a:p>
+          <a:p>
+            <a:r>
+              <a:rPr lang="en-US" altLang="zh-CN" dirty="0"/>
+              <a:t>&lt;/dependency&gt;  </a:t>
+            </a:r>
+          </a:p>
+          <a:p>
+            <a:endParaRPr lang="zh-CN" altLang="en-US" dirty="0"/>
+          </a:p>
+          <a:p>
+            <a:r>
+              <a:rPr lang="en-US" altLang="zh-CN" dirty="0"/>
+              <a:t>    &lt;dependency&gt;</a:t>
+            </a:r>
+          </a:p>
+          <a:p>
+            <a:r>
+              <a:rPr lang="en-US" altLang="zh-CN" dirty="0"/>
+              <a:t>        &lt;</a:t>
+            </a:r>
+            <a:r>
+              <a:rPr lang="en-US" altLang="zh-CN" dirty="0" err="1"/>
+              <a:t>groupId</a:t>
+            </a:r>
+            <a:r>
+              <a:rPr lang="en-US" altLang="zh-CN" dirty="0"/>
+              <a:t>&gt;</a:t>
+            </a:r>
+            <a:r>
+              <a:rPr lang="en-US" altLang="zh-CN" dirty="0" err="1"/>
+              <a:t>org.eclipse.paho</a:t>
+            </a:r>
+            <a:r>
+              <a:rPr lang="en-US" altLang="zh-CN" dirty="0"/>
+              <a:t>&lt;/</a:t>
+            </a:r>
+            <a:r>
+              <a:rPr lang="en-US" altLang="zh-CN" dirty="0" err="1"/>
+              <a:t>groupId</a:t>
+            </a:r>
+            <a:r>
+              <a:rPr lang="en-US" altLang="zh-CN" dirty="0"/>
+              <a:t>&gt;</a:t>
+            </a:r>
+          </a:p>
+          <a:p>
+            <a:r>
+              <a:rPr lang="en-US" altLang="zh-CN" dirty="0"/>
+              <a:t>        &lt;</a:t>
+            </a:r>
+            <a:r>
+              <a:rPr lang="en-US" altLang="zh-CN" dirty="0" err="1"/>
+              <a:t>artifactId</a:t>
+            </a:r>
+            <a:r>
+              <a:rPr lang="en-US" altLang="zh-CN" dirty="0"/>
+              <a:t>&gt;org.eclipse.paho.client.mqttv3&lt;/</a:t>
+            </a:r>
+            <a:r>
+              <a:rPr lang="en-US" altLang="zh-CN" dirty="0" err="1"/>
+              <a:t>artifactId</a:t>
+            </a:r>
+            <a:r>
+              <a:rPr lang="en-US" altLang="zh-CN" dirty="0"/>
+              <a:t>&gt;</a:t>
+            </a:r>
+          </a:p>
+          <a:p>
+            <a:r>
+              <a:rPr lang="en-US" altLang="zh-CN" dirty="0"/>
+              <a:t>        &lt;version&gt;1.1.0&lt;/version&gt;</a:t>
+            </a:r>
+          </a:p>
+          <a:p>
+            <a:r>
+              <a:rPr lang="en-US" altLang="zh-CN" dirty="0"/>
+              <a:t>    &lt;/dependency&gt;</a:t>
+            </a:r>
             <a:endParaRPr lang="en-US" altLang="zh-CN" dirty="0"/>
-          </a:p>
-          <a:p>
-            <a:r>
-              <a:rPr lang="en-US" altLang="zh-CN" dirty="0"/>
-              <a:t>https://m.baidu.com/from=1012852s/bd_page_type=1/ssid=0/uid=0/pu=usm%400%2Csz%40320_1004%2Cta%40iphone_2_6.0_11_8.5/baiduid=CFBA8D8014A2EDB0B3AF540EA4D8AC3D/w=0_10_/t=iphone/l=3/tc?ref=www_iphone&amp;lid=10125499150335977941&amp;order=4&amp;fm=alop&amp;tj=www_normal_4_0_10_title&amp;vit=osres&amp;m=8&amp;srd=1&amp;cltj=cloud_title&amp;asres=1&amp;title=activeMQ</a:t>
-            </a:r>
-            <a:r>
-              <a:rPr lang="zh-CN" altLang="en-US" dirty="0"/>
-              <a:t>支持的四种协议简介及性能比较</a:t>
-            </a:r>
-            <a:r>
-              <a:rPr lang="en-US" altLang="zh-CN" dirty="0"/>
-              <a:t>&amp;</a:t>
-            </a:r>
-            <a:r>
-              <a:rPr lang="en-US" altLang="zh-CN" dirty="0" err="1"/>
-              <a:t>dict</a:t>
-            </a:r>
-            <a:r>
-              <a:rPr lang="en-US" altLang="zh-CN" dirty="0"/>
-              <a:t>=30&amp;w_qd=IlPT2AEptyoA_yi9H6OoDSY-roEFiiRD7ZBwiaWKr_&amp;sec=19746&amp;di=5cc75df73a603740&amp;bdenc=1&amp;tch=124.190.232.696.2.611&amp;nsrc=IlPT2AEptyoA_yixCFOxXnANedT62v3IEQGG_yFZ0z3xokmyxP4kHREsRDb6NnTLJ5DhxWeCvBcIx8Gi0nhunM5X&amp;eqid=8c84ffd47d4ba8001000000358d2bc82&amp;wd=&amp;</a:t>
-            </a:r>
-            <a:r>
-              <a:rPr lang="en-US" altLang="zh-CN" dirty="0" err="1"/>
-              <a:t>clk_info</a:t>
-            </a:r>
-            <a:r>
-              <a:rPr lang="en-US" altLang="zh-CN" dirty="0"/>
-              <a:t>=%7B"srcid"%3A"1599"%2C"tplname"%3A"www_normal"%2C"t"%3A1490205837571%2C"xpath"%3A"div-div-div-a-p"%7D</a:t>
-            </a:r>
-            <a:endParaRPr lang="zh-CN" altLang="en-US" dirty="0"/>
           </a:p>
         </p:txBody>
       </p:sp>
     </p:spTree>
     <p:extLst>
       <p:ext uri="{BB962C8B-B14F-4D97-AF65-F5344CB8AC3E}">
-        <p14:creationId xmlns:p14="http://schemas.microsoft.com/office/powerpoint/2010/main" val="2087924601"/>
+        <p14:creationId xmlns:p14="http://schemas.microsoft.com/office/powerpoint/2010/main" val="2575361657"/>
       </p:ext>
     </p:extLst>
   </p:cSld>
   <p:clrMapOvr>
     <a:masterClrMapping/>
   </p:clrMapOvr>
+  <p:timing>
+    <p:tnLst>
+      <p:par>
+        <p:cTn id="1" dur="indefinite" restart="never" nodeType="tmRoot">
+          <p:childTnLst>
+            <p:seq concurrent="1" nextAc="seek">
+              <p:cTn id="2" dur="indefinite" nodeType="mainSeq">
+                <p:childTnLst>
+                  <p:par>
+                    <p:cTn id="3" fill="hold">
+                      <p:stCondLst>
+                        <p:cond delay="indefinite"/>
+                      </p:stCondLst>
+                      <p:childTnLst>
+                        <p:par>
+                          <p:cTn id="4" fill="hold">
+                            <p:stCondLst>
+                              <p:cond delay="0"/>
+                            </p:stCondLst>
+                            <p:childTnLst>
+                              <p:par>
+                                <p:cTn id="5" presetID="1" presetClass="entr" presetSubtype="0" fill="hold" grpId="0" nodeType="clickEffect">
+                                  <p:stCondLst>
+                                    <p:cond delay="0"/>
+                                  </p:stCondLst>
+                                  <p:childTnLst>
+                                    <p:set>
+                                      <p:cBhvr>
+                                        <p:cTn id="6" dur="1" fill="hold">
+                                          <p:stCondLst>
+                                            <p:cond delay="0"/>
+                                          </p:stCondLst>
+                                        </p:cTn>
+                                        <p:tgtEl>
+                                          <p:spTgt spid="8"/>
+                                        </p:tgtEl>
+                                        <p:attrNameLst>
+                                          <p:attrName>style.visibility</p:attrName>
+                                        </p:attrNameLst>
+                                      </p:cBhvr>
+                                      <p:to>
+                                        <p:strVal val="visible"/>
+                                      </p:to>
+                                    </p:set>
+                                  </p:childTnLst>
+                                </p:cTn>
+                              </p:par>
+                            </p:childTnLst>
+                          </p:cTn>
+                        </p:par>
+                      </p:childTnLst>
+                    </p:cTn>
+                  </p:par>
+                </p:childTnLst>
+              </p:cTn>
+              <p:prevCondLst>
+                <p:cond evt="onPrev" delay="0">
+                  <p:tgtEl>
+                    <p:sldTgt/>
+                  </p:tgtEl>
+                </p:cond>
+              </p:prevCondLst>
+              <p:nextCondLst>
+                <p:cond evt="onNext" delay="0">
+                  <p:tgtEl>
+                    <p:sldTgt/>
+                  </p:tgtEl>
+                </p:cond>
+              </p:nextCondLst>
+            </p:seq>
+          </p:childTnLst>
+        </p:cTn>
+      </p:par>
+    </p:tnLst>
+    <p:bldLst>
+      <p:bldP spid="8" grpId="0"/>
+    </p:bldLst>
+  </p:timing>
 </p:sld>
 </file>
 
@@ -3526,14 +4750,226 @@
       </p:grpSpPr>
       <p:sp>
         <p:nvSpPr>
-          <p:cNvPr id="5" name="文本框 4"/>
+          <p:cNvPr id="9" name="平行四边形 8"/>
+          <p:cNvSpPr/>
+          <p:nvPr/>
+        </p:nvSpPr>
+        <p:spPr>
+          <a:xfrm>
+            <a:off x="2101400" y="1781713"/>
+            <a:ext cx="2343955" cy="379207"/>
+          </a:xfrm>
+          <a:prstGeom prst="parallelogram">
+            <a:avLst/>
+          </a:prstGeom>
+        </p:spPr>
+        <p:style>
+          <a:lnRef idx="2">
+            <a:schemeClr val="dk1">
+              <a:shade val="50000"/>
+            </a:schemeClr>
+          </a:lnRef>
+          <a:fillRef idx="1">
+            <a:schemeClr val="dk1"/>
+          </a:fillRef>
+          <a:effectRef idx="0">
+            <a:schemeClr val="dk1"/>
+          </a:effectRef>
+          <a:fontRef idx="minor">
+            <a:schemeClr val="lt1"/>
+          </a:fontRef>
+        </p:style>
+        <p:txBody>
+          <a:bodyPr rtlCol="0" anchor="ctr"/>
+          <a:lstStyle/>
+          <a:p>
+            <a:pPr algn="ctr"/>
+            <a:r>
+              <a:rPr lang="zh-CN" altLang="en-US" dirty="0"/>
+              <a:t>应用层</a:t>
+            </a:r>
+          </a:p>
+        </p:txBody>
+      </p:sp>
+      <p:sp>
+        <p:nvSpPr>
+          <p:cNvPr id="10" name="平行四边形 9"/>
+          <p:cNvSpPr/>
+          <p:nvPr/>
+        </p:nvSpPr>
+        <p:spPr>
+          <a:xfrm>
+            <a:off x="2101403" y="3306748"/>
+            <a:ext cx="2343952" cy="431442"/>
+          </a:xfrm>
+          <a:prstGeom prst="parallelogram">
+            <a:avLst/>
+          </a:prstGeom>
+        </p:spPr>
+        <p:style>
+          <a:lnRef idx="2">
+            <a:schemeClr val="dk1">
+              <a:shade val="50000"/>
+            </a:schemeClr>
+          </a:lnRef>
+          <a:fillRef idx="1">
+            <a:schemeClr val="dk1"/>
+          </a:fillRef>
+          <a:effectRef idx="0">
+            <a:schemeClr val="dk1"/>
+          </a:effectRef>
+          <a:fontRef idx="minor">
+            <a:schemeClr val="lt1"/>
+          </a:fontRef>
+        </p:style>
+        <p:txBody>
+          <a:bodyPr rtlCol="0" anchor="ctr"/>
+          <a:lstStyle/>
+          <a:p>
+            <a:pPr algn="ctr"/>
+            <a:r>
+              <a:rPr lang="zh-CN" altLang="en-US" dirty="0"/>
+              <a:t>网络层</a:t>
+            </a:r>
+          </a:p>
+        </p:txBody>
+      </p:sp>
+      <p:sp>
+        <p:nvSpPr>
+          <p:cNvPr id="11" name="平行四边形 10"/>
+          <p:cNvSpPr/>
+          <p:nvPr/>
+        </p:nvSpPr>
+        <p:spPr>
+          <a:xfrm>
+            <a:off x="2101403" y="4138309"/>
+            <a:ext cx="2343955" cy="371341"/>
+          </a:xfrm>
+          <a:prstGeom prst="parallelogram">
+            <a:avLst/>
+          </a:prstGeom>
+        </p:spPr>
+        <p:style>
+          <a:lnRef idx="2">
+            <a:schemeClr val="dk1">
+              <a:shade val="50000"/>
+            </a:schemeClr>
+          </a:lnRef>
+          <a:fillRef idx="1">
+            <a:schemeClr val="dk1"/>
+          </a:fillRef>
+          <a:effectRef idx="0">
+            <a:schemeClr val="dk1"/>
+          </a:effectRef>
+          <a:fontRef idx="minor">
+            <a:schemeClr val="lt1"/>
+          </a:fontRef>
+        </p:style>
+        <p:txBody>
+          <a:bodyPr rtlCol="0" anchor="ctr"/>
+          <a:lstStyle/>
+          <a:p>
+            <a:pPr algn="ctr"/>
+            <a:r>
+              <a:rPr lang="zh-CN" altLang="en-US" dirty="0"/>
+              <a:t>链路层</a:t>
+            </a:r>
+          </a:p>
+        </p:txBody>
+      </p:sp>
+      <p:sp>
+        <p:nvSpPr>
+          <p:cNvPr id="14" name="上箭头 13"/>
+          <p:cNvSpPr/>
+          <p:nvPr/>
+        </p:nvSpPr>
+        <p:spPr>
+          <a:xfrm>
+            <a:off x="1300766" y="1781713"/>
+            <a:ext cx="484632" cy="2727937"/>
+          </a:xfrm>
+          <a:prstGeom prst="upArrow">
+            <a:avLst/>
+          </a:prstGeom>
+        </p:spPr>
+        <p:style>
+          <a:lnRef idx="2">
+            <a:schemeClr val="accent1">
+              <a:shade val="50000"/>
+            </a:schemeClr>
+          </a:lnRef>
+          <a:fillRef idx="1">
+            <a:schemeClr val="accent1"/>
+          </a:fillRef>
+          <a:effectRef idx="0">
+            <a:schemeClr val="accent1"/>
+          </a:effectRef>
+          <a:fontRef idx="minor">
+            <a:schemeClr val="lt1"/>
+          </a:fontRef>
+        </p:style>
+        <p:txBody>
+          <a:bodyPr rtlCol="0" anchor="ctr"/>
+          <a:lstStyle/>
+          <a:p>
+            <a:pPr algn="ctr"/>
+            <a:endParaRPr lang="zh-CN" altLang="en-US"/>
+          </a:p>
+        </p:txBody>
+      </p:sp>
+      <p:sp>
+        <p:nvSpPr>
+          <p:cNvPr id="15" name="平行四边形 14"/>
+          <p:cNvSpPr/>
+          <p:nvPr/>
+        </p:nvSpPr>
+        <p:spPr>
+          <a:xfrm>
+            <a:off x="2101403" y="2543363"/>
+            <a:ext cx="2343952" cy="431442"/>
+          </a:xfrm>
+          <a:prstGeom prst="parallelogram">
+            <a:avLst/>
+          </a:prstGeom>
+        </p:spPr>
+        <p:style>
+          <a:lnRef idx="2">
+            <a:schemeClr val="dk1">
+              <a:shade val="50000"/>
+            </a:schemeClr>
+          </a:lnRef>
+          <a:fillRef idx="1">
+            <a:schemeClr val="dk1"/>
+          </a:fillRef>
+          <a:effectRef idx="0">
+            <a:schemeClr val="dk1"/>
+          </a:effectRef>
+          <a:fontRef idx="minor">
+            <a:schemeClr val="lt1"/>
+          </a:fontRef>
+        </p:style>
+        <p:txBody>
+          <a:bodyPr rtlCol="0" anchor="ctr"/>
+          <a:lstStyle/>
+          <a:p>
+            <a:pPr algn="ctr"/>
+            <a:r>
+              <a:rPr lang="zh-CN" altLang="en-US" dirty="0"/>
+              <a:t>传输层</a:t>
+            </a:r>
+          </a:p>
+        </p:txBody>
+      </p:sp>
+      <p:sp>
+        <p:nvSpPr>
+          <p:cNvPr id="16" name="文本框 15"/>
           <p:cNvSpPr txBox="1"/>
           <p:nvPr/>
         </p:nvSpPr>
         <p:spPr>
           <a:xfrm>
-            <a:off x="1918951" y="772732"/>
-            <a:ext cx="5666704" cy="769441"/>
+            <a:off x="1300766" y="5346247"/>
+            <a:ext cx="3631842" cy="369332"/>
           </a:xfrm>
           <a:prstGeom prst="rect">
             <a:avLst/>
@@ -3548,217 +4984,102 @@
           <a:p>
             <a:pPr algn="ctr"/>
             <a:r>
-              <a:rPr lang="en-US" altLang="zh-CN" sz="4400" dirty="0" err="1"/>
-              <a:t>activeMQ</a:t>
-            </a:r>
-            <a:endParaRPr lang="zh-CN" altLang="en-US" sz="4400" dirty="0"/>
-          </a:p>
-        </p:txBody>
-      </p:sp>
-      <p:sp>
-        <p:nvSpPr>
-          <p:cNvPr id="8" name="文本框 7"/>
-          <p:cNvSpPr txBox="1"/>
+              <a:rPr lang="en-US" altLang="zh-CN" dirty="0"/>
+              <a:t>TCP/IP</a:t>
+            </a:r>
+            <a:r>
+              <a:rPr lang="zh-CN" altLang="en-US" dirty="0"/>
+              <a:t>四层参考模型</a:t>
+            </a:r>
+          </a:p>
+        </p:txBody>
+      </p:sp>
+      <p:sp>
+        <p:nvSpPr>
+          <p:cNvPr id="19" name="左箭头 18"/>
+          <p:cNvSpPr/>
           <p:nvPr/>
         </p:nvSpPr>
         <p:spPr>
           <a:xfrm>
-            <a:off x="1687132" y="2099257"/>
-            <a:ext cx="5718219" cy="646331"/>
+            <a:off x="4761357" y="1876514"/>
+            <a:ext cx="1661375" cy="189604"/>
           </a:xfrm>
-          <a:prstGeom prst="rect">
+          <a:prstGeom prst="leftArrow">
             <a:avLst/>
           </a:prstGeom>
-          <a:noFill/>
         </p:spPr>
-        <p:txBody>
-          <a:bodyPr wrap="square" rtlCol="0">
-            <a:spAutoFit/>
-          </a:bodyPr>
-          <a:lstStyle/>
-          <a:p>
-            <a:r>
-              <a:rPr kumimoji="0" lang="en-US" altLang="zh-CN" b="0" i="0" u="none" strike="noStrike" cap="none" normalizeH="0" baseline="0" dirty="0">
-                <a:ln>
-                  <a:noFill/>
-                </a:ln>
-                <a:solidFill>
-                  <a:srgbClr val="3F3F3F"/>
-                </a:solidFill>
-                <a:effectLst/>
-                <a:latin typeface="Arial Unicode MS" panose="020B0604020202020204" pitchFamily="34" charset="-122"/>
-              </a:rPr>
-              <a:t>A</a:t>
-            </a:r>
-            <a:r>
-              <a:rPr kumimoji="0" lang="zh-CN" altLang="zh-CN" b="0" i="0" u="none" strike="noStrike" cap="none" normalizeH="0" baseline="0" dirty="0">
-                <a:ln>
-                  <a:noFill/>
-                </a:ln>
-                <a:solidFill>
-                  <a:srgbClr val="3F3F3F"/>
-                </a:solidFill>
-                <a:effectLst/>
-                <a:latin typeface="Arial Unicode MS" panose="020B0604020202020204" pitchFamily="34" charset="-122"/>
-              </a:rPr>
-              <a:t>mqp</a:t>
-            </a:r>
-            <a:endParaRPr kumimoji="0" lang="en-US" altLang="zh-CN" b="0" i="0" u="none" strike="noStrike" cap="none" normalizeH="0" baseline="0" dirty="0">
-              <a:ln>
-                <a:noFill/>
-              </a:ln>
-              <a:solidFill>
-                <a:srgbClr val="3F3F3F"/>
-              </a:solidFill>
-              <a:effectLst/>
-              <a:latin typeface="Arial Unicode MS" panose="020B0604020202020204" pitchFamily="34" charset="-122"/>
-            </a:endParaRPr>
-          </a:p>
-          <a:p>
-            <a:pPr lvl="0"/>
-            <a:r>
-              <a:rPr kumimoji="0" lang="zh-CN" altLang="zh-CN" b="0" i="0" u="none" strike="noStrike" cap="none" normalizeH="0" baseline="0" dirty="0">
-                <a:ln>
-                  <a:noFill/>
-                </a:ln>
-                <a:solidFill>
-                  <a:srgbClr val="3F3F3F"/>
-                </a:solidFill>
-                <a:effectLst/>
-                <a:latin typeface="Arial Unicode MS" panose="020B0604020202020204" pitchFamily="34" charset="-122"/>
-              </a:rPr>
-              <a:t>Received 10001 in 6.58 seconds</a:t>
-            </a:r>
-            <a:r>
-              <a:rPr kumimoji="0" lang="zh-CN" altLang="zh-CN" sz="1600" b="0" i="0" u="none" strike="noStrike" cap="none" normalizeH="0" baseline="0" dirty="0">
-                <a:ln>
-                  <a:noFill/>
-                </a:ln>
-                <a:solidFill>
-                  <a:schemeClr val="tx1"/>
-                </a:solidFill>
-                <a:effectLst/>
-              </a:rPr>
-              <a:t> </a:t>
-            </a:r>
-            <a:endParaRPr kumimoji="0" lang="zh-CN" altLang="zh-CN" sz="2800" b="0" i="0" u="none" strike="noStrike" cap="none" normalizeH="0" baseline="0" dirty="0">
-              <a:ln>
-                <a:noFill/>
-              </a:ln>
-              <a:solidFill>
-                <a:schemeClr val="tx1"/>
-              </a:solidFill>
-              <a:effectLst/>
-              <a:latin typeface="Arial" panose="020B0604020202020204" pitchFamily="34" charset="0"/>
-            </a:endParaRPr>
-          </a:p>
-        </p:txBody>
-      </p:sp>
-      <p:sp>
-        <p:nvSpPr>
-          <p:cNvPr id="13" name="文本框 12"/>
-          <p:cNvSpPr txBox="1"/>
+        <p:style>
+          <a:lnRef idx="2">
+            <a:schemeClr val="dk1"/>
+          </a:lnRef>
+          <a:fillRef idx="1">
+            <a:schemeClr val="lt1"/>
+          </a:fillRef>
+          <a:effectRef idx="0">
+            <a:schemeClr val="dk1"/>
+          </a:effectRef>
+          <a:fontRef idx="minor">
+            <a:schemeClr val="dk1"/>
+          </a:fontRef>
+        </p:style>
+        <p:txBody>
+          <a:bodyPr rtlCol="0" anchor="ctr"/>
+          <a:lstStyle/>
+          <a:p>
+            <a:pPr algn="ctr"/>
+            <a:endParaRPr lang="zh-CN" altLang="en-US"/>
+          </a:p>
+        </p:txBody>
+      </p:sp>
+      <p:sp>
+        <p:nvSpPr>
+          <p:cNvPr id="20" name="圆角矩形 19"/>
+          <p:cNvSpPr/>
           <p:nvPr/>
         </p:nvSpPr>
         <p:spPr>
           <a:xfrm>
-            <a:off x="1687131" y="3204693"/>
-            <a:ext cx="5718219" cy="646331"/>
+            <a:off x="6645498" y="1703074"/>
+            <a:ext cx="1674254" cy="536484"/>
           </a:xfrm>
-          <a:prstGeom prst="rect">
+          <a:prstGeom prst="roundRect">
             <a:avLst/>
           </a:prstGeom>
-          <a:noFill/>
         </p:spPr>
-        <p:txBody>
-          <a:bodyPr wrap="square" rtlCol="0">
-            <a:spAutoFit/>
-          </a:bodyPr>
-          <a:lstStyle/>
-          <a:p>
-            <a:pPr lvl="0" eaLnBrk="0" fontAlgn="base" hangingPunct="0">
-              <a:spcBef>
-                <a:spcPct val="0"/>
-              </a:spcBef>
-              <a:spcAft>
-                <a:spcPct val="0"/>
-              </a:spcAft>
-            </a:pPr>
-            <a:r>
-              <a:rPr kumimoji="0" lang="zh-CN" altLang="zh-CN" b="0" i="0" u="none" strike="noStrike" cap="none" normalizeH="0" baseline="0" dirty="0">
-                <a:ln>
-                  <a:noFill/>
-                </a:ln>
-                <a:solidFill>
-                  <a:srgbClr val="3F3F3F"/>
-                </a:solidFill>
-                <a:effectLst/>
-                <a:latin typeface="Arial Unicode MS" panose="020B0604020202020204" pitchFamily="34" charset="-122"/>
-              </a:rPr>
-              <a:t>mqtt </a:t>
-            </a:r>
-            <a:endParaRPr kumimoji="0" lang="en-US" altLang="zh-CN" b="0" i="0" u="none" strike="noStrike" cap="none" normalizeH="0" baseline="0" dirty="0">
-              <a:ln>
-                <a:noFill/>
-              </a:ln>
-              <a:solidFill>
-                <a:srgbClr val="3F3F3F"/>
-              </a:solidFill>
-              <a:effectLst/>
-              <a:latin typeface="Arial Unicode MS" panose="020B0604020202020204" pitchFamily="34" charset="-122"/>
-            </a:endParaRPr>
-          </a:p>
-          <a:p>
-            <a:pPr lvl="0" eaLnBrk="0" fontAlgn="base" hangingPunct="0">
-              <a:spcBef>
-                <a:spcPct val="0"/>
-              </a:spcBef>
-              <a:spcAft>
-                <a:spcPct val="0"/>
-              </a:spcAft>
-            </a:pPr>
-            <a:r>
-              <a:rPr kumimoji="0" lang="zh-CN" altLang="zh-CN" b="0" i="0" u="none" strike="noStrike" cap="none" normalizeH="0" baseline="0" dirty="0">
-                <a:ln>
-                  <a:noFill/>
-                </a:ln>
-                <a:solidFill>
-                  <a:srgbClr val="3F3F3F"/>
-                </a:solidFill>
-                <a:effectLst/>
-                <a:latin typeface="Arial Unicode MS" panose="020B0604020202020204" pitchFamily="34" charset="-122"/>
-              </a:rPr>
-              <a:t>Received 10000 in 2.69 seconds</a:t>
-            </a:r>
-            <a:r>
-              <a:rPr kumimoji="0" lang="zh-CN" altLang="zh-CN" sz="1600" b="0" i="0" u="none" strike="noStrike" cap="none" normalizeH="0" baseline="0" dirty="0">
-                <a:ln>
-                  <a:noFill/>
-                </a:ln>
-                <a:solidFill>
-                  <a:schemeClr val="tx1"/>
-                </a:solidFill>
-                <a:effectLst/>
-              </a:rPr>
-              <a:t> </a:t>
-            </a:r>
-            <a:endParaRPr kumimoji="0" lang="zh-CN" altLang="zh-CN" sz="2800" b="0" i="0" u="none" strike="noStrike" cap="none" normalizeH="0" baseline="0" dirty="0">
-              <a:ln>
-                <a:noFill/>
-              </a:ln>
-              <a:solidFill>
-                <a:schemeClr val="tx1"/>
-              </a:solidFill>
-              <a:effectLst/>
-              <a:latin typeface="Arial" panose="020B0604020202020204" pitchFamily="34" charset="0"/>
-            </a:endParaRPr>
+        <p:style>
+          <a:lnRef idx="2">
+            <a:schemeClr val="accent1">
+              <a:shade val="50000"/>
+            </a:schemeClr>
+          </a:lnRef>
+          <a:fillRef idx="1">
+            <a:schemeClr val="accent1"/>
+          </a:fillRef>
+          <a:effectRef idx="0">
+            <a:schemeClr val="accent1"/>
+          </a:effectRef>
+          <a:fontRef idx="minor">
+            <a:schemeClr val="lt1"/>
+          </a:fontRef>
+        </p:style>
+        <p:txBody>
+          <a:bodyPr rtlCol="0" anchor="ctr"/>
+          <a:lstStyle/>
+          <a:p>
+            <a:pPr algn="ctr"/>
+            <a:r>
+              <a:rPr lang="en-US" altLang="zh-CN" dirty="0" err="1"/>
+              <a:t>mqtt</a:t>
+            </a:r>
+            <a:endParaRPr lang="zh-CN" altLang="en-US" dirty="0"/>
           </a:p>
         </p:txBody>
       </p:sp>
     </p:spTree>
     <p:extLst>
       <p:ext uri="{BB962C8B-B14F-4D97-AF65-F5344CB8AC3E}">
-        <p14:creationId xmlns:p14="http://schemas.microsoft.com/office/powerpoint/2010/main" val="1769233406"/>
+        <p14:creationId xmlns:p14="http://schemas.microsoft.com/office/powerpoint/2010/main" val="2505989208"/>
       </p:ext>
     </p:extLst>
   </p:cSld>
@@ -3768,7 +5089,4025 @@
 </p:sld>
 </file>
 
+<file path=ppt/slides/slide14.xml><?xml version="1.0" encoding="utf-8"?>
+<p:sld xmlns:a="http://schemas.openxmlformats.org/drawingml/2006/main" xmlns:r="http://schemas.openxmlformats.org/officeDocument/2006/relationships" xmlns:p="http://schemas.openxmlformats.org/presentationml/2006/main">
+  <p:cSld>
+    <p:spTree>
+      <p:nvGrpSpPr>
+        <p:cNvPr id="1" name=""/>
+        <p:cNvGrpSpPr/>
+        <p:nvPr/>
+      </p:nvGrpSpPr>
+      <p:grpSpPr>
+        <a:xfrm>
+          <a:off x="0" y="0"/>
+          <a:ext cx="0" cy="0"/>
+          <a:chOff x="0" y="0"/>
+          <a:chExt cx="0" cy="0"/>
+        </a:xfrm>
+      </p:grpSpPr>
+      <p:sp>
+        <p:nvSpPr>
+          <p:cNvPr id="5" name="文本框 4"/>
+          <p:cNvSpPr txBox="1"/>
+          <p:nvPr/>
+        </p:nvSpPr>
+        <p:spPr>
+          <a:xfrm>
+            <a:off x="4075045" y="1171603"/>
+            <a:ext cx="3003306" cy="584775"/>
+          </a:xfrm>
+          <a:prstGeom prst="rect">
+            <a:avLst/>
+          </a:prstGeom>
+          <a:noFill/>
+        </p:spPr>
+        <p:txBody>
+          <a:bodyPr wrap="square" rtlCol="0">
+            <a:spAutoFit/>
+          </a:bodyPr>
+          <a:lstStyle/>
+          <a:p>
+            <a:pPr algn="ctr"/>
+            <a:r>
+              <a:rPr lang="en-US" altLang="zh-CN" sz="3200" dirty="0"/>
+              <a:t>Topic</a:t>
+            </a:r>
+            <a:r>
+              <a:rPr lang="zh-CN" altLang="en-US" sz="3200" dirty="0"/>
+              <a:t>路由规则</a:t>
+            </a:r>
+            <a:r>
+              <a:rPr lang="en-US" altLang="zh-CN" sz="3200" dirty="0"/>
+              <a:t> </a:t>
+            </a:r>
+          </a:p>
+        </p:txBody>
+      </p:sp>
+      <p:sp>
+        <p:nvSpPr>
+          <p:cNvPr id="2" name="文本框 1"/>
+          <p:cNvSpPr txBox="1"/>
+          <p:nvPr/>
+        </p:nvSpPr>
+        <p:spPr>
+          <a:xfrm>
+            <a:off x="1606825" y="3233531"/>
+            <a:ext cx="1868557" cy="369332"/>
+          </a:xfrm>
+          <a:prstGeom prst="rect">
+            <a:avLst/>
+          </a:prstGeom>
+          <a:noFill/>
+        </p:spPr>
+        <p:txBody>
+          <a:bodyPr wrap="square" rtlCol="0">
+            <a:spAutoFit/>
+          </a:bodyPr>
+          <a:lstStyle/>
+          <a:p>
+            <a:r>
+              <a:rPr lang="en-US" altLang="zh-CN" dirty="0" err="1"/>
+              <a:t>Msj</a:t>
+            </a:r>
+            <a:r>
+              <a:rPr lang="en-US" altLang="zh-CN" dirty="0"/>
+              <a:t>/+</a:t>
+            </a:r>
+            <a:endParaRPr lang="zh-CN" altLang="en-US" dirty="0"/>
+          </a:p>
+        </p:txBody>
+      </p:sp>
+      <p:sp>
+        <p:nvSpPr>
+          <p:cNvPr id="4" name="文本框 3"/>
+          <p:cNvSpPr txBox="1"/>
+          <p:nvPr/>
+        </p:nvSpPr>
+        <p:spPr>
+          <a:xfrm>
+            <a:off x="1606825" y="1941444"/>
+            <a:ext cx="1981201" cy="369332"/>
+          </a:xfrm>
+          <a:prstGeom prst="rect">
+            <a:avLst/>
+          </a:prstGeom>
+          <a:noFill/>
+        </p:spPr>
+        <p:txBody>
+          <a:bodyPr wrap="square" rtlCol="0">
+            <a:spAutoFit/>
+          </a:bodyPr>
+          <a:lstStyle/>
+          <a:p>
+            <a:r>
+              <a:rPr lang="zh-CN" altLang="en-US" dirty="0"/>
+              <a:t>主题层级分隔符 </a:t>
+            </a:r>
+            <a:endParaRPr lang="zh-CN" altLang="en-US" dirty="0"/>
+          </a:p>
+        </p:txBody>
+      </p:sp>
+      <p:sp>
+        <p:nvSpPr>
+          <p:cNvPr id="6" name="文本框 5"/>
+          <p:cNvSpPr txBox="1"/>
+          <p:nvPr/>
+        </p:nvSpPr>
+        <p:spPr>
+          <a:xfrm>
+            <a:off x="3531705" y="1941444"/>
+            <a:ext cx="543340" cy="369332"/>
+          </a:xfrm>
+          <a:prstGeom prst="rect">
+            <a:avLst/>
+          </a:prstGeom>
+          <a:noFill/>
+        </p:spPr>
+        <p:txBody>
+          <a:bodyPr wrap="square" rtlCol="0">
+            <a:spAutoFit/>
+          </a:bodyPr>
+          <a:lstStyle/>
+          <a:p>
+            <a:r>
+              <a:rPr lang="en-US" altLang="zh-CN" dirty="0"/>
+              <a:t>/</a:t>
+            </a:r>
+            <a:endParaRPr lang="zh-CN" altLang="en-US" dirty="0"/>
+          </a:p>
+        </p:txBody>
+      </p:sp>
+      <p:cxnSp>
+        <p:nvCxnSpPr>
+          <p:cNvPr id="9" name="直接箭头连接符 8"/>
+          <p:cNvCxnSpPr>
+            <a:cxnSpLocks/>
+          </p:cNvCxnSpPr>
+          <p:nvPr/>
+        </p:nvCxnSpPr>
+        <p:spPr>
+          <a:xfrm>
+            <a:off x="2411899" y="2451652"/>
+            <a:ext cx="0" cy="622852"/>
+          </a:xfrm>
+          <a:prstGeom prst="straightConnector1">
+            <a:avLst/>
+          </a:prstGeom>
+          <a:ln>
+            <a:tailEnd type="triangle"/>
+          </a:ln>
+        </p:spPr>
+        <p:style>
+          <a:lnRef idx="1">
+            <a:schemeClr val="accent1"/>
+          </a:lnRef>
+          <a:fillRef idx="0">
+            <a:schemeClr val="accent1"/>
+          </a:fillRef>
+          <a:effectRef idx="0">
+            <a:schemeClr val="accent1"/>
+          </a:effectRef>
+          <a:fontRef idx="minor">
+            <a:schemeClr val="tx1"/>
+          </a:fontRef>
+        </p:style>
+      </p:cxnSp>
+      <p:cxnSp>
+        <p:nvCxnSpPr>
+          <p:cNvPr id="12" name="直接箭头连接符 11"/>
+          <p:cNvCxnSpPr>
+            <a:cxnSpLocks/>
+          </p:cNvCxnSpPr>
+          <p:nvPr/>
+        </p:nvCxnSpPr>
+        <p:spPr>
+          <a:xfrm>
+            <a:off x="2458283" y="4022036"/>
+            <a:ext cx="0" cy="622852"/>
+          </a:xfrm>
+          <a:prstGeom prst="straightConnector1">
+            <a:avLst/>
+          </a:prstGeom>
+          <a:ln>
+            <a:tailEnd type="triangle"/>
+          </a:ln>
+        </p:spPr>
+        <p:style>
+          <a:lnRef idx="1">
+            <a:schemeClr val="accent1"/>
+          </a:lnRef>
+          <a:fillRef idx="0">
+            <a:schemeClr val="accent1"/>
+          </a:fillRef>
+          <a:effectRef idx="0">
+            <a:schemeClr val="accent1"/>
+          </a:effectRef>
+          <a:fontRef idx="minor">
+            <a:schemeClr val="tx1"/>
+          </a:fontRef>
+        </p:style>
+      </p:cxnSp>
+      <p:sp>
+        <p:nvSpPr>
+          <p:cNvPr id="13" name="文本框 12"/>
+          <p:cNvSpPr txBox="1"/>
+          <p:nvPr/>
+        </p:nvSpPr>
+        <p:spPr>
+          <a:xfrm>
+            <a:off x="1719469" y="4785763"/>
+            <a:ext cx="1868557" cy="369332"/>
+          </a:xfrm>
+          <a:prstGeom prst="rect">
+            <a:avLst/>
+          </a:prstGeom>
+          <a:noFill/>
+        </p:spPr>
+        <p:txBody>
+          <a:bodyPr wrap="square" rtlCol="0">
+            <a:spAutoFit/>
+          </a:bodyPr>
+          <a:lstStyle/>
+          <a:p>
+            <a:r>
+              <a:rPr lang="en-US" altLang="zh-CN" dirty="0" err="1"/>
+              <a:t>Msj</a:t>
+            </a:r>
+            <a:r>
+              <a:rPr lang="en-US" altLang="zh-CN" dirty="0"/>
+              <a:t>/</a:t>
+            </a:r>
+            <a:r>
+              <a:rPr lang="en-US" altLang="zh-CN" dirty="0" err="1"/>
+              <a:t>aaa</a:t>
+            </a:r>
+            <a:endParaRPr lang="zh-CN" altLang="en-US" dirty="0"/>
+          </a:p>
+        </p:txBody>
+      </p:sp>
+      <p:sp>
+        <p:nvSpPr>
+          <p:cNvPr id="14" name="文本框 13"/>
+          <p:cNvSpPr txBox="1"/>
+          <p:nvPr/>
+        </p:nvSpPr>
+        <p:spPr>
+          <a:xfrm>
+            <a:off x="7576938" y="3187150"/>
+            <a:ext cx="1868557" cy="369332"/>
+          </a:xfrm>
+          <a:prstGeom prst="rect">
+            <a:avLst/>
+          </a:prstGeom>
+          <a:noFill/>
+        </p:spPr>
+        <p:txBody>
+          <a:bodyPr wrap="square" rtlCol="0">
+            <a:spAutoFit/>
+          </a:bodyPr>
+          <a:lstStyle/>
+          <a:p>
+            <a:r>
+              <a:rPr lang="en-US" altLang="zh-CN" dirty="0" err="1"/>
+              <a:t>Msj</a:t>
+            </a:r>
+            <a:r>
+              <a:rPr lang="en-US" altLang="zh-CN" dirty="0"/>
+              <a:t>/#</a:t>
+            </a:r>
+            <a:endParaRPr lang="zh-CN" altLang="en-US" dirty="0"/>
+          </a:p>
+        </p:txBody>
+      </p:sp>
+      <p:sp>
+        <p:nvSpPr>
+          <p:cNvPr id="15" name="文本框 14"/>
+          <p:cNvSpPr txBox="1"/>
+          <p:nvPr/>
+        </p:nvSpPr>
+        <p:spPr>
+          <a:xfrm>
+            <a:off x="7576938" y="1895063"/>
+            <a:ext cx="1981201" cy="369332"/>
+          </a:xfrm>
+          <a:prstGeom prst="rect">
+            <a:avLst/>
+          </a:prstGeom>
+          <a:noFill/>
+        </p:spPr>
+        <p:txBody>
+          <a:bodyPr wrap="square" rtlCol="0">
+            <a:spAutoFit/>
+          </a:bodyPr>
+          <a:lstStyle/>
+          <a:p>
+            <a:r>
+              <a:rPr lang="zh-CN" altLang="en-US" dirty="0"/>
+              <a:t>主题层级分隔符 </a:t>
+            </a:r>
+            <a:endParaRPr lang="zh-CN" altLang="en-US" dirty="0"/>
+          </a:p>
+        </p:txBody>
+      </p:sp>
+      <p:cxnSp>
+        <p:nvCxnSpPr>
+          <p:cNvPr id="16" name="直接箭头连接符 15"/>
+          <p:cNvCxnSpPr>
+            <a:cxnSpLocks/>
+          </p:cNvCxnSpPr>
+          <p:nvPr/>
+        </p:nvCxnSpPr>
+        <p:spPr>
+          <a:xfrm>
+            <a:off x="8382012" y="2405271"/>
+            <a:ext cx="0" cy="622852"/>
+          </a:xfrm>
+          <a:prstGeom prst="straightConnector1">
+            <a:avLst/>
+          </a:prstGeom>
+          <a:ln>
+            <a:tailEnd type="triangle"/>
+          </a:ln>
+        </p:spPr>
+        <p:style>
+          <a:lnRef idx="1">
+            <a:schemeClr val="accent1"/>
+          </a:lnRef>
+          <a:fillRef idx="0">
+            <a:schemeClr val="accent1"/>
+          </a:fillRef>
+          <a:effectRef idx="0">
+            <a:schemeClr val="accent1"/>
+          </a:effectRef>
+          <a:fontRef idx="minor">
+            <a:schemeClr val="tx1"/>
+          </a:fontRef>
+        </p:style>
+      </p:cxnSp>
+      <p:cxnSp>
+        <p:nvCxnSpPr>
+          <p:cNvPr id="17" name="直接箭头连接符 16"/>
+          <p:cNvCxnSpPr>
+            <a:cxnSpLocks/>
+          </p:cNvCxnSpPr>
+          <p:nvPr/>
+        </p:nvCxnSpPr>
+        <p:spPr>
+          <a:xfrm>
+            <a:off x="8428396" y="3975655"/>
+            <a:ext cx="0" cy="622852"/>
+          </a:xfrm>
+          <a:prstGeom prst="straightConnector1">
+            <a:avLst/>
+          </a:prstGeom>
+          <a:ln>
+            <a:tailEnd type="triangle"/>
+          </a:ln>
+        </p:spPr>
+        <p:style>
+          <a:lnRef idx="1">
+            <a:schemeClr val="accent1"/>
+          </a:lnRef>
+          <a:fillRef idx="0">
+            <a:schemeClr val="accent1"/>
+          </a:fillRef>
+          <a:effectRef idx="0">
+            <a:schemeClr val="accent1"/>
+          </a:effectRef>
+          <a:fontRef idx="minor">
+            <a:schemeClr val="tx1"/>
+          </a:fontRef>
+        </p:style>
+      </p:cxnSp>
+      <p:sp>
+        <p:nvSpPr>
+          <p:cNvPr id="18" name="文本框 17"/>
+          <p:cNvSpPr txBox="1"/>
+          <p:nvPr/>
+        </p:nvSpPr>
+        <p:spPr>
+          <a:xfrm>
+            <a:off x="7689582" y="4739388"/>
+            <a:ext cx="1755913" cy="646331"/>
+          </a:xfrm>
+          <a:prstGeom prst="rect">
+            <a:avLst/>
+          </a:prstGeom>
+          <a:noFill/>
+        </p:spPr>
+        <p:txBody>
+          <a:bodyPr wrap="square" rtlCol="0">
+            <a:spAutoFit/>
+          </a:bodyPr>
+          <a:lstStyle/>
+          <a:p>
+            <a:r>
+              <a:rPr lang="en-US" altLang="zh-CN" dirty="0" err="1"/>
+              <a:t>Msj</a:t>
+            </a:r>
+            <a:r>
+              <a:rPr lang="en-US" altLang="zh-CN" dirty="0"/>
+              <a:t>/</a:t>
+            </a:r>
+            <a:r>
+              <a:rPr lang="en-US" altLang="zh-CN" dirty="0" err="1"/>
+              <a:t>aaa</a:t>
+            </a:r>
+            <a:r>
+              <a:rPr lang="en-US" altLang="zh-CN" dirty="0"/>
+              <a:t>/</a:t>
+            </a:r>
+            <a:r>
+              <a:rPr lang="en-US" altLang="zh-CN" dirty="0" err="1"/>
+              <a:t>bbb</a:t>
+            </a:r>
+            <a:endParaRPr lang="en-US" altLang="zh-CN" dirty="0"/>
+          </a:p>
+          <a:p>
+            <a:r>
+              <a:rPr lang="en-US" altLang="zh-CN" dirty="0" err="1"/>
+              <a:t>Msj</a:t>
+            </a:r>
+            <a:r>
+              <a:rPr lang="en-US" altLang="zh-CN" dirty="0"/>
+              <a:t>/</a:t>
+            </a:r>
+            <a:r>
+              <a:rPr lang="en-US" altLang="zh-CN" dirty="0" err="1"/>
+              <a:t>aaa</a:t>
+            </a:r>
+            <a:endParaRPr lang="zh-CN" altLang="en-US" dirty="0"/>
+          </a:p>
+        </p:txBody>
+      </p:sp>
+    </p:spTree>
+    <p:extLst>
+      <p:ext uri="{BB962C8B-B14F-4D97-AF65-F5344CB8AC3E}">
+        <p14:creationId xmlns:p14="http://schemas.microsoft.com/office/powerpoint/2010/main" val="340432469"/>
+      </p:ext>
+    </p:extLst>
+  </p:cSld>
+  <p:clrMapOvr>
+    <a:masterClrMapping/>
+  </p:clrMapOvr>
+  <p:timing>
+    <p:tnLst>
+      <p:par>
+        <p:cTn id="1" dur="indefinite" restart="never" nodeType="tmRoot">
+          <p:childTnLst>
+            <p:seq concurrent="1" nextAc="seek">
+              <p:cTn id="2" dur="indefinite" nodeType="mainSeq">
+                <p:childTnLst>
+                  <p:par>
+                    <p:cTn id="3" fill="hold">
+                      <p:stCondLst>
+                        <p:cond delay="indefinite"/>
+                      </p:stCondLst>
+                      <p:childTnLst>
+                        <p:par>
+                          <p:cTn id="4" fill="hold">
+                            <p:stCondLst>
+                              <p:cond delay="0"/>
+                            </p:stCondLst>
+                            <p:childTnLst>
+                              <p:par>
+                                <p:cTn id="5" presetID="1" presetClass="entr" presetSubtype="0" fill="hold" grpId="0" nodeType="clickEffect">
+                                  <p:stCondLst>
+                                    <p:cond delay="0"/>
+                                  </p:stCondLst>
+                                  <p:childTnLst>
+                                    <p:set>
+                                      <p:cBhvr>
+                                        <p:cTn id="6" dur="1" fill="hold">
+                                          <p:stCondLst>
+                                            <p:cond delay="0"/>
+                                          </p:stCondLst>
+                                        </p:cTn>
+                                        <p:tgtEl>
+                                          <p:spTgt spid="4"/>
+                                        </p:tgtEl>
+                                        <p:attrNameLst>
+                                          <p:attrName>style.visibility</p:attrName>
+                                        </p:attrNameLst>
+                                      </p:cBhvr>
+                                      <p:to>
+                                        <p:strVal val="visible"/>
+                                      </p:to>
+                                    </p:set>
+                                  </p:childTnLst>
+                                </p:cTn>
+                              </p:par>
+                              <p:par>
+                                <p:cTn id="7" presetID="1" presetClass="entr" presetSubtype="0" fill="hold" nodeType="withEffect">
+                                  <p:stCondLst>
+                                    <p:cond delay="0"/>
+                                  </p:stCondLst>
+                                  <p:childTnLst>
+                                    <p:set>
+                                      <p:cBhvr>
+                                        <p:cTn id="8" dur="1" fill="hold">
+                                          <p:stCondLst>
+                                            <p:cond delay="0"/>
+                                          </p:stCondLst>
+                                        </p:cTn>
+                                        <p:tgtEl>
+                                          <p:spTgt spid="9"/>
+                                        </p:tgtEl>
+                                        <p:attrNameLst>
+                                          <p:attrName>style.visibility</p:attrName>
+                                        </p:attrNameLst>
+                                      </p:cBhvr>
+                                      <p:to>
+                                        <p:strVal val="visible"/>
+                                      </p:to>
+                                    </p:set>
+                                  </p:childTnLst>
+                                </p:cTn>
+                              </p:par>
+                              <p:par>
+                                <p:cTn id="9" presetID="1" presetClass="entr" presetSubtype="0" fill="hold" grpId="0" nodeType="withEffect">
+                                  <p:stCondLst>
+                                    <p:cond delay="0"/>
+                                  </p:stCondLst>
+                                  <p:childTnLst>
+                                    <p:set>
+                                      <p:cBhvr>
+                                        <p:cTn id="10" dur="1" fill="hold">
+                                          <p:stCondLst>
+                                            <p:cond delay="0"/>
+                                          </p:stCondLst>
+                                        </p:cTn>
+                                        <p:tgtEl>
+                                          <p:spTgt spid="2"/>
+                                        </p:tgtEl>
+                                        <p:attrNameLst>
+                                          <p:attrName>style.visibility</p:attrName>
+                                        </p:attrNameLst>
+                                      </p:cBhvr>
+                                      <p:to>
+                                        <p:strVal val="visible"/>
+                                      </p:to>
+                                    </p:set>
+                                  </p:childTnLst>
+                                </p:cTn>
+                              </p:par>
+                              <p:par>
+                                <p:cTn id="11" presetID="1" presetClass="entr" presetSubtype="0" fill="hold" nodeType="withEffect">
+                                  <p:stCondLst>
+                                    <p:cond delay="0"/>
+                                  </p:stCondLst>
+                                  <p:childTnLst>
+                                    <p:set>
+                                      <p:cBhvr>
+                                        <p:cTn id="12" dur="1" fill="hold">
+                                          <p:stCondLst>
+                                            <p:cond delay="0"/>
+                                          </p:stCondLst>
+                                        </p:cTn>
+                                        <p:tgtEl>
+                                          <p:spTgt spid="12"/>
+                                        </p:tgtEl>
+                                        <p:attrNameLst>
+                                          <p:attrName>style.visibility</p:attrName>
+                                        </p:attrNameLst>
+                                      </p:cBhvr>
+                                      <p:to>
+                                        <p:strVal val="visible"/>
+                                      </p:to>
+                                    </p:set>
+                                  </p:childTnLst>
+                                </p:cTn>
+                              </p:par>
+                              <p:par>
+                                <p:cTn id="13" presetID="1" presetClass="entr" presetSubtype="0" fill="hold" grpId="0" nodeType="withEffect">
+                                  <p:stCondLst>
+                                    <p:cond delay="0"/>
+                                  </p:stCondLst>
+                                  <p:childTnLst>
+                                    <p:set>
+                                      <p:cBhvr>
+                                        <p:cTn id="14" dur="1" fill="hold">
+                                          <p:stCondLst>
+                                            <p:cond delay="0"/>
+                                          </p:stCondLst>
+                                        </p:cTn>
+                                        <p:tgtEl>
+                                          <p:spTgt spid="13"/>
+                                        </p:tgtEl>
+                                        <p:attrNameLst>
+                                          <p:attrName>style.visibility</p:attrName>
+                                        </p:attrNameLst>
+                                      </p:cBhvr>
+                                      <p:to>
+                                        <p:strVal val="visible"/>
+                                      </p:to>
+                                    </p:set>
+                                  </p:childTnLst>
+                                </p:cTn>
+                              </p:par>
+                              <p:par>
+                                <p:cTn id="15" presetID="1" presetClass="entr" presetSubtype="0" fill="hold" grpId="0" nodeType="withEffect">
+                                  <p:stCondLst>
+                                    <p:cond delay="0"/>
+                                  </p:stCondLst>
+                                  <p:childTnLst>
+                                    <p:set>
+                                      <p:cBhvr>
+                                        <p:cTn id="16" dur="1" fill="hold">
+                                          <p:stCondLst>
+                                            <p:cond delay="0"/>
+                                          </p:stCondLst>
+                                        </p:cTn>
+                                        <p:tgtEl>
+                                          <p:spTgt spid="6"/>
+                                        </p:tgtEl>
+                                        <p:attrNameLst>
+                                          <p:attrName>style.visibility</p:attrName>
+                                        </p:attrNameLst>
+                                      </p:cBhvr>
+                                      <p:to>
+                                        <p:strVal val="visible"/>
+                                      </p:to>
+                                    </p:set>
+                                  </p:childTnLst>
+                                </p:cTn>
+                              </p:par>
+                            </p:childTnLst>
+                          </p:cTn>
+                        </p:par>
+                      </p:childTnLst>
+                    </p:cTn>
+                  </p:par>
+                  <p:par>
+                    <p:cTn id="17" fill="hold">
+                      <p:stCondLst>
+                        <p:cond delay="indefinite"/>
+                      </p:stCondLst>
+                      <p:childTnLst>
+                        <p:par>
+                          <p:cTn id="18" fill="hold">
+                            <p:stCondLst>
+                              <p:cond delay="0"/>
+                            </p:stCondLst>
+                            <p:childTnLst>
+                              <p:par>
+                                <p:cTn id="19" presetID="1" presetClass="entr" presetSubtype="0" fill="hold" nodeType="clickEffect">
+                                  <p:stCondLst>
+                                    <p:cond delay="0"/>
+                                  </p:stCondLst>
+                                  <p:childTnLst>
+                                    <p:set>
+                                      <p:cBhvr>
+                                        <p:cTn id="20" dur="1" fill="hold">
+                                          <p:stCondLst>
+                                            <p:cond delay="0"/>
+                                          </p:stCondLst>
+                                        </p:cTn>
+                                        <p:tgtEl>
+                                          <p:spTgt spid="16"/>
+                                        </p:tgtEl>
+                                        <p:attrNameLst>
+                                          <p:attrName>style.visibility</p:attrName>
+                                        </p:attrNameLst>
+                                      </p:cBhvr>
+                                      <p:to>
+                                        <p:strVal val="visible"/>
+                                      </p:to>
+                                    </p:set>
+                                  </p:childTnLst>
+                                </p:cTn>
+                              </p:par>
+                              <p:par>
+                                <p:cTn id="21" presetID="1" presetClass="entr" presetSubtype="0" fill="hold" grpId="0" nodeType="withEffect">
+                                  <p:stCondLst>
+                                    <p:cond delay="0"/>
+                                  </p:stCondLst>
+                                  <p:childTnLst>
+                                    <p:set>
+                                      <p:cBhvr>
+                                        <p:cTn id="22" dur="1" fill="hold">
+                                          <p:stCondLst>
+                                            <p:cond delay="0"/>
+                                          </p:stCondLst>
+                                        </p:cTn>
+                                        <p:tgtEl>
+                                          <p:spTgt spid="14"/>
+                                        </p:tgtEl>
+                                        <p:attrNameLst>
+                                          <p:attrName>style.visibility</p:attrName>
+                                        </p:attrNameLst>
+                                      </p:cBhvr>
+                                      <p:to>
+                                        <p:strVal val="visible"/>
+                                      </p:to>
+                                    </p:set>
+                                  </p:childTnLst>
+                                </p:cTn>
+                              </p:par>
+                              <p:par>
+                                <p:cTn id="23" presetID="1" presetClass="entr" presetSubtype="0" fill="hold" nodeType="withEffect">
+                                  <p:stCondLst>
+                                    <p:cond delay="0"/>
+                                  </p:stCondLst>
+                                  <p:childTnLst>
+                                    <p:set>
+                                      <p:cBhvr>
+                                        <p:cTn id="24" dur="1" fill="hold">
+                                          <p:stCondLst>
+                                            <p:cond delay="0"/>
+                                          </p:stCondLst>
+                                        </p:cTn>
+                                        <p:tgtEl>
+                                          <p:spTgt spid="17"/>
+                                        </p:tgtEl>
+                                        <p:attrNameLst>
+                                          <p:attrName>style.visibility</p:attrName>
+                                        </p:attrNameLst>
+                                      </p:cBhvr>
+                                      <p:to>
+                                        <p:strVal val="visible"/>
+                                      </p:to>
+                                    </p:set>
+                                  </p:childTnLst>
+                                </p:cTn>
+                              </p:par>
+                              <p:par>
+                                <p:cTn id="25" presetID="1" presetClass="entr" presetSubtype="0" fill="hold" grpId="0" nodeType="withEffect">
+                                  <p:stCondLst>
+                                    <p:cond delay="0"/>
+                                  </p:stCondLst>
+                                  <p:childTnLst>
+                                    <p:set>
+                                      <p:cBhvr>
+                                        <p:cTn id="26" dur="1" fill="hold">
+                                          <p:stCondLst>
+                                            <p:cond delay="0"/>
+                                          </p:stCondLst>
+                                        </p:cTn>
+                                        <p:tgtEl>
+                                          <p:spTgt spid="18"/>
+                                        </p:tgtEl>
+                                        <p:attrNameLst>
+                                          <p:attrName>style.visibility</p:attrName>
+                                        </p:attrNameLst>
+                                      </p:cBhvr>
+                                      <p:to>
+                                        <p:strVal val="visible"/>
+                                      </p:to>
+                                    </p:set>
+                                  </p:childTnLst>
+                                </p:cTn>
+                              </p:par>
+                            </p:childTnLst>
+                          </p:cTn>
+                        </p:par>
+                      </p:childTnLst>
+                    </p:cTn>
+                  </p:par>
+                </p:childTnLst>
+              </p:cTn>
+              <p:prevCondLst>
+                <p:cond evt="onPrev" delay="0">
+                  <p:tgtEl>
+                    <p:sldTgt/>
+                  </p:tgtEl>
+                </p:cond>
+              </p:prevCondLst>
+              <p:nextCondLst>
+                <p:cond evt="onNext" delay="0">
+                  <p:tgtEl>
+                    <p:sldTgt/>
+                  </p:tgtEl>
+                </p:cond>
+              </p:nextCondLst>
+            </p:seq>
+          </p:childTnLst>
+        </p:cTn>
+      </p:par>
+    </p:tnLst>
+    <p:bldLst>
+      <p:bldP spid="2" grpId="0"/>
+      <p:bldP spid="4" grpId="0"/>
+      <p:bldP spid="6" grpId="0"/>
+      <p:bldP spid="13" grpId="0"/>
+      <p:bldP spid="14" grpId="0"/>
+      <p:bldP spid="18" grpId="0"/>
+    </p:bldLst>
+  </p:timing>
+</p:sld>
+</file>
+
 <file path=ppt/slides/slide2.xml><?xml version="1.0" encoding="utf-8"?>
+<p:sld xmlns:a="http://schemas.openxmlformats.org/drawingml/2006/main" xmlns:r="http://schemas.openxmlformats.org/officeDocument/2006/relationships" xmlns:p="http://schemas.openxmlformats.org/presentationml/2006/main">
+  <p:cSld>
+    <p:spTree>
+      <p:nvGrpSpPr>
+        <p:cNvPr id="1" name=""/>
+        <p:cNvGrpSpPr/>
+        <p:nvPr/>
+      </p:nvGrpSpPr>
+      <p:grpSpPr>
+        <a:xfrm>
+          <a:off x="0" y="0"/>
+          <a:ext cx="0" cy="0"/>
+          <a:chOff x="0" y="0"/>
+          <a:chExt cx="0" cy="0"/>
+        </a:xfrm>
+      </p:grpSpPr>
+      <p:sp>
+        <p:nvSpPr>
+          <p:cNvPr id="5" name="文本框 4"/>
+          <p:cNvSpPr txBox="1"/>
+          <p:nvPr/>
+        </p:nvSpPr>
+        <p:spPr>
+          <a:xfrm>
+            <a:off x="4913942" y="1444486"/>
+            <a:ext cx="1804910" cy="769441"/>
+          </a:xfrm>
+          <a:prstGeom prst="rect">
+            <a:avLst/>
+          </a:prstGeom>
+          <a:noFill/>
+        </p:spPr>
+        <p:txBody>
+          <a:bodyPr wrap="square" rtlCol="0">
+            <a:spAutoFit/>
+          </a:bodyPr>
+          <a:lstStyle/>
+          <a:p>
+            <a:pPr lvl="0" algn="ctr" eaLnBrk="0" fontAlgn="base" hangingPunct="0">
+              <a:spcBef>
+                <a:spcPct val="0"/>
+              </a:spcBef>
+              <a:spcAft>
+                <a:spcPct val="0"/>
+              </a:spcAft>
+            </a:pPr>
+            <a:r>
+              <a:rPr lang="zh-CN" altLang="zh-CN" sz="4400" dirty="0">
+                <a:solidFill>
+                  <a:srgbClr val="3F3F3F"/>
+                </a:solidFill>
+                <a:latin typeface="Arial Unicode MS" panose="020B0604020202020204" pitchFamily="34" charset="-122"/>
+              </a:rPr>
+              <a:t>mqtt</a:t>
+            </a:r>
+            <a:r>
+              <a:rPr lang="zh-CN" altLang="zh-CN" sz="4000" dirty="0"/>
+              <a:t> </a:t>
+            </a:r>
+            <a:endParaRPr lang="zh-CN" altLang="zh-CN" sz="6000" dirty="0">
+              <a:latin typeface="Arial" panose="020B0604020202020204" pitchFamily="34" charset="0"/>
+            </a:endParaRPr>
+          </a:p>
+        </p:txBody>
+      </p:sp>
+      <p:sp>
+        <p:nvSpPr>
+          <p:cNvPr id="6" name="文本框 5"/>
+          <p:cNvSpPr txBox="1"/>
+          <p:nvPr/>
+        </p:nvSpPr>
+        <p:spPr>
+          <a:xfrm>
+            <a:off x="3868328" y="4263840"/>
+            <a:ext cx="2850524" cy="584775"/>
+          </a:xfrm>
+          <a:prstGeom prst="rect">
+            <a:avLst/>
+          </a:prstGeom>
+          <a:noFill/>
+        </p:spPr>
+        <p:txBody>
+          <a:bodyPr wrap="square" rtlCol="0">
+            <a:spAutoFit/>
+          </a:bodyPr>
+          <a:lstStyle/>
+          <a:p>
+            <a:pPr lvl="0" algn="ctr" eaLnBrk="0" fontAlgn="base" hangingPunct="0">
+              <a:spcBef>
+                <a:spcPct val="0"/>
+              </a:spcBef>
+              <a:spcAft>
+                <a:spcPct val="0"/>
+              </a:spcAft>
+            </a:pPr>
+            <a:r>
+              <a:rPr lang="en-US" altLang="zh-CN" sz="3200" dirty="0" err="1">
+                <a:solidFill>
+                  <a:srgbClr val="3F3F3F"/>
+                </a:solidFill>
+                <a:latin typeface="Arial Unicode MS" panose="020B0604020202020204" pitchFamily="34" charset="-122"/>
+              </a:rPr>
+              <a:t>openwire</a:t>
+            </a:r>
+            <a:r>
+              <a:rPr lang="zh-CN" altLang="zh-CN" sz="2800" dirty="0"/>
+              <a:t> </a:t>
+            </a:r>
+            <a:endParaRPr lang="zh-CN" altLang="zh-CN" sz="4400" dirty="0">
+              <a:latin typeface="Arial" panose="020B0604020202020204" pitchFamily="34" charset="0"/>
+            </a:endParaRPr>
+          </a:p>
+        </p:txBody>
+      </p:sp>
+      <p:sp>
+        <p:nvSpPr>
+          <p:cNvPr id="7" name="文本框 6"/>
+          <p:cNvSpPr txBox="1"/>
+          <p:nvPr/>
+        </p:nvSpPr>
+        <p:spPr>
+          <a:xfrm>
+            <a:off x="7604134" y="2601532"/>
+            <a:ext cx="1804910" cy="707886"/>
+          </a:xfrm>
+          <a:prstGeom prst="rect">
+            <a:avLst/>
+          </a:prstGeom>
+          <a:noFill/>
+        </p:spPr>
+        <p:txBody>
+          <a:bodyPr wrap="square" rtlCol="0">
+            <a:spAutoFit/>
+          </a:bodyPr>
+          <a:lstStyle/>
+          <a:p>
+            <a:pPr lvl="0" algn="ctr" eaLnBrk="0" fontAlgn="base" hangingPunct="0">
+              <a:spcBef>
+                <a:spcPct val="0"/>
+              </a:spcBef>
+              <a:spcAft>
+                <a:spcPct val="0"/>
+              </a:spcAft>
+            </a:pPr>
+            <a:r>
+              <a:rPr lang="en-US" altLang="zh-CN" sz="3200" dirty="0">
+                <a:solidFill>
+                  <a:srgbClr val="3F3F3F"/>
+                </a:solidFill>
+                <a:latin typeface="Arial Unicode MS" panose="020B0604020202020204" pitchFamily="34" charset="-122"/>
+              </a:rPr>
+              <a:t>stomp</a:t>
+            </a:r>
+            <a:r>
+              <a:rPr lang="zh-CN" altLang="zh-CN" sz="4000" dirty="0"/>
+              <a:t> </a:t>
+            </a:r>
+            <a:endParaRPr lang="zh-CN" altLang="zh-CN" sz="6000" dirty="0">
+              <a:latin typeface="Arial" panose="020B0604020202020204" pitchFamily="34" charset="0"/>
+            </a:endParaRPr>
+          </a:p>
+        </p:txBody>
+      </p:sp>
+      <p:sp>
+        <p:nvSpPr>
+          <p:cNvPr id="8" name="文本框 7"/>
+          <p:cNvSpPr txBox="1"/>
+          <p:nvPr/>
+        </p:nvSpPr>
+        <p:spPr>
+          <a:xfrm>
+            <a:off x="1493575" y="3679065"/>
+            <a:ext cx="1804910" cy="584775"/>
+          </a:xfrm>
+          <a:prstGeom prst="rect">
+            <a:avLst/>
+          </a:prstGeom>
+          <a:noFill/>
+        </p:spPr>
+        <p:txBody>
+          <a:bodyPr wrap="square" rtlCol="0">
+            <a:spAutoFit/>
+          </a:bodyPr>
+          <a:lstStyle/>
+          <a:p>
+            <a:pPr lvl="0" algn="ctr" eaLnBrk="0" fontAlgn="base" hangingPunct="0">
+              <a:spcBef>
+                <a:spcPct val="0"/>
+              </a:spcBef>
+              <a:spcAft>
+                <a:spcPct val="0"/>
+              </a:spcAft>
+            </a:pPr>
+            <a:r>
+              <a:rPr lang="en-US" altLang="zh-CN" sz="3200" dirty="0" err="1">
+                <a:solidFill>
+                  <a:srgbClr val="3F3F3F"/>
+                </a:solidFill>
+                <a:latin typeface="Arial Unicode MS" panose="020B0604020202020204" pitchFamily="34" charset="-122"/>
+              </a:rPr>
+              <a:t>amqp</a:t>
+            </a:r>
+            <a:r>
+              <a:rPr lang="zh-CN" altLang="zh-CN" sz="2800" dirty="0"/>
+              <a:t> </a:t>
+            </a:r>
+            <a:endParaRPr lang="zh-CN" altLang="zh-CN" sz="4400" dirty="0">
+              <a:latin typeface="Arial" panose="020B0604020202020204" pitchFamily="34" charset="0"/>
+            </a:endParaRPr>
+          </a:p>
+        </p:txBody>
+      </p:sp>
+    </p:spTree>
+    <p:extLst>
+      <p:ext uri="{BB962C8B-B14F-4D97-AF65-F5344CB8AC3E}">
+        <p14:creationId xmlns:p14="http://schemas.microsoft.com/office/powerpoint/2010/main" val="2087924601"/>
+      </p:ext>
+    </p:extLst>
+  </p:cSld>
+  <p:clrMapOvr>
+    <a:masterClrMapping/>
+  </p:clrMapOvr>
+</p:sld>
+</file>
+
+<file path=ppt/slides/slide3.xml><?xml version="1.0" encoding="utf-8"?>
+<p:sld xmlns:a="http://schemas.openxmlformats.org/drawingml/2006/main" xmlns:r="http://schemas.openxmlformats.org/officeDocument/2006/relationships" xmlns:p="http://schemas.openxmlformats.org/presentationml/2006/main">
+  <p:cSld>
+    <p:spTree>
+      <p:nvGrpSpPr>
+        <p:cNvPr id="1" name=""/>
+        <p:cNvGrpSpPr/>
+        <p:nvPr/>
+      </p:nvGrpSpPr>
+      <p:grpSpPr>
+        <a:xfrm>
+          <a:off x="0" y="0"/>
+          <a:ext cx="0" cy="0"/>
+          <a:chOff x="0" y="0"/>
+          <a:chExt cx="0" cy="0"/>
+        </a:xfrm>
+      </p:grpSpPr>
+      <p:sp>
+        <p:nvSpPr>
+          <p:cNvPr id="4" name="椭圆 3"/>
+          <p:cNvSpPr/>
+          <p:nvPr/>
+        </p:nvSpPr>
+        <p:spPr>
+          <a:xfrm>
+            <a:off x="4346713" y="1550504"/>
+            <a:ext cx="2252870" cy="901148"/>
+          </a:xfrm>
+          <a:prstGeom prst="ellipse">
+            <a:avLst/>
+          </a:prstGeom>
+        </p:spPr>
+        <p:style>
+          <a:lnRef idx="2">
+            <a:schemeClr val="accent1">
+              <a:shade val="50000"/>
+            </a:schemeClr>
+          </a:lnRef>
+          <a:fillRef idx="1">
+            <a:schemeClr val="accent1"/>
+          </a:fillRef>
+          <a:effectRef idx="0">
+            <a:schemeClr val="accent1"/>
+          </a:effectRef>
+          <a:fontRef idx="minor">
+            <a:schemeClr val="lt1"/>
+          </a:fontRef>
+        </p:style>
+        <p:txBody>
+          <a:bodyPr rtlCol="0" anchor="ctr"/>
+          <a:lstStyle/>
+          <a:p>
+            <a:pPr algn="ctr"/>
+            <a:r>
+              <a:rPr lang="en-US" altLang="zh-CN" sz="3200"/>
+              <a:t>Mqtt</a:t>
+            </a:r>
+            <a:endParaRPr lang="zh-CN" altLang="en-US" sz="3200"/>
+          </a:p>
+        </p:txBody>
+      </p:sp>
+      <p:sp>
+        <p:nvSpPr>
+          <p:cNvPr id="2" name="文本框 1"/>
+          <p:cNvSpPr txBox="1"/>
+          <p:nvPr/>
+        </p:nvSpPr>
+        <p:spPr>
+          <a:xfrm>
+            <a:off x="1500810" y="1667229"/>
+            <a:ext cx="1351721" cy="400110"/>
+          </a:xfrm>
+          <a:prstGeom prst="rect">
+            <a:avLst/>
+          </a:prstGeom>
+          <a:noFill/>
+        </p:spPr>
+        <p:txBody>
+          <a:bodyPr wrap="square" rtlCol="0">
+            <a:spAutoFit/>
+          </a:bodyPr>
+          <a:lstStyle/>
+          <a:p>
+            <a:r>
+              <a:rPr lang="en-US" altLang="zh-CN" sz="2000" dirty="0"/>
+              <a:t>java</a:t>
+            </a:r>
+            <a:endParaRPr lang="zh-CN" altLang="en-US" sz="2000" dirty="0"/>
+          </a:p>
+        </p:txBody>
+      </p:sp>
+      <p:sp>
+        <p:nvSpPr>
+          <p:cNvPr id="6" name="文本框 5"/>
+          <p:cNvSpPr txBox="1"/>
+          <p:nvPr/>
+        </p:nvSpPr>
+        <p:spPr>
+          <a:xfrm>
+            <a:off x="990602" y="3180522"/>
+            <a:ext cx="2988364" cy="523220"/>
+          </a:xfrm>
+          <a:prstGeom prst="rect">
+            <a:avLst/>
+          </a:prstGeom>
+          <a:noFill/>
+        </p:spPr>
+        <p:txBody>
+          <a:bodyPr wrap="square" rtlCol="0">
+            <a:spAutoFit/>
+          </a:bodyPr>
+          <a:lstStyle/>
+          <a:p>
+            <a:r>
+              <a:rPr lang="en-US" altLang="zh-CN" sz="2800" dirty="0"/>
+              <a:t>spring-integration</a:t>
+            </a:r>
+            <a:endParaRPr lang="zh-CN" altLang="en-US" sz="2800" dirty="0"/>
+          </a:p>
+        </p:txBody>
+      </p:sp>
+      <p:sp>
+        <p:nvSpPr>
+          <p:cNvPr id="8" name="文本框 7"/>
+          <p:cNvSpPr txBox="1"/>
+          <p:nvPr/>
+        </p:nvSpPr>
+        <p:spPr>
+          <a:xfrm>
+            <a:off x="5764696" y="3180522"/>
+            <a:ext cx="1007164" cy="369332"/>
+          </a:xfrm>
+          <a:prstGeom prst="rect">
+            <a:avLst/>
+          </a:prstGeom>
+          <a:noFill/>
+        </p:spPr>
+        <p:txBody>
+          <a:bodyPr wrap="square" rtlCol="0">
+            <a:spAutoFit/>
+          </a:bodyPr>
+          <a:lstStyle/>
+          <a:p>
+            <a:r>
+              <a:rPr lang="en-US" altLang="zh-CN" dirty="0"/>
+              <a:t>broker</a:t>
+            </a:r>
+            <a:endParaRPr lang="zh-CN" altLang="en-US" dirty="0"/>
+          </a:p>
+        </p:txBody>
+      </p:sp>
+      <p:sp>
+        <p:nvSpPr>
+          <p:cNvPr id="9" name="文本框 8"/>
+          <p:cNvSpPr txBox="1"/>
+          <p:nvPr/>
+        </p:nvSpPr>
+        <p:spPr>
+          <a:xfrm>
+            <a:off x="8686800" y="1992100"/>
+            <a:ext cx="1835425" cy="523220"/>
+          </a:xfrm>
+          <a:prstGeom prst="rect">
+            <a:avLst/>
+          </a:prstGeom>
+          <a:noFill/>
+        </p:spPr>
+        <p:txBody>
+          <a:bodyPr wrap="square" rtlCol="0">
+            <a:spAutoFit/>
+          </a:bodyPr>
+          <a:lstStyle/>
+          <a:p>
+            <a:r>
+              <a:rPr lang="en-US" altLang="zh-CN" sz="2800" dirty="0" err="1"/>
+              <a:t>mosquitto</a:t>
+            </a:r>
+            <a:endParaRPr lang="zh-CN" altLang="en-US" sz="2800" dirty="0"/>
+          </a:p>
+        </p:txBody>
+      </p:sp>
+      <p:sp>
+        <p:nvSpPr>
+          <p:cNvPr id="10" name="文本框 9"/>
+          <p:cNvSpPr txBox="1"/>
+          <p:nvPr/>
+        </p:nvSpPr>
+        <p:spPr>
+          <a:xfrm>
+            <a:off x="8110330" y="5016980"/>
+            <a:ext cx="2988364" cy="461665"/>
+          </a:xfrm>
+          <a:prstGeom prst="rect">
+            <a:avLst/>
+          </a:prstGeom>
+          <a:noFill/>
+        </p:spPr>
+        <p:txBody>
+          <a:bodyPr wrap="square" rtlCol="0">
+            <a:spAutoFit/>
+          </a:bodyPr>
+          <a:lstStyle/>
+          <a:p>
+            <a:r>
+              <a:rPr lang="en-US" altLang="zh-CN" sz="2400" dirty="0"/>
+              <a:t>topics</a:t>
+            </a:r>
+            <a:endParaRPr lang="zh-CN" altLang="en-US" sz="2400" dirty="0"/>
+          </a:p>
+        </p:txBody>
+      </p:sp>
+      <p:sp>
+        <p:nvSpPr>
+          <p:cNvPr id="11" name="文本框 10"/>
+          <p:cNvSpPr txBox="1"/>
+          <p:nvPr/>
+        </p:nvSpPr>
+        <p:spPr>
+          <a:xfrm>
+            <a:off x="3978966" y="5283680"/>
+            <a:ext cx="2988364" cy="461665"/>
+          </a:xfrm>
+          <a:prstGeom prst="rect">
+            <a:avLst/>
+          </a:prstGeom>
+          <a:noFill/>
+        </p:spPr>
+        <p:txBody>
+          <a:bodyPr wrap="square" rtlCol="0">
+            <a:spAutoFit/>
+          </a:bodyPr>
+          <a:lstStyle/>
+          <a:p>
+            <a:pPr algn="ctr"/>
+            <a:r>
+              <a:rPr lang="en-US" altLang="zh-CN" sz="2400" dirty="0" err="1"/>
+              <a:t>Tcp</a:t>
+            </a:r>
+            <a:r>
+              <a:rPr lang="en-US" altLang="zh-CN" sz="2400" dirty="0"/>
+              <a:t>/</a:t>
+            </a:r>
+            <a:r>
+              <a:rPr lang="en-US" altLang="zh-CN" sz="2400" dirty="0" err="1"/>
+              <a:t>ip</a:t>
+            </a:r>
+            <a:r>
+              <a:rPr lang="zh-CN" altLang="en-US" sz="2400" dirty="0"/>
+              <a:t>协议族</a:t>
+            </a:r>
+            <a:endParaRPr lang="zh-CN" altLang="en-US" sz="2400" dirty="0"/>
+          </a:p>
+        </p:txBody>
+      </p:sp>
+      <p:sp>
+        <p:nvSpPr>
+          <p:cNvPr id="12" name="文本框 11"/>
+          <p:cNvSpPr txBox="1"/>
+          <p:nvPr/>
+        </p:nvSpPr>
+        <p:spPr>
+          <a:xfrm>
+            <a:off x="1593576" y="4555315"/>
+            <a:ext cx="2988364" cy="461665"/>
+          </a:xfrm>
+          <a:prstGeom prst="rect">
+            <a:avLst/>
+          </a:prstGeom>
+          <a:noFill/>
+        </p:spPr>
+        <p:txBody>
+          <a:bodyPr wrap="square" rtlCol="0">
+            <a:spAutoFit/>
+          </a:bodyPr>
+          <a:lstStyle/>
+          <a:p>
+            <a:r>
+              <a:rPr lang="en-US" altLang="zh-CN" sz="2400" dirty="0" err="1"/>
+              <a:t>springframework</a:t>
+            </a:r>
+            <a:endParaRPr lang="zh-CN" altLang="en-US" sz="2800" dirty="0"/>
+          </a:p>
+        </p:txBody>
+      </p:sp>
+      <p:sp>
+        <p:nvSpPr>
+          <p:cNvPr id="14" name="文本框 13"/>
+          <p:cNvSpPr txBox="1"/>
+          <p:nvPr/>
+        </p:nvSpPr>
+        <p:spPr>
+          <a:xfrm>
+            <a:off x="7729332" y="3703742"/>
+            <a:ext cx="1547190" cy="584775"/>
+          </a:xfrm>
+          <a:prstGeom prst="rect">
+            <a:avLst/>
+          </a:prstGeom>
+          <a:noFill/>
+        </p:spPr>
+        <p:txBody>
+          <a:bodyPr wrap="square" rtlCol="0">
+            <a:spAutoFit/>
+          </a:bodyPr>
+          <a:lstStyle/>
+          <a:p>
+            <a:r>
+              <a:rPr lang="en-US" altLang="zh-CN" sz="3200" dirty="0"/>
+              <a:t>maven</a:t>
+            </a:r>
+            <a:endParaRPr lang="zh-CN" altLang="en-US" sz="3200" dirty="0"/>
+          </a:p>
+        </p:txBody>
+      </p:sp>
+    </p:spTree>
+    <p:extLst>
+      <p:ext uri="{BB962C8B-B14F-4D97-AF65-F5344CB8AC3E}">
+        <p14:creationId xmlns:p14="http://schemas.microsoft.com/office/powerpoint/2010/main" val="1507644190"/>
+      </p:ext>
+    </p:extLst>
+  </p:cSld>
+  <p:clrMapOvr>
+    <a:masterClrMapping/>
+  </p:clrMapOvr>
+  <p:timing>
+    <p:tnLst>
+      <p:par>
+        <p:cTn id="1" dur="indefinite" restart="never" nodeType="tmRoot">
+          <p:childTnLst>
+            <p:seq concurrent="1" nextAc="seek">
+              <p:cTn id="2" dur="indefinite" nodeType="mainSeq">
+                <p:childTnLst>
+                  <p:par>
+                    <p:cTn id="3" fill="hold">
+                      <p:stCondLst>
+                        <p:cond delay="indefinite"/>
+                      </p:stCondLst>
+                      <p:childTnLst>
+                        <p:par>
+                          <p:cTn id="4" fill="hold">
+                            <p:stCondLst>
+                              <p:cond delay="0"/>
+                            </p:stCondLst>
+                            <p:childTnLst>
+                              <p:par>
+                                <p:cTn id="5" presetID="1" presetClass="entr" presetSubtype="0" fill="hold" grpId="0" nodeType="clickEffect">
+                                  <p:stCondLst>
+                                    <p:cond delay="0"/>
+                                  </p:stCondLst>
+                                  <p:childTnLst>
+                                    <p:set>
+                                      <p:cBhvr>
+                                        <p:cTn id="6" dur="1" fill="hold">
+                                          <p:stCondLst>
+                                            <p:cond delay="0"/>
+                                          </p:stCondLst>
+                                        </p:cTn>
+                                        <p:tgtEl>
+                                          <p:spTgt spid="2"/>
+                                        </p:tgtEl>
+                                        <p:attrNameLst>
+                                          <p:attrName>style.visibility</p:attrName>
+                                        </p:attrNameLst>
+                                      </p:cBhvr>
+                                      <p:to>
+                                        <p:strVal val="visible"/>
+                                      </p:to>
+                                    </p:set>
+                                  </p:childTnLst>
+                                </p:cTn>
+                              </p:par>
+                            </p:childTnLst>
+                          </p:cTn>
+                        </p:par>
+                      </p:childTnLst>
+                    </p:cTn>
+                  </p:par>
+                  <p:par>
+                    <p:cTn id="7" fill="hold">
+                      <p:stCondLst>
+                        <p:cond delay="indefinite"/>
+                      </p:stCondLst>
+                      <p:childTnLst>
+                        <p:par>
+                          <p:cTn id="8" fill="hold">
+                            <p:stCondLst>
+                              <p:cond delay="0"/>
+                            </p:stCondLst>
+                            <p:childTnLst>
+                              <p:par>
+                                <p:cTn id="9" presetID="1" presetClass="entr" presetSubtype="0" fill="hold" grpId="0" nodeType="clickEffect">
+                                  <p:stCondLst>
+                                    <p:cond delay="0"/>
+                                  </p:stCondLst>
+                                  <p:childTnLst>
+                                    <p:set>
+                                      <p:cBhvr>
+                                        <p:cTn id="10" dur="1" fill="hold">
+                                          <p:stCondLst>
+                                            <p:cond delay="0"/>
+                                          </p:stCondLst>
+                                        </p:cTn>
+                                        <p:tgtEl>
+                                          <p:spTgt spid="6"/>
+                                        </p:tgtEl>
+                                        <p:attrNameLst>
+                                          <p:attrName>style.visibility</p:attrName>
+                                        </p:attrNameLst>
+                                      </p:cBhvr>
+                                      <p:to>
+                                        <p:strVal val="visible"/>
+                                      </p:to>
+                                    </p:set>
+                                  </p:childTnLst>
+                                </p:cTn>
+                              </p:par>
+                            </p:childTnLst>
+                          </p:cTn>
+                        </p:par>
+                      </p:childTnLst>
+                    </p:cTn>
+                  </p:par>
+                  <p:par>
+                    <p:cTn id="11" fill="hold">
+                      <p:stCondLst>
+                        <p:cond delay="indefinite"/>
+                      </p:stCondLst>
+                      <p:childTnLst>
+                        <p:par>
+                          <p:cTn id="12" fill="hold">
+                            <p:stCondLst>
+                              <p:cond delay="0"/>
+                            </p:stCondLst>
+                            <p:childTnLst>
+                              <p:par>
+                                <p:cTn id="13" presetID="1" presetClass="entr" presetSubtype="0" fill="hold" grpId="0" nodeType="clickEffect">
+                                  <p:stCondLst>
+                                    <p:cond delay="0"/>
+                                  </p:stCondLst>
+                                  <p:childTnLst>
+                                    <p:set>
+                                      <p:cBhvr>
+                                        <p:cTn id="14" dur="1" fill="hold">
+                                          <p:stCondLst>
+                                            <p:cond delay="0"/>
+                                          </p:stCondLst>
+                                        </p:cTn>
+                                        <p:tgtEl>
+                                          <p:spTgt spid="8"/>
+                                        </p:tgtEl>
+                                        <p:attrNameLst>
+                                          <p:attrName>style.visibility</p:attrName>
+                                        </p:attrNameLst>
+                                      </p:cBhvr>
+                                      <p:to>
+                                        <p:strVal val="visible"/>
+                                      </p:to>
+                                    </p:set>
+                                  </p:childTnLst>
+                                </p:cTn>
+                              </p:par>
+                            </p:childTnLst>
+                          </p:cTn>
+                        </p:par>
+                      </p:childTnLst>
+                    </p:cTn>
+                  </p:par>
+                  <p:par>
+                    <p:cTn id="15" fill="hold">
+                      <p:stCondLst>
+                        <p:cond delay="indefinite"/>
+                      </p:stCondLst>
+                      <p:childTnLst>
+                        <p:par>
+                          <p:cTn id="16" fill="hold">
+                            <p:stCondLst>
+                              <p:cond delay="0"/>
+                            </p:stCondLst>
+                            <p:childTnLst>
+                              <p:par>
+                                <p:cTn id="17" presetID="1" presetClass="entr" presetSubtype="0" fill="hold" grpId="0" nodeType="clickEffect">
+                                  <p:stCondLst>
+                                    <p:cond delay="0"/>
+                                  </p:stCondLst>
+                                  <p:childTnLst>
+                                    <p:set>
+                                      <p:cBhvr>
+                                        <p:cTn id="18" dur="1" fill="hold">
+                                          <p:stCondLst>
+                                            <p:cond delay="0"/>
+                                          </p:stCondLst>
+                                        </p:cTn>
+                                        <p:tgtEl>
+                                          <p:spTgt spid="9"/>
+                                        </p:tgtEl>
+                                        <p:attrNameLst>
+                                          <p:attrName>style.visibility</p:attrName>
+                                        </p:attrNameLst>
+                                      </p:cBhvr>
+                                      <p:to>
+                                        <p:strVal val="visible"/>
+                                      </p:to>
+                                    </p:set>
+                                  </p:childTnLst>
+                                </p:cTn>
+                              </p:par>
+                            </p:childTnLst>
+                          </p:cTn>
+                        </p:par>
+                      </p:childTnLst>
+                    </p:cTn>
+                  </p:par>
+                  <p:par>
+                    <p:cTn id="19" fill="hold">
+                      <p:stCondLst>
+                        <p:cond delay="indefinite"/>
+                      </p:stCondLst>
+                      <p:childTnLst>
+                        <p:par>
+                          <p:cTn id="20" fill="hold">
+                            <p:stCondLst>
+                              <p:cond delay="0"/>
+                            </p:stCondLst>
+                            <p:childTnLst>
+                              <p:par>
+                                <p:cTn id="21" presetID="1" presetClass="entr" presetSubtype="0" fill="hold" grpId="0" nodeType="clickEffect">
+                                  <p:stCondLst>
+                                    <p:cond delay="0"/>
+                                  </p:stCondLst>
+                                  <p:childTnLst>
+                                    <p:set>
+                                      <p:cBhvr>
+                                        <p:cTn id="22" dur="1" fill="hold">
+                                          <p:stCondLst>
+                                            <p:cond delay="0"/>
+                                          </p:stCondLst>
+                                        </p:cTn>
+                                        <p:tgtEl>
+                                          <p:spTgt spid="10"/>
+                                        </p:tgtEl>
+                                        <p:attrNameLst>
+                                          <p:attrName>style.visibility</p:attrName>
+                                        </p:attrNameLst>
+                                      </p:cBhvr>
+                                      <p:to>
+                                        <p:strVal val="visible"/>
+                                      </p:to>
+                                    </p:set>
+                                  </p:childTnLst>
+                                </p:cTn>
+                              </p:par>
+                            </p:childTnLst>
+                          </p:cTn>
+                        </p:par>
+                      </p:childTnLst>
+                    </p:cTn>
+                  </p:par>
+                  <p:par>
+                    <p:cTn id="23" fill="hold">
+                      <p:stCondLst>
+                        <p:cond delay="indefinite"/>
+                      </p:stCondLst>
+                      <p:childTnLst>
+                        <p:par>
+                          <p:cTn id="24" fill="hold">
+                            <p:stCondLst>
+                              <p:cond delay="0"/>
+                            </p:stCondLst>
+                            <p:childTnLst>
+                              <p:par>
+                                <p:cTn id="25" presetID="1" presetClass="entr" presetSubtype="0" fill="hold" grpId="0" nodeType="clickEffect">
+                                  <p:stCondLst>
+                                    <p:cond delay="0"/>
+                                  </p:stCondLst>
+                                  <p:childTnLst>
+                                    <p:set>
+                                      <p:cBhvr>
+                                        <p:cTn id="26" dur="1" fill="hold">
+                                          <p:stCondLst>
+                                            <p:cond delay="0"/>
+                                          </p:stCondLst>
+                                        </p:cTn>
+                                        <p:tgtEl>
+                                          <p:spTgt spid="11"/>
+                                        </p:tgtEl>
+                                        <p:attrNameLst>
+                                          <p:attrName>style.visibility</p:attrName>
+                                        </p:attrNameLst>
+                                      </p:cBhvr>
+                                      <p:to>
+                                        <p:strVal val="visible"/>
+                                      </p:to>
+                                    </p:set>
+                                  </p:childTnLst>
+                                </p:cTn>
+                              </p:par>
+                            </p:childTnLst>
+                          </p:cTn>
+                        </p:par>
+                      </p:childTnLst>
+                    </p:cTn>
+                  </p:par>
+                  <p:par>
+                    <p:cTn id="27" fill="hold">
+                      <p:stCondLst>
+                        <p:cond delay="indefinite"/>
+                      </p:stCondLst>
+                      <p:childTnLst>
+                        <p:par>
+                          <p:cTn id="28" fill="hold">
+                            <p:stCondLst>
+                              <p:cond delay="0"/>
+                            </p:stCondLst>
+                            <p:childTnLst>
+                              <p:par>
+                                <p:cTn id="29" presetID="1" presetClass="entr" presetSubtype="0" fill="hold" grpId="0" nodeType="clickEffect">
+                                  <p:stCondLst>
+                                    <p:cond delay="0"/>
+                                  </p:stCondLst>
+                                  <p:childTnLst>
+                                    <p:set>
+                                      <p:cBhvr>
+                                        <p:cTn id="30" dur="1" fill="hold">
+                                          <p:stCondLst>
+                                            <p:cond delay="0"/>
+                                          </p:stCondLst>
+                                        </p:cTn>
+                                        <p:tgtEl>
+                                          <p:spTgt spid="12"/>
+                                        </p:tgtEl>
+                                        <p:attrNameLst>
+                                          <p:attrName>style.visibility</p:attrName>
+                                        </p:attrNameLst>
+                                      </p:cBhvr>
+                                      <p:to>
+                                        <p:strVal val="visible"/>
+                                      </p:to>
+                                    </p:set>
+                                  </p:childTnLst>
+                                </p:cTn>
+                              </p:par>
+                            </p:childTnLst>
+                          </p:cTn>
+                        </p:par>
+                      </p:childTnLst>
+                    </p:cTn>
+                  </p:par>
+                  <p:par>
+                    <p:cTn id="31" fill="hold">
+                      <p:stCondLst>
+                        <p:cond delay="indefinite"/>
+                      </p:stCondLst>
+                      <p:childTnLst>
+                        <p:par>
+                          <p:cTn id="32" fill="hold">
+                            <p:stCondLst>
+                              <p:cond delay="0"/>
+                            </p:stCondLst>
+                            <p:childTnLst>
+                              <p:par>
+                                <p:cTn id="33" presetID="1" presetClass="entr" presetSubtype="0" fill="hold" grpId="0" nodeType="clickEffect">
+                                  <p:stCondLst>
+                                    <p:cond delay="0"/>
+                                  </p:stCondLst>
+                                  <p:childTnLst>
+                                    <p:set>
+                                      <p:cBhvr>
+                                        <p:cTn id="34" dur="1" fill="hold">
+                                          <p:stCondLst>
+                                            <p:cond delay="0"/>
+                                          </p:stCondLst>
+                                        </p:cTn>
+                                        <p:tgtEl>
+                                          <p:spTgt spid="14"/>
+                                        </p:tgtEl>
+                                        <p:attrNameLst>
+                                          <p:attrName>style.visibility</p:attrName>
+                                        </p:attrNameLst>
+                                      </p:cBhvr>
+                                      <p:to>
+                                        <p:strVal val="visible"/>
+                                      </p:to>
+                                    </p:set>
+                                  </p:childTnLst>
+                                </p:cTn>
+                              </p:par>
+                            </p:childTnLst>
+                          </p:cTn>
+                        </p:par>
+                      </p:childTnLst>
+                    </p:cTn>
+                  </p:par>
+                </p:childTnLst>
+              </p:cTn>
+              <p:prevCondLst>
+                <p:cond evt="onPrev" delay="0">
+                  <p:tgtEl>
+                    <p:sldTgt/>
+                  </p:tgtEl>
+                </p:cond>
+              </p:prevCondLst>
+              <p:nextCondLst>
+                <p:cond evt="onNext" delay="0">
+                  <p:tgtEl>
+                    <p:sldTgt/>
+                  </p:tgtEl>
+                </p:cond>
+              </p:nextCondLst>
+            </p:seq>
+          </p:childTnLst>
+        </p:cTn>
+      </p:par>
+    </p:tnLst>
+    <p:bldLst>
+      <p:bldP spid="2" grpId="0"/>
+      <p:bldP spid="6" grpId="0"/>
+      <p:bldP spid="8" grpId="0"/>
+      <p:bldP spid="9" grpId="0"/>
+      <p:bldP spid="10" grpId="0"/>
+      <p:bldP spid="11" grpId="0"/>
+      <p:bldP spid="12" grpId="0"/>
+      <p:bldP spid="14" grpId="0"/>
+    </p:bldLst>
+  </p:timing>
+</p:sld>
+</file>
+
+<file path=ppt/slides/slide4.xml><?xml version="1.0" encoding="utf-8"?>
+<p:sld xmlns:a="http://schemas.openxmlformats.org/drawingml/2006/main" xmlns:r="http://schemas.openxmlformats.org/officeDocument/2006/relationships" xmlns:p="http://schemas.openxmlformats.org/presentationml/2006/main">
+  <p:cSld>
+    <p:spTree>
+      <p:nvGrpSpPr>
+        <p:cNvPr id="1" name=""/>
+        <p:cNvGrpSpPr/>
+        <p:nvPr/>
+      </p:nvGrpSpPr>
+      <p:grpSpPr>
+        <a:xfrm>
+          <a:off x="0" y="0"/>
+          <a:ext cx="0" cy="0"/>
+          <a:chOff x="0" y="0"/>
+          <a:chExt cx="0" cy="0"/>
+        </a:xfrm>
+      </p:grpSpPr>
+      <p:sp>
+        <p:nvSpPr>
+          <p:cNvPr id="5" name="文本框 4"/>
+          <p:cNvSpPr txBox="1"/>
+          <p:nvPr/>
+        </p:nvSpPr>
+        <p:spPr>
+          <a:xfrm>
+            <a:off x="278296" y="3154015"/>
+            <a:ext cx="1292086" cy="523220"/>
+          </a:xfrm>
+          <a:prstGeom prst="rect">
+            <a:avLst/>
+          </a:prstGeom>
+        </p:spPr>
+        <p:style>
+          <a:lnRef idx="2">
+            <a:schemeClr val="accent1"/>
+          </a:lnRef>
+          <a:fillRef idx="1">
+            <a:schemeClr val="lt1"/>
+          </a:fillRef>
+          <a:effectRef idx="0">
+            <a:schemeClr val="accent1"/>
+          </a:effectRef>
+          <a:fontRef idx="minor">
+            <a:schemeClr val="dk1"/>
+          </a:fontRef>
+        </p:style>
+        <p:txBody>
+          <a:bodyPr wrap="square" rtlCol="0">
+            <a:spAutoFit/>
+          </a:bodyPr>
+          <a:lstStyle/>
+          <a:p>
+            <a:pPr lvl="0" algn="ctr" eaLnBrk="0" fontAlgn="base" hangingPunct="0">
+              <a:spcBef>
+                <a:spcPct val="0"/>
+              </a:spcBef>
+              <a:spcAft>
+                <a:spcPct val="0"/>
+              </a:spcAft>
+            </a:pPr>
+            <a:r>
+              <a:rPr lang="en-US" altLang="zh-CN" sz="2000" dirty="0">
+                <a:solidFill>
+                  <a:srgbClr val="3F3F3F"/>
+                </a:solidFill>
+                <a:latin typeface="Arial Unicode MS" panose="020B0604020202020204" pitchFamily="34" charset="-122"/>
+              </a:rPr>
+              <a:t>message</a:t>
+            </a:r>
+            <a:r>
+              <a:rPr lang="zh-CN" altLang="zh-CN" sz="2800" dirty="0"/>
+              <a:t> </a:t>
+            </a:r>
+            <a:endParaRPr lang="zh-CN" altLang="zh-CN" sz="4400" dirty="0">
+              <a:latin typeface="Arial" panose="020B0604020202020204" pitchFamily="34" charset="0"/>
+            </a:endParaRPr>
+          </a:p>
+        </p:txBody>
+      </p:sp>
+      <p:sp>
+        <p:nvSpPr>
+          <p:cNvPr id="2" name="矩形: 圆角 1"/>
+          <p:cNvSpPr/>
+          <p:nvPr/>
+        </p:nvSpPr>
+        <p:spPr>
+          <a:xfrm>
+            <a:off x="2014321" y="2998180"/>
+            <a:ext cx="1616765" cy="861393"/>
+          </a:xfrm>
+          <a:prstGeom prst="roundRect">
+            <a:avLst/>
+          </a:prstGeom>
+        </p:spPr>
+        <p:style>
+          <a:lnRef idx="2">
+            <a:schemeClr val="accent1">
+              <a:shade val="50000"/>
+            </a:schemeClr>
+          </a:lnRef>
+          <a:fillRef idx="1">
+            <a:schemeClr val="accent1"/>
+          </a:fillRef>
+          <a:effectRef idx="0">
+            <a:schemeClr val="accent1"/>
+          </a:effectRef>
+          <a:fontRef idx="minor">
+            <a:schemeClr val="lt1"/>
+          </a:fontRef>
+        </p:style>
+        <p:txBody>
+          <a:bodyPr rtlCol="0" anchor="ctr"/>
+          <a:lstStyle/>
+          <a:p>
+            <a:pPr algn="ctr"/>
+            <a:r>
+              <a:rPr lang="en-US" altLang="zh-CN" dirty="0"/>
+              <a:t>Message Router</a:t>
+            </a:r>
+            <a:endParaRPr lang="zh-CN" altLang="en-US" dirty="0"/>
+          </a:p>
+        </p:txBody>
+      </p:sp>
+      <p:cxnSp>
+        <p:nvCxnSpPr>
+          <p:cNvPr id="4" name="直接箭头连接符 3"/>
+          <p:cNvCxnSpPr>
+            <a:cxnSpLocks/>
+          </p:cNvCxnSpPr>
+          <p:nvPr/>
+        </p:nvCxnSpPr>
+        <p:spPr>
+          <a:xfrm>
+            <a:off x="1550506" y="3415624"/>
+            <a:ext cx="463824" cy="1"/>
+          </a:xfrm>
+          <a:prstGeom prst="straightConnector1">
+            <a:avLst/>
+          </a:prstGeom>
+          <a:ln>
+            <a:tailEnd type="triangle"/>
+          </a:ln>
+        </p:spPr>
+        <p:style>
+          <a:lnRef idx="1">
+            <a:schemeClr val="accent1"/>
+          </a:lnRef>
+          <a:fillRef idx="0">
+            <a:schemeClr val="accent1"/>
+          </a:fillRef>
+          <a:effectRef idx="0">
+            <a:schemeClr val="accent1"/>
+          </a:effectRef>
+          <a:fontRef idx="minor">
+            <a:schemeClr val="tx1"/>
+          </a:fontRef>
+        </p:style>
+      </p:cxnSp>
+      <p:cxnSp>
+        <p:nvCxnSpPr>
+          <p:cNvPr id="10" name="直接箭头连接符 9"/>
+          <p:cNvCxnSpPr>
+            <a:cxnSpLocks/>
+          </p:cNvCxnSpPr>
+          <p:nvPr/>
+        </p:nvCxnSpPr>
+        <p:spPr>
+          <a:xfrm flipV="1">
+            <a:off x="3750363" y="2676077"/>
+            <a:ext cx="530091" cy="477938"/>
+          </a:xfrm>
+          <a:prstGeom prst="straightConnector1">
+            <a:avLst/>
+          </a:prstGeom>
+          <a:ln>
+            <a:tailEnd type="triangle"/>
+          </a:ln>
+        </p:spPr>
+        <p:style>
+          <a:lnRef idx="1">
+            <a:schemeClr val="accent1"/>
+          </a:lnRef>
+          <a:fillRef idx="0">
+            <a:schemeClr val="accent1"/>
+          </a:fillRef>
+          <a:effectRef idx="0">
+            <a:schemeClr val="accent1"/>
+          </a:effectRef>
+          <a:fontRef idx="minor">
+            <a:schemeClr val="tx1"/>
+          </a:fontRef>
+        </p:style>
+      </p:cxnSp>
+      <p:cxnSp>
+        <p:nvCxnSpPr>
+          <p:cNvPr id="12" name="直接箭头连接符 11"/>
+          <p:cNvCxnSpPr>
+            <a:cxnSpLocks/>
+          </p:cNvCxnSpPr>
+          <p:nvPr/>
+        </p:nvCxnSpPr>
+        <p:spPr>
+          <a:xfrm>
+            <a:off x="3750363" y="3551582"/>
+            <a:ext cx="708986" cy="307991"/>
+          </a:xfrm>
+          <a:prstGeom prst="straightConnector1">
+            <a:avLst/>
+          </a:prstGeom>
+          <a:ln>
+            <a:tailEnd type="triangle"/>
+          </a:ln>
+        </p:spPr>
+        <p:style>
+          <a:lnRef idx="1">
+            <a:schemeClr val="accent1"/>
+          </a:lnRef>
+          <a:fillRef idx="0">
+            <a:schemeClr val="accent1"/>
+          </a:fillRef>
+          <a:effectRef idx="0">
+            <a:schemeClr val="accent1"/>
+          </a:effectRef>
+          <a:fontRef idx="minor">
+            <a:schemeClr val="tx1"/>
+          </a:fontRef>
+        </p:style>
+      </p:cxnSp>
+      <p:sp>
+        <p:nvSpPr>
+          <p:cNvPr id="13" name="圆柱形 12"/>
+          <p:cNvSpPr/>
+          <p:nvPr/>
+        </p:nvSpPr>
+        <p:spPr>
+          <a:xfrm rot="5400000">
+            <a:off x="5075586" y="1252330"/>
+            <a:ext cx="397566" cy="1179442"/>
+          </a:xfrm>
+          <a:prstGeom prst="can">
+            <a:avLst/>
+          </a:prstGeom>
+        </p:spPr>
+        <p:style>
+          <a:lnRef idx="2">
+            <a:schemeClr val="accent3">
+              <a:shade val="50000"/>
+            </a:schemeClr>
+          </a:lnRef>
+          <a:fillRef idx="1">
+            <a:schemeClr val="accent3"/>
+          </a:fillRef>
+          <a:effectRef idx="0">
+            <a:schemeClr val="accent3"/>
+          </a:effectRef>
+          <a:fontRef idx="minor">
+            <a:schemeClr val="lt1"/>
+          </a:fontRef>
+        </p:style>
+        <p:txBody>
+          <a:bodyPr rtlCol="0" anchor="ctr"/>
+          <a:lstStyle/>
+          <a:p>
+            <a:pPr algn="ctr"/>
+            <a:endParaRPr lang="zh-CN" altLang="en-US"/>
+          </a:p>
+        </p:txBody>
+      </p:sp>
+      <p:sp>
+        <p:nvSpPr>
+          <p:cNvPr id="16" name="文本框 15"/>
+          <p:cNvSpPr txBox="1"/>
+          <p:nvPr/>
+        </p:nvSpPr>
+        <p:spPr>
+          <a:xfrm>
+            <a:off x="4684648" y="2067341"/>
+            <a:ext cx="1477616" cy="369332"/>
+          </a:xfrm>
+          <a:prstGeom prst="rect">
+            <a:avLst/>
+          </a:prstGeom>
+          <a:noFill/>
+        </p:spPr>
+        <p:txBody>
+          <a:bodyPr wrap="square" rtlCol="0">
+            <a:spAutoFit/>
+          </a:bodyPr>
+          <a:lstStyle/>
+          <a:p>
+            <a:r>
+              <a:rPr lang="en-US" altLang="zh-CN" dirty="0" err="1"/>
+              <a:t>ChannelA</a:t>
+            </a:r>
+            <a:endParaRPr lang="zh-CN" altLang="en-US" dirty="0"/>
+          </a:p>
+        </p:txBody>
+      </p:sp>
+      <p:sp>
+        <p:nvSpPr>
+          <p:cNvPr id="17" name="圆柱形 16"/>
+          <p:cNvSpPr/>
+          <p:nvPr/>
+        </p:nvSpPr>
+        <p:spPr>
+          <a:xfrm rot="5400000">
+            <a:off x="5075586" y="2736571"/>
+            <a:ext cx="397566" cy="1179442"/>
+          </a:xfrm>
+          <a:prstGeom prst="can">
+            <a:avLst/>
+          </a:prstGeom>
+        </p:spPr>
+        <p:style>
+          <a:lnRef idx="3">
+            <a:schemeClr val="lt1"/>
+          </a:lnRef>
+          <a:fillRef idx="1">
+            <a:schemeClr val="accent3"/>
+          </a:fillRef>
+          <a:effectRef idx="1">
+            <a:schemeClr val="accent3"/>
+          </a:effectRef>
+          <a:fontRef idx="minor">
+            <a:schemeClr val="lt1"/>
+          </a:fontRef>
+        </p:style>
+        <p:txBody>
+          <a:bodyPr rtlCol="0" anchor="ctr"/>
+          <a:lstStyle/>
+          <a:p>
+            <a:pPr algn="ctr"/>
+            <a:endParaRPr lang="zh-CN" altLang="en-US"/>
+          </a:p>
+        </p:txBody>
+      </p:sp>
+      <p:sp>
+        <p:nvSpPr>
+          <p:cNvPr id="18" name="文本框 17"/>
+          <p:cNvSpPr txBox="1"/>
+          <p:nvPr/>
+        </p:nvSpPr>
+        <p:spPr>
+          <a:xfrm>
+            <a:off x="4684648" y="3551582"/>
+            <a:ext cx="1477616" cy="369332"/>
+          </a:xfrm>
+          <a:prstGeom prst="rect">
+            <a:avLst/>
+          </a:prstGeom>
+          <a:noFill/>
+        </p:spPr>
+        <p:txBody>
+          <a:bodyPr wrap="square" rtlCol="0">
+            <a:spAutoFit/>
+          </a:bodyPr>
+          <a:lstStyle/>
+          <a:p>
+            <a:r>
+              <a:rPr lang="en-US" altLang="zh-CN" dirty="0" err="1"/>
+              <a:t>ChannelB</a:t>
+            </a:r>
+            <a:endParaRPr lang="zh-CN" altLang="en-US" dirty="0"/>
+          </a:p>
+        </p:txBody>
+      </p:sp>
+      <p:sp>
+        <p:nvSpPr>
+          <p:cNvPr id="19" name="圆柱形 18"/>
+          <p:cNvSpPr/>
+          <p:nvPr/>
+        </p:nvSpPr>
+        <p:spPr>
+          <a:xfrm rot="5400000">
+            <a:off x="5075586" y="4220812"/>
+            <a:ext cx="397566" cy="1179442"/>
+          </a:xfrm>
+          <a:prstGeom prst="can">
+            <a:avLst/>
+          </a:prstGeom>
+        </p:spPr>
+        <p:style>
+          <a:lnRef idx="3">
+            <a:schemeClr val="lt1"/>
+          </a:lnRef>
+          <a:fillRef idx="1">
+            <a:schemeClr val="accent3"/>
+          </a:fillRef>
+          <a:effectRef idx="1">
+            <a:schemeClr val="accent3"/>
+          </a:effectRef>
+          <a:fontRef idx="minor">
+            <a:schemeClr val="lt1"/>
+          </a:fontRef>
+        </p:style>
+        <p:txBody>
+          <a:bodyPr rtlCol="0" anchor="ctr"/>
+          <a:lstStyle/>
+          <a:p>
+            <a:pPr algn="ctr"/>
+            <a:endParaRPr lang="zh-CN" altLang="en-US"/>
+          </a:p>
+        </p:txBody>
+      </p:sp>
+      <p:sp>
+        <p:nvSpPr>
+          <p:cNvPr id="20" name="文本框 19"/>
+          <p:cNvSpPr txBox="1"/>
+          <p:nvPr/>
+        </p:nvSpPr>
+        <p:spPr>
+          <a:xfrm>
+            <a:off x="4684648" y="5035823"/>
+            <a:ext cx="1477616" cy="369332"/>
+          </a:xfrm>
+          <a:prstGeom prst="rect">
+            <a:avLst/>
+          </a:prstGeom>
+          <a:noFill/>
+        </p:spPr>
+        <p:txBody>
+          <a:bodyPr wrap="square" rtlCol="0">
+            <a:spAutoFit/>
+          </a:bodyPr>
+          <a:lstStyle/>
+          <a:p>
+            <a:r>
+              <a:rPr lang="en-US" altLang="zh-CN" dirty="0" err="1"/>
+              <a:t>ChannelC</a:t>
+            </a:r>
+            <a:endParaRPr lang="zh-CN" altLang="en-US" dirty="0"/>
+          </a:p>
+        </p:txBody>
+      </p:sp>
+      <p:sp>
+        <p:nvSpPr>
+          <p:cNvPr id="21" name="文本框 20"/>
+          <p:cNvSpPr txBox="1"/>
+          <p:nvPr/>
+        </p:nvSpPr>
+        <p:spPr>
+          <a:xfrm>
+            <a:off x="1325217" y="1378226"/>
+            <a:ext cx="2001079" cy="461665"/>
+          </a:xfrm>
+          <a:prstGeom prst="rect">
+            <a:avLst/>
+          </a:prstGeom>
+          <a:noFill/>
+        </p:spPr>
+        <p:txBody>
+          <a:bodyPr wrap="square" rtlCol="0">
+            <a:spAutoFit/>
+          </a:bodyPr>
+          <a:lstStyle/>
+          <a:p>
+            <a:r>
+              <a:rPr lang="zh-CN" altLang="en-US" sz="2400" b="1" dirty="0"/>
+              <a:t>消息</a:t>
+            </a:r>
+            <a:r>
+              <a:rPr lang="zh-CN" altLang="en-US" sz="2000" b="1" dirty="0"/>
+              <a:t>路由</a:t>
+            </a:r>
+            <a:endParaRPr lang="zh-CN" altLang="en-US" sz="2000" dirty="0"/>
+          </a:p>
+        </p:txBody>
+      </p:sp>
+      <p:cxnSp>
+        <p:nvCxnSpPr>
+          <p:cNvPr id="23" name="直接箭头连接符 22"/>
+          <p:cNvCxnSpPr/>
+          <p:nvPr/>
+        </p:nvCxnSpPr>
+        <p:spPr>
+          <a:xfrm>
+            <a:off x="5870717" y="3336112"/>
+            <a:ext cx="728869" cy="0"/>
+          </a:xfrm>
+          <a:prstGeom prst="straightConnector1">
+            <a:avLst/>
+          </a:prstGeom>
+          <a:ln>
+            <a:tailEnd type="triangle"/>
+          </a:ln>
+        </p:spPr>
+        <p:style>
+          <a:lnRef idx="1">
+            <a:schemeClr val="accent1"/>
+          </a:lnRef>
+          <a:fillRef idx="0">
+            <a:schemeClr val="accent1"/>
+          </a:fillRef>
+          <a:effectRef idx="0">
+            <a:schemeClr val="accent1"/>
+          </a:effectRef>
+          <a:fontRef idx="minor">
+            <a:schemeClr val="tx1"/>
+          </a:fontRef>
+        </p:style>
+      </p:cxnSp>
+      <p:sp>
+        <p:nvSpPr>
+          <p:cNvPr id="24" name="矩形: 圆角 23"/>
+          <p:cNvSpPr/>
+          <p:nvPr/>
+        </p:nvSpPr>
+        <p:spPr>
+          <a:xfrm>
+            <a:off x="6652595" y="2905415"/>
+            <a:ext cx="1192696" cy="861393"/>
+          </a:xfrm>
+          <a:prstGeom prst="roundRect">
+            <a:avLst/>
+          </a:prstGeom>
+        </p:spPr>
+        <p:style>
+          <a:lnRef idx="2">
+            <a:schemeClr val="accent1">
+              <a:shade val="50000"/>
+            </a:schemeClr>
+          </a:lnRef>
+          <a:fillRef idx="1">
+            <a:schemeClr val="accent1"/>
+          </a:fillRef>
+          <a:effectRef idx="0">
+            <a:schemeClr val="accent1"/>
+          </a:effectRef>
+          <a:fontRef idx="minor">
+            <a:schemeClr val="lt1"/>
+          </a:fontRef>
+        </p:style>
+        <p:txBody>
+          <a:bodyPr rtlCol="0" anchor="ctr"/>
+          <a:lstStyle/>
+          <a:p>
+            <a:pPr algn="ctr"/>
+            <a:r>
+              <a:rPr lang="en-US" altLang="zh-CN" dirty="0"/>
+              <a:t>Service activator </a:t>
+            </a:r>
+            <a:endParaRPr lang="zh-CN" altLang="en-US" dirty="0"/>
+          </a:p>
+        </p:txBody>
+      </p:sp>
+      <p:cxnSp>
+        <p:nvCxnSpPr>
+          <p:cNvPr id="26" name="直接箭头连接符 25"/>
+          <p:cNvCxnSpPr>
+            <a:cxnSpLocks/>
+          </p:cNvCxnSpPr>
+          <p:nvPr/>
+        </p:nvCxnSpPr>
+        <p:spPr>
+          <a:xfrm>
+            <a:off x="7832039" y="3321374"/>
+            <a:ext cx="980677" cy="4918"/>
+          </a:xfrm>
+          <a:prstGeom prst="straightConnector1">
+            <a:avLst/>
+          </a:prstGeom>
+          <a:ln>
+            <a:tailEnd type="triangle"/>
+          </a:ln>
+        </p:spPr>
+        <p:style>
+          <a:lnRef idx="1">
+            <a:schemeClr val="accent1"/>
+          </a:lnRef>
+          <a:fillRef idx="0">
+            <a:schemeClr val="accent1"/>
+          </a:fillRef>
+          <a:effectRef idx="0">
+            <a:schemeClr val="accent1"/>
+          </a:effectRef>
+          <a:fontRef idx="minor">
+            <a:schemeClr val="tx1"/>
+          </a:fontRef>
+        </p:style>
+      </p:cxnSp>
+      <p:sp>
+        <p:nvSpPr>
+          <p:cNvPr id="27" name="文本框 26"/>
+          <p:cNvSpPr txBox="1"/>
+          <p:nvPr/>
+        </p:nvSpPr>
+        <p:spPr>
+          <a:xfrm>
+            <a:off x="7951308" y="2582249"/>
+            <a:ext cx="1046921" cy="646331"/>
+          </a:xfrm>
+          <a:prstGeom prst="rect">
+            <a:avLst/>
+          </a:prstGeom>
+          <a:noFill/>
+        </p:spPr>
+        <p:txBody>
+          <a:bodyPr wrap="square" rtlCol="0">
+            <a:spAutoFit/>
+          </a:bodyPr>
+          <a:lstStyle/>
+          <a:p>
+            <a:pPr algn="ctr"/>
+            <a:r>
+              <a:rPr lang="en-US" altLang="zh-CN" dirty="0"/>
+              <a:t>Message handler</a:t>
+            </a:r>
+            <a:endParaRPr lang="zh-CN" altLang="en-US" dirty="0"/>
+          </a:p>
+        </p:txBody>
+      </p:sp>
+      <p:cxnSp>
+        <p:nvCxnSpPr>
+          <p:cNvPr id="34" name="直接箭头连接符 33"/>
+          <p:cNvCxnSpPr/>
+          <p:nvPr/>
+        </p:nvCxnSpPr>
+        <p:spPr>
+          <a:xfrm>
+            <a:off x="3882892" y="3415624"/>
+            <a:ext cx="695736" cy="13252"/>
+          </a:xfrm>
+          <a:prstGeom prst="straightConnector1">
+            <a:avLst/>
+          </a:prstGeom>
+          <a:ln>
+            <a:tailEnd type="triangle"/>
+          </a:ln>
+        </p:spPr>
+        <p:style>
+          <a:lnRef idx="1">
+            <a:schemeClr val="accent1"/>
+          </a:lnRef>
+          <a:fillRef idx="0">
+            <a:schemeClr val="accent1"/>
+          </a:fillRef>
+          <a:effectRef idx="0">
+            <a:schemeClr val="accent1"/>
+          </a:effectRef>
+          <a:fontRef idx="minor">
+            <a:schemeClr val="tx1"/>
+          </a:fontRef>
+        </p:style>
+      </p:cxnSp>
+      <p:sp>
+        <p:nvSpPr>
+          <p:cNvPr id="38" name="矩形: 圆角 37"/>
+          <p:cNvSpPr/>
+          <p:nvPr/>
+        </p:nvSpPr>
+        <p:spPr>
+          <a:xfrm>
+            <a:off x="8885599" y="2950201"/>
+            <a:ext cx="1192695" cy="771820"/>
+          </a:xfrm>
+          <a:prstGeom prst="roundRect">
+            <a:avLst/>
+          </a:prstGeom>
+        </p:spPr>
+        <p:style>
+          <a:lnRef idx="2">
+            <a:schemeClr val="accent1">
+              <a:shade val="50000"/>
+            </a:schemeClr>
+          </a:lnRef>
+          <a:fillRef idx="1">
+            <a:schemeClr val="accent1"/>
+          </a:fillRef>
+          <a:effectRef idx="0">
+            <a:schemeClr val="accent1"/>
+          </a:effectRef>
+          <a:fontRef idx="minor">
+            <a:schemeClr val="lt1"/>
+          </a:fontRef>
+        </p:style>
+        <p:txBody>
+          <a:bodyPr rtlCol="0" anchor="ctr"/>
+          <a:lstStyle/>
+          <a:p>
+            <a:pPr algn="ctr"/>
+            <a:r>
+              <a:rPr lang="en-US" altLang="zh-CN" dirty="0"/>
+              <a:t>Input message</a:t>
+            </a:r>
+            <a:endParaRPr lang="zh-CN" altLang="en-US" dirty="0"/>
+          </a:p>
+        </p:txBody>
+      </p:sp>
+      <p:sp>
+        <p:nvSpPr>
+          <p:cNvPr id="41" name="矩形: 圆角 40"/>
+          <p:cNvSpPr/>
+          <p:nvPr/>
+        </p:nvSpPr>
+        <p:spPr>
+          <a:xfrm>
+            <a:off x="10601755" y="2956829"/>
+            <a:ext cx="1192695" cy="771820"/>
+          </a:xfrm>
+          <a:prstGeom prst="roundRect">
+            <a:avLst/>
+          </a:prstGeom>
+        </p:spPr>
+        <p:style>
+          <a:lnRef idx="2">
+            <a:schemeClr val="accent6">
+              <a:shade val="50000"/>
+            </a:schemeClr>
+          </a:lnRef>
+          <a:fillRef idx="1">
+            <a:schemeClr val="accent6"/>
+          </a:fillRef>
+          <a:effectRef idx="0">
+            <a:schemeClr val="accent6"/>
+          </a:effectRef>
+          <a:fontRef idx="minor">
+            <a:schemeClr val="lt1"/>
+          </a:fontRef>
+        </p:style>
+        <p:txBody>
+          <a:bodyPr rtlCol="0" anchor="ctr"/>
+          <a:lstStyle/>
+          <a:p>
+            <a:pPr algn="ctr"/>
+            <a:r>
+              <a:rPr lang="en-US" altLang="zh-CN" dirty="0"/>
+              <a:t> message handler</a:t>
+            </a:r>
+            <a:endParaRPr lang="zh-CN" altLang="en-US" dirty="0"/>
+          </a:p>
+        </p:txBody>
+      </p:sp>
+      <p:cxnSp>
+        <p:nvCxnSpPr>
+          <p:cNvPr id="43" name="直接箭头连接符 42"/>
+          <p:cNvCxnSpPr>
+            <a:cxnSpLocks/>
+            <a:stCxn id="38" idx="3"/>
+          </p:cNvCxnSpPr>
+          <p:nvPr/>
+        </p:nvCxnSpPr>
+        <p:spPr>
+          <a:xfrm>
+            <a:off x="10078294" y="3336111"/>
+            <a:ext cx="390923" cy="6628"/>
+          </a:xfrm>
+          <a:prstGeom prst="straightConnector1">
+            <a:avLst/>
+          </a:prstGeom>
+          <a:ln>
+            <a:tailEnd type="triangle"/>
+          </a:ln>
+        </p:spPr>
+        <p:style>
+          <a:lnRef idx="1">
+            <a:schemeClr val="accent1"/>
+          </a:lnRef>
+          <a:fillRef idx="0">
+            <a:schemeClr val="accent1"/>
+          </a:fillRef>
+          <a:effectRef idx="0">
+            <a:schemeClr val="accent1"/>
+          </a:effectRef>
+          <a:fontRef idx="minor">
+            <a:schemeClr val="tx1"/>
+          </a:fontRef>
+        </p:style>
+      </p:cxnSp>
+      <p:sp>
+        <p:nvSpPr>
+          <p:cNvPr id="45" name="文本框 44"/>
+          <p:cNvSpPr txBox="1"/>
+          <p:nvPr/>
+        </p:nvSpPr>
+        <p:spPr>
+          <a:xfrm>
+            <a:off x="7832039" y="1443213"/>
+            <a:ext cx="1636656" cy="400110"/>
+          </a:xfrm>
+          <a:prstGeom prst="rect">
+            <a:avLst/>
+          </a:prstGeom>
+          <a:noFill/>
+        </p:spPr>
+        <p:txBody>
+          <a:bodyPr wrap="square" rtlCol="0">
+            <a:spAutoFit/>
+          </a:bodyPr>
+          <a:lstStyle/>
+          <a:p>
+            <a:r>
+              <a:rPr lang="zh-CN" altLang="en-US" sz="2000" b="1" dirty="0"/>
+              <a:t>服务激活器</a:t>
+            </a:r>
+            <a:endParaRPr lang="zh-CN" altLang="en-US" sz="2000" dirty="0"/>
+          </a:p>
+        </p:txBody>
+      </p:sp>
+    </p:spTree>
+    <p:extLst>
+      <p:ext uri="{BB962C8B-B14F-4D97-AF65-F5344CB8AC3E}">
+        <p14:creationId xmlns:p14="http://schemas.microsoft.com/office/powerpoint/2010/main" val="3242680851"/>
+      </p:ext>
+    </p:extLst>
+  </p:cSld>
+  <p:clrMapOvr>
+    <a:masterClrMapping/>
+  </p:clrMapOvr>
+  <p:timing>
+    <p:tnLst>
+      <p:par>
+        <p:cTn id="1" dur="indefinite" restart="never" nodeType="tmRoot">
+          <p:childTnLst>
+            <p:seq concurrent="1" nextAc="seek">
+              <p:cTn id="2" dur="indefinite" nodeType="mainSeq">
+                <p:childTnLst>
+                  <p:par>
+                    <p:cTn id="3" fill="hold">
+                      <p:stCondLst>
+                        <p:cond delay="indefinite"/>
+                      </p:stCondLst>
+                      <p:childTnLst>
+                        <p:par>
+                          <p:cTn id="4" fill="hold">
+                            <p:stCondLst>
+                              <p:cond delay="0"/>
+                            </p:stCondLst>
+                            <p:childTnLst>
+                              <p:par>
+                                <p:cTn id="5" presetID="1" presetClass="entr" presetSubtype="0" fill="hold" grpId="0" nodeType="clickEffect">
+                                  <p:stCondLst>
+                                    <p:cond delay="0"/>
+                                  </p:stCondLst>
+                                  <p:childTnLst>
+                                    <p:set>
+                                      <p:cBhvr>
+                                        <p:cTn id="6" dur="1" fill="hold">
+                                          <p:stCondLst>
+                                            <p:cond delay="0"/>
+                                          </p:stCondLst>
+                                        </p:cTn>
+                                        <p:tgtEl>
+                                          <p:spTgt spid="5"/>
+                                        </p:tgtEl>
+                                        <p:attrNameLst>
+                                          <p:attrName>style.visibility</p:attrName>
+                                        </p:attrNameLst>
+                                      </p:cBhvr>
+                                      <p:to>
+                                        <p:strVal val="visible"/>
+                                      </p:to>
+                                    </p:set>
+                                  </p:childTnLst>
+                                </p:cTn>
+                              </p:par>
+                              <p:par>
+                                <p:cTn id="7" presetID="1" presetClass="entr" presetSubtype="0" fill="hold" nodeType="withEffect">
+                                  <p:stCondLst>
+                                    <p:cond delay="0"/>
+                                  </p:stCondLst>
+                                  <p:childTnLst>
+                                    <p:set>
+                                      <p:cBhvr>
+                                        <p:cTn id="8" dur="1" fill="hold">
+                                          <p:stCondLst>
+                                            <p:cond delay="0"/>
+                                          </p:stCondLst>
+                                        </p:cTn>
+                                        <p:tgtEl>
+                                          <p:spTgt spid="4"/>
+                                        </p:tgtEl>
+                                        <p:attrNameLst>
+                                          <p:attrName>style.visibility</p:attrName>
+                                        </p:attrNameLst>
+                                      </p:cBhvr>
+                                      <p:to>
+                                        <p:strVal val="visible"/>
+                                      </p:to>
+                                    </p:set>
+                                  </p:childTnLst>
+                                </p:cTn>
+                              </p:par>
+                              <p:par>
+                                <p:cTn id="9" presetID="1" presetClass="entr" presetSubtype="0" fill="hold" grpId="0" nodeType="withEffect">
+                                  <p:stCondLst>
+                                    <p:cond delay="0"/>
+                                  </p:stCondLst>
+                                  <p:childTnLst>
+                                    <p:set>
+                                      <p:cBhvr>
+                                        <p:cTn id="10" dur="1" fill="hold">
+                                          <p:stCondLst>
+                                            <p:cond delay="0"/>
+                                          </p:stCondLst>
+                                        </p:cTn>
+                                        <p:tgtEl>
+                                          <p:spTgt spid="21"/>
+                                        </p:tgtEl>
+                                        <p:attrNameLst>
+                                          <p:attrName>style.visibility</p:attrName>
+                                        </p:attrNameLst>
+                                      </p:cBhvr>
+                                      <p:to>
+                                        <p:strVal val="visible"/>
+                                      </p:to>
+                                    </p:set>
+                                  </p:childTnLst>
+                                </p:cTn>
+                              </p:par>
+                            </p:childTnLst>
+                          </p:cTn>
+                        </p:par>
+                      </p:childTnLst>
+                    </p:cTn>
+                  </p:par>
+                  <p:par>
+                    <p:cTn id="11" fill="hold">
+                      <p:stCondLst>
+                        <p:cond delay="indefinite"/>
+                      </p:stCondLst>
+                      <p:childTnLst>
+                        <p:par>
+                          <p:cTn id="12" fill="hold">
+                            <p:stCondLst>
+                              <p:cond delay="0"/>
+                            </p:stCondLst>
+                            <p:childTnLst>
+                              <p:par>
+                                <p:cTn id="13" presetID="1" presetClass="entr" presetSubtype="0" fill="hold" grpId="0" nodeType="clickEffect">
+                                  <p:stCondLst>
+                                    <p:cond delay="0"/>
+                                  </p:stCondLst>
+                                  <p:childTnLst>
+                                    <p:set>
+                                      <p:cBhvr>
+                                        <p:cTn id="14" dur="1" fill="hold">
+                                          <p:stCondLst>
+                                            <p:cond delay="0"/>
+                                          </p:stCondLst>
+                                        </p:cTn>
+                                        <p:tgtEl>
+                                          <p:spTgt spid="2"/>
+                                        </p:tgtEl>
+                                        <p:attrNameLst>
+                                          <p:attrName>style.visibility</p:attrName>
+                                        </p:attrNameLst>
+                                      </p:cBhvr>
+                                      <p:to>
+                                        <p:strVal val="visible"/>
+                                      </p:to>
+                                    </p:set>
+                                  </p:childTnLst>
+                                </p:cTn>
+                              </p:par>
+                              <p:par>
+                                <p:cTn id="15" presetID="1" presetClass="entr" presetSubtype="0" fill="hold" nodeType="withEffect">
+                                  <p:stCondLst>
+                                    <p:cond delay="0"/>
+                                  </p:stCondLst>
+                                  <p:childTnLst>
+                                    <p:set>
+                                      <p:cBhvr>
+                                        <p:cTn id="16" dur="1" fill="hold">
+                                          <p:stCondLst>
+                                            <p:cond delay="0"/>
+                                          </p:stCondLst>
+                                        </p:cTn>
+                                        <p:tgtEl>
+                                          <p:spTgt spid="10"/>
+                                        </p:tgtEl>
+                                        <p:attrNameLst>
+                                          <p:attrName>style.visibility</p:attrName>
+                                        </p:attrNameLst>
+                                      </p:cBhvr>
+                                      <p:to>
+                                        <p:strVal val="visible"/>
+                                      </p:to>
+                                    </p:set>
+                                  </p:childTnLst>
+                                </p:cTn>
+                              </p:par>
+                              <p:par>
+                                <p:cTn id="17" presetID="1" presetClass="entr" presetSubtype="0" fill="hold" nodeType="withEffect">
+                                  <p:stCondLst>
+                                    <p:cond delay="0"/>
+                                  </p:stCondLst>
+                                  <p:childTnLst>
+                                    <p:set>
+                                      <p:cBhvr>
+                                        <p:cTn id="18" dur="1" fill="hold">
+                                          <p:stCondLst>
+                                            <p:cond delay="0"/>
+                                          </p:stCondLst>
+                                        </p:cTn>
+                                        <p:tgtEl>
+                                          <p:spTgt spid="34"/>
+                                        </p:tgtEl>
+                                        <p:attrNameLst>
+                                          <p:attrName>style.visibility</p:attrName>
+                                        </p:attrNameLst>
+                                      </p:cBhvr>
+                                      <p:to>
+                                        <p:strVal val="visible"/>
+                                      </p:to>
+                                    </p:set>
+                                  </p:childTnLst>
+                                </p:cTn>
+                              </p:par>
+                              <p:par>
+                                <p:cTn id="19" presetID="1" presetClass="entr" presetSubtype="0" fill="hold" nodeType="withEffect">
+                                  <p:stCondLst>
+                                    <p:cond delay="0"/>
+                                  </p:stCondLst>
+                                  <p:childTnLst>
+                                    <p:set>
+                                      <p:cBhvr>
+                                        <p:cTn id="20" dur="1" fill="hold">
+                                          <p:stCondLst>
+                                            <p:cond delay="0"/>
+                                          </p:stCondLst>
+                                        </p:cTn>
+                                        <p:tgtEl>
+                                          <p:spTgt spid="12"/>
+                                        </p:tgtEl>
+                                        <p:attrNameLst>
+                                          <p:attrName>style.visibility</p:attrName>
+                                        </p:attrNameLst>
+                                      </p:cBhvr>
+                                      <p:to>
+                                        <p:strVal val="visible"/>
+                                      </p:to>
+                                    </p:set>
+                                  </p:childTnLst>
+                                </p:cTn>
+                              </p:par>
+                            </p:childTnLst>
+                          </p:cTn>
+                        </p:par>
+                      </p:childTnLst>
+                    </p:cTn>
+                  </p:par>
+                  <p:par>
+                    <p:cTn id="21" fill="hold">
+                      <p:stCondLst>
+                        <p:cond delay="indefinite"/>
+                      </p:stCondLst>
+                      <p:childTnLst>
+                        <p:par>
+                          <p:cTn id="22" fill="hold">
+                            <p:stCondLst>
+                              <p:cond delay="0"/>
+                            </p:stCondLst>
+                            <p:childTnLst>
+                              <p:par>
+                                <p:cTn id="23" presetID="1" presetClass="entr" presetSubtype="0" fill="hold" grpId="0" nodeType="clickEffect">
+                                  <p:stCondLst>
+                                    <p:cond delay="0"/>
+                                  </p:stCondLst>
+                                  <p:childTnLst>
+                                    <p:set>
+                                      <p:cBhvr>
+                                        <p:cTn id="24" dur="1" fill="hold">
+                                          <p:stCondLst>
+                                            <p:cond delay="0"/>
+                                          </p:stCondLst>
+                                        </p:cTn>
+                                        <p:tgtEl>
+                                          <p:spTgt spid="16"/>
+                                        </p:tgtEl>
+                                        <p:attrNameLst>
+                                          <p:attrName>style.visibility</p:attrName>
+                                        </p:attrNameLst>
+                                      </p:cBhvr>
+                                      <p:to>
+                                        <p:strVal val="visible"/>
+                                      </p:to>
+                                    </p:set>
+                                  </p:childTnLst>
+                                </p:cTn>
+                              </p:par>
+                              <p:par>
+                                <p:cTn id="25" presetID="1" presetClass="entr" presetSubtype="0" fill="hold" grpId="0" nodeType="withEffect">
+                                  <p:stCondLst>
+                                    <p:cond delay="0"/>
+                                  </p:stCondLst>
+                                  <p:childTnLst>
+                                    <p:set>
+                                      <p:cBhvr>
+                                        <p:cTn id="26" dur="1" fill="hold">
+                                          <p:stCondLst>
+                                            <p:cond delay="0"/>
+                                          </p:stCondLst>
+                                        </p:cTn>
+                                        <p:tgtEl>
+                                          <p:spTgt spid="17"/>
+                                        </p:tgtEl>
+                                        <p:attrNameLst>
+                                          <p:attrName>style.visibility</p:attrName>
+                                        </p:attrNameLst>
+                                      </p:cBhvr>
+                                      <p:to>
+                                        <p:strVal val="visible"/>
+                                      </p:to>
+                                    </p:set>
+                                  </p:childTnLst>
+                                </p:cTn>
+                              </p:par>
+                              <p:par>
+                                <p:cTn id="27" presetID="1" presetClass="entr" presetSubtype="0" fill="hold" grpId="0" nodeType="withEffect">
+                                  <p:stCondLst>
+                                    <p:cond delay="0"/>
+                                  </p:stCondLst>
+                                  <p:childTnLst>
+                                    <p:set>
+                                      <p:cBhvr>
+                                        <p:cTn id="28" dur="1" fill="hold">
+                                          <p:stCondLst>
+                                            <p:cond delay="0"/>
+                                          </p:stCondLst>
+                                        </p:cTn>
+                                        <p:tgtEl>
+                                          <p:spTgt spid="18"/>
+                                        </p:tgtEl>
+                                        <p:attrNameLst>
+                                          <p:attrName>style.visibility</p:attrName>
+                                        </p:attrNameLst>
+                                      </p:cBhvr>
+                                      <p:to>
+                                        <p:strVal val="visible"/>
+                                      </p:to>
+                                    </p:set>
+                                  </p:childTnLst>
+                                </p:cTn>
+                              </p:par>
+                              <p:par>
+                                <p:cTn id="29" presetID="1" presetClass="entr" presetSubtype="0" fill="hold" grpId="0" nodeType="withEffect">
+                                  <p:stCondLst>
+                                    <p:cond delay="0"/>
+                                  </p:stCondLst>
+                                  <p:childTnLst>
+                                    <p:set>
+                                      <p:cBhvr>
+                                        <p:cTn id="30" dur="1" fill="hold">
+                                          <p:stCondLst>
+                                            <p:cond delay="0"/>
+                                          </p:stCondLst>
+                                        </p:cTn>
+                                        <p:tgtEl>
+                                          <p:spTgt spid="19"/>
+                                        </p:tgtEl>
+                                        <p:attrNameLst>
+                                          <p:attrName>style.visibility</p:attrName>
+                                        </p:attrNameLst>
+                                      </p:cBhvr>
+                                      <p:to>
+                                        <p:strVal val="visible"/>
+                                      </p:to>
+                                    </p:set>
+                                  </p:childTnLst>
+                                </p:cTn>
+                              </p:par>
+                              <p:par>
+                                <p:cTn id="31" presetID="1" presetClass="entr" presetSubtype="0" fill="hold" grpId="0" nodeType="withEffect">
+                                  <p:stCondLst>
+                                    <p:cond delay="0"/>
+                                  </p:stCondLst>
+                                  <p:childTnLst>
+                                    <p:set>
+                                      <p:cBhvr>
+                                        <p:cTn id="32" dur="1" fill="hold">
+                                          <p:stCondLst>
+                                            <p:cond delay="0"/>
+                                          </p:stCondLst>
+                                        </p:cTn>
+                                        <p:tgtEl>
+                                          <p:spTgt spid="20"/>
+                                        </p:tgtEl>
+                                        <p:attrNameLst>
+                                          <p:attrName>style.visibility</p:attrName>
+                                        </p:attrNameLst>
+                                      </p:cBhvr>
+                                      <p:to>
+                                        <p:strVal val="visible"/>
+                                      </p:to>
+                                    </p:set>
+                                  </p:childTnLst>
+                                </p:cTn>
+                              </p:par>
+                              <p:par>
+                                <p:cTn id="33" presetID="1" presetClass="entr" presetSubtype="0" fill="hold" grpId="0" nodeType="withEffect">
+                                  <p:stCondLst>
+                                    <p:cond delay="0"/>
+                                  </p:stCondLst>
+                                  <p:childTnLst>
+                                    <p:set>
+                                      <p:cBhvr>
+                                        <p:cTn id="34" dur="1" fill="hold">
+                                          <p:stCondLst>
+                                            <p:cond delay="0"/>
+                                          </p:stCondLst>
+                                        </p:cTn>
+                                        <p:tgtEl>
+                                          <p:spTgt spid="13"/>
+                                        </p:tgtEl>
+                                        <p:attrNameLst>
+                                          <p:attrName>style.visibility</p:attrName>
+                                        </p:attrNameLst>
+                                      </p:cBhvr>
+                                      <p:to>
+                                        <p:strVal val="visible"/>
+                                      </p:to>
+                                    </p:set>
+                                  </p:childTnLst>
+                                </p:cTn>
+                              </p:par>
+                            </p:childTnLst>
+                          </p:cTn>
+                        </p:par>
+                      </p:childTnLst>
+                    </p:cTn>
+                  </p:par>
+                  <p:par>
+                    <p:cTn id="35" fill="hold">
+                      <p:stCondLst>
+                        <p:cond delay="indefinite"/>
+                      </p:stCondLst>
+                      <p:childTnLst>
+                        <p:par>
+                          <p:cTn id="36" fill="hold">
+                            <p:stCondLst>
+                              <p:cond delay="0"/>
+                            </p:stCondLst>
+                            <p:childTnLst>
+                              <p:par>
+                                <p:cTn id="37" presetID="1" presetClass="entr" presetSubtype="0" fill="hold" grpId="0" nodeType="clickEffect">
+                                  <p:stCondLst>
+                                    <p:cond delay="0"/>
+                                  </p:stCondLst>
+                                  <p:childTnLst>
+                                    <p:set>
+                                      <p:cBhvr>
+                                        <p:cTn id="38" dur="1" fill="hold">
+                                          <p:stCondLst>
+                                            <p:cond delay="0"/>
+                                          </p:stCondLst>
+                                        </p:cTn>
+                                        <p:tgtEl>
+                                          <p:spTgt spid="24"/>
+                                        </p:tgtEl>
+                                        <p:attrNameLst>
+                                          <p:attrName>style.visibility</p:attrName>
+                                        </p:attrNameLst>
+                                      </p:cBhvr>
+                                      <p:to>
+                                        <p:strVal val="visible"/>
+                                      </p:to>
+                                    </p:set>
+                                  </p:childTnLst>
+                                </p:cTn>
+                              </p:par>
+                              <p:par>
+                                <p:cTn id="39" presetID="1" presetClass="entr" presetSubtype="0" fill="hold" nodeType="withEffect">
+                                  <p:stCondLst>
+                                    <p:cond delay="0"/>
+                                  </p:stCondLst>
+                                  <p:childTnLst>
+                                    <p:set>
+                                      <p:cBhvr>
+                                        <p:cTn id="40" dur="1" fill="hold">
+                                          <p:stCondLst>
+                                            <p:cond delay="0"/>
+                                          </p:stCondLst>
+                                        </p:cTn>
+                                        <p:tgtEl>
+                                          <p:spTgt spid="23"/>
+                                        </p:tgtEl>
+                                        <p:attrNameLst>
+                                          <p:attrName>style.visibility</p:attrName>
+                                        </p:attrNameLst>
+                                      </p:cBhvr>
+                                      <p:to>
+                                        <p:strVal val="visible"/>
+                                      </p:to>
+                                    </p:set>
+                                  </p:childTnLst>
+                                </p:cTn>
+                              </p:par>
+                              <p:par>
+                                <p:cTn id="41" presetID="1" presetClass="entr" presetSubtype="0" fill="hold" grpId="0" nodeType="withEffect">
+                                  <p:stCondLst>
+                                    <p:cond delay="0"/>
+                                  </p:stCondLst>
+                                  <p:childTnLst>
+                                    <p:set>
+                                      <p:cBhvr>
+                                        <p:cTn id="42" dur="1" fill="hold">
+                                          <p:stCondLst>
+                                            <p:cond delay="0"/>
+                                          </p:stCondLst>
+                                        </p:cTn>
+                                        <p:tgtEl>
+                                          <p:spTgt spid="27"/>
+                                        </p:tgtEl>
+                                        <p:attrNameLst>
+                                          <p:attrName>style.visibility</p:attrName>
+                                        </p:attrNameLst>
+                                      </p:cBhvr>
+                                      <p:to>
+                                        <p:strVal val="visible"/>
+                                      </p:to>
+                                    </p:set>
+                                  </p:childTnLst>
+                                </p:cTn>
+                              </p:par>
+                              <p:par>
+                                <p:cTn id="43" presetID="1" presetClass="entr" presetSubtype="0" fill="hold" nodeType="withEffect">
+                                  <p:stCondLst>
+                                    <p:cond delay="0"/>
+                                  </p:stCondLst>
+                                  <p:childTnLst>
+                                    <p:set>
+                                      <p:cBhvr>
+                                        <p:cTn id="44" dur="1" fill="hold">
+                                          <p:stCondLst>
+                                            <p:cond delay="0"/>
+                                          </p:stCondLst>
+                                        </p:cTn>
+                                        <p:tgtEl>
+                                          <p:spTgt spid="26"/>
+                                        </p:tgtEl>
+                                        <p:attrNameLst>
+                                          <p:attrName>style.visibility</p:attrName>
+                                        </p:attrNameLst>
+                                      </p:cBhvr>
+                                      <p:to>
+                                        <p:strVal val="visible"/>
+                                      </p:to>
+                                    </p:set>
+                                  </p:childTnLst>
+                                </p:cTn>
+                              </p:par>
+                            </p:childTnLst>
+                          </p:cTn>
+                        </p:par>
+                      </p:childTnLst>
+                    </p:cTn>
+                  </p:par>
+                  <p:par>
+                    <p:cTn id="45" fill="hold">
+                      <p:stCondLst>
+                        <p:cond delay="indefinite"/>
+                      </p:stCondLst>
+                      <p:childTnLst>
+                        <p:par>
+                          <p:cTn id="46" fill="hold">
+                            <p:stCondLst>
+                              <p:cond delay="0"/>
+                            </p:stCondLst>
+                            <p:childTnLst>
+                              <p:par>
+                                <p:cTn id="47" presetID="1" presetClass="entr" presetSubtype="0" fill="hold" grpId="0" nodeType="clickEffect">
+                                  <p:stCondLst>
+                                    <p:cond delay="0"/>
+                                  </p:stCondLst>
+                                  <p:childTnLst>
+                                    <p:set>
+                                      <p:cBhvr>
+                                        <p:cTn id="48" dur="1" fill="hold">
+                                          <p:stCondLst>
+                                            <p:cond delay="0"/>
+                                          </p:stCondLst>
+                                        </p:cTn>
+                                        <p:tgtEl>
+                                          <p:spTgt spid="45"/>
+                                        </p:tgtEl>
+                                        <p:attrNameLst>
+                                          <p:attrName>style.visibility</p:attrName>
+                                        </p:attrNameLst>
+                                      </p:cBhvr>
+                                      <p:to>
+                                        <p:strVal val="visible"/>
+                                      </p:to>
+                                    </p:set>
+                                  </p:childTnLst>
+                                </p:cTn>
+                              </p:par>
+                              <p:par>
+                                <p:cTn id="49" presetID="1" presetClass="entr" presetSubtype="0" fill="hold" grpId="0" nodeType="withEffect">
+                                  <p:stCondLst>
+                                    <p:cond delay="0"/>
+                                  </p:stCondLst>
+                                  <p:childTnLst>
+                                    <p:set>
+                                      <p:cBhvr>
+                                        <p:cTn id="50" dur="1" fill="hold">
+                                          <p:stCondLst>
+                                            <p:cond delay="0"/>
+                                          </p:stCondLst>
+                                        </p:cTn>
+                                        <p:tgtEl>
+                                          <p:spTgt spid="38"/>
+                                        </p:tgtEl>
+                                        <p:attrNameLst>
+                                          <p:attrName>style.visibility</p:attrName>
+                                        </p:attrNameLst>
+                                      </p:cBhvr>
+                                      <p:to>
+                                        <p:strVal val="visible"/>
+                                      </p:to>
+                                    </p:set>
+                                  </p:childTnLst>
+                                </p:cTn>
+                              </p:par>
+                              <p:par>
+                                <p:cTn id="51" presetID="1" presetClass="entr" presetSubtype="0" fill="hold" nodeType="withEffect">
+                                  <p:stCondLst>
+                                    <p:cond delay="0"/>
+                                  </p:stCondLst>
+                                  <p:childTnLst>
+                                    <p:set>
+                                      <p:cBhvr>
+                                        <p:cTn id="52" dur="1" fill="hold">
+                                          <p:stCondLst>
+                                            <p:cond delay="0"/>
+                                          </p:stCondLst>
+                                        </p:cTn>
+                                        <p:tgtEl>
+                                          <p:spTgt spid="43"/>
+                                        </p:tgtEl>
+                                        <p:attrNameLst>
+                                          <p:attrName>style.visibility</p:attrName>
+                                        </p:attrNameLst>
+                                      </p:cBhvr>
+                                      <p:to>
+                                        <p:strVal val="visible"/>
+                                      </p:to>
+                                    </p:set>
+                                  </p:childTnLst>
+                                </p:cTn>
+                              </p:par>
+                            </p:childTnLst>
+                          </p:cTn>
+                        </p:par>
+                      </p:childTnLst>
+                    </p:cTn>
+                  </p:par>
+                  <p:par>
+                    <p:cTn id="53" fill="hold">
+                      <p:stCondLst>
+                        <p:cond delay="indefinite"/>
+                      </p:stCondLst>
+                      <p:childTnLst>
+                        <p:par>
+                          <p:cTn id="54" fill="hold">
+                            <p:stCondLst>
+                              <p:cond delay="0"/>
+                            </p:stCondLst>
+                            <p:childTnLst>
+                              <p:par>
+                                <p:cTn id="55" presetID="1" presetClass="entr" presetSubtype="0" fill="hold" grpId="0" nodeType="clickEffect">
+                                  <p:stCondLst>
+                                    <p:cond delay="0"/>
+                                  </p:stCondLst>
+                                  <p:childTnLst>
+                                    <p:set>
+                                      <p:cBhvr>
+                                        <p:cTn id="56" dur="1" fill="hold">
+                                          <p:stCondLst>
+                                            <p:cond delay="0"/>
+                                          </p:stCondLst>
+                                        </p:cTn>
+                                        <p:tgtEl>
+                                          <p:spTgt spid="41"/>
+                                        </p:tgtEl>
+                                        <p:attrNameLst>
+                                          <p:attrName>style.visibility</p:attrName>
+                                        </p:attrNameLst>
+                                      </p:cBhvr>
+                                      <p:to>
+                                        <p:strVal val="visible"/>
+                                      </p:to>
+                                    </p:set>
+                                  </p:childTnLst>
+                                </p:cTn>
+                              </p:par>
+                            </p:childTnLst>
+                          </p:cTn>
+                        </p:par>
+                      </p:childTnLst>
+                    </p:cTn>
+                  </p:par>
+                </p:childTnLst>
+              </p:cTn>
+              <p:prevCondLst>
+                <p:cond evt="onPrev" delay="0">
+                  <p:tgtEl>
+                    <p:sldTgt/>
+                  </p:tgtEl>
+                </p:cond>
+              </p:prevCondLst>
+              <p:nextCondLst>
+                <p:cond evt="onNext" delay="0">
+                  <p:tgtEl>
+                    <p:sldTgt/>
+                  </p:tgtEl>
+                </p:cond>
+              </p:nextCondLst>
+            </p:seq>
+          </p:childTnLst>
+        </p:cTn>
+      </p:par>
+    </p:tnLst>
+    <p:bldLst>
+      <p:bldP spid="5" grpId="0" animBg="1"/>
+      <p:bldP spid="2" grpId="0" animBg="1"/>
+      <p:bldP spid="13" grpId="0" animBg="1"/>
+      <p:bldP spid="16" grpId="0"/>
+      <p:bldP spid="17" grpId="0" animBg="1"/>
+      <p:bldP spid="18" grpId="0"/>
+      <p:bldP spid="19" grpId="0" animBg="1"/>
+      <p:bldP spid="20" grpId="0"/>
+      <p:bldP spid="21" grpId="0"/>
+      <p:bldP spid="24" grpId="0" animBg="1"/>
+      <p:bldP spid="27" grpId="0"/>
+      <p:bldP spid="38" grpId="0" animBg="1"/>
+      <p:bldP spid="41" grpId="0" animBg="1"/>
+      <p:bldP spid="45" grpId="0"/>
+    </p:bldLst>
+  </p:timing>
+</p:sld>
+</file>
+
+<file path=ppt/slides/slide5.xml><?xml version="1.0" encoding="utf-8"?>
+<p:sld xmlns:a="http://schemas.openxmlformats.org/drawingml/2006/main" xmlns:r="http://schemas.openxmlformats.org/officeDocument/2006/relationships" xmlns:p="http://schemas.openxmlformats.org/presentationml/2006/main">
+  <p:cSld>
+    <p:spTree>
+      <p:nvGrpSpPr>
+        <p:cNvPr id="1" name=""/>
+        <p:cNvGrpSpPr/>
+        <p:nvPr/>
+      </p:nvGrpSpPr>
+      <p:grpSpPr>
+        <a:xfrm>
+          <a:off x="0" y="0"/>
+          <a:ext cx="0" cy="0"/>
+          <a:chOff x="0" y="0"/>
+          <a:chExt cx="0" cy="0"/>
+        </a:xfrm>
+      </p:grpSpPr>
+      <p:sp>
+        <p:nvSpPr>
+          <p:cNvPr id="5" name="文本框 4"/>
+          <p:cNvSpPr txBox="1"/>
+          <p:nvPr/>
+        </p:nvSpPr>
+        <p:spPr>
+          <a:xfrm>
+            <a:off x="4330846" y="636104"/>
+            <a:ext cx="2690192" cy="646331"/>
+          </a:xfrm>
+          <a:prstGeom prst="rect">
+            <a:avLst/>
+          </a:prstGeom>
+          <a:noFill/>
+        </p:spPr>
+        <p:txBody>
+          <a:bodyPr wrap="square" rtlCol="0">
+            <a:spAutoFit/>
+          </a:bodyPr>
+          <a:lstStyle/>
+          <a:p>
+            <a:pPr lvl="0" algn="ctr" eaLnBrk="0" fontAlgn="base" hangingPunct="0">
+              <a:spcBef>
+                <a:spcPct val="0"/>
+              </a:spcBef>
+              <a:spcAft>
+                <a:spcPct val="0"/>
+              </a:spcAft>
+            </a:pPr>
+            <a:r>
+              <a:rPr lang="en-US" altLang="zh-CN" sz="3600" dirty="0">
+                <a:solidFill>
+                  <a:srgbClr val="3F3F3F"/>
+                </a:solidFill>
+                <a:latin typeface="Arial Unicode MS" panose="020B0604020202020204" pitchFamily="34" charset="-122"/>
+              </a:rPr>
+              <a:t>Java</a:t>
+            </a:r>
+            <a:r>
+              <a:rPr lang="zh-CN" altLang="en-US" sz="3600" dirty="0">
+                <a:solidFill>
+                  <a:srgbClr val="3F3F3F"/>
+                </a:solidFill>
+                <a:latin typeface="Arial Unicode MS" panose="020B0604020202020204" pitchFamily="34" charset="-122"/>
+              </a:rPr>
+              <a:t>实现</a:t>
+            </a:r>
+            <a:r>
+              <a:rPr lang="zh-CN" altLang="zh-CN" sz="3200" dirty="0"/>
+              <a:t> </a:t>
+            </a:r>
+            <a:endParaRPr lang="zh-CN" altLang="zh-CN" sz="4800" dirty="0">
+              <a:latin typeface="Arial" panose="020B0604020202020204" pitchFamily="34" charset="0"/>
+            </a:endParaRPr>
+          </a:p>
+        </p:txBody>
+      </p:sp>
+      <p:sp>
+        <p:nvSpPr>
+          <p:cNvPr id="2" name="矩形: 圆角 1"/>
+          <p:cNvSpPr/>
+          <p:nvPr/>
+        </p:nvSpPr>
+        <p:spPr>
+          <a:xfrm>
+            <a:off x="1510750" y="2836829"/>
+            <a:ext cx="1232452" cy="477079"/>
+          </a:xfrm>
+          <a:prstGeom prst="roundRect">
+            <a:avLst/>
+          </a:prstGeom>
+        </p:spPr>
+        <p:style>
+          <a:lnRef idx="2">
+            <a:schemeClr val="dk1"/>
+          </a:lnRef>
+          <a:fillRef idx="1">
+            <a:schemeClr val="lt1"/>
+          </a:fillRef>
+          <a:effectRef idx="0">
+            <a:schemeClr val="dk1"/>
+          </a:effectRef>
+          <a:fontRef idx="minor">
+            <a:schemeClr val="dk1"/>
+          </a:fontRef>
+        </p:style>
+        <p:txBody>
+          <a:bodyPr rtlCol="0" anchor="ctr"/>
+          <a:lstStyle/>
+          <a:p>
+            <a:pPr algn="ctr"/>
+            <a:r>
+              <a:rPr lang="en-US" altLang="zh-CN" dirty="0"/>
+              <a:t>router</a:t>
+            </a:r>
+            <a:endParaRPr lang="zh-CN" altLang="en-US" dirty="0"/>
+          </a:p>
+        </p:txBody>
+      </p:sp>
+      <p:cxnSp>
+        <p:nvCxnSpPr>
+          <p:cNvPr id="13" name="直接箭头连接符 12"/>
+          <p:cNvCxnSpPr/>
+          <p:nvPr/>
+        </p:nvCxnSpPr>
+        <p:spPr>
+          <a:xfrm>
+            <a:off x="2743202" y="3127513"/>
+            <a:ext cx="1364974" cy="0"/>
+          </a:xfrm>
+          <a:prstGeom prst="straightConnector1">
+            <a:avLst/>
+          </a:prstGeom>
+          <a:ln>
+            <a:tailEnd type="triangle"/>
+          </a:ln>
+        </p:spPr>
+        <p:style>
+          <a:lnRef idx="1">
+            <a:schemeClr val="accent1"/>
+          </a:lnRef>
+          <a:fillRef idx="0">
+            <a:schemeClr val="accent1"/>
+          </a:fillRef>
+          <a:effectRef idx="0">
+            <a:schemeClr val="accent1"/>
+          </a:effectRef>
+          <a:fontRef idx="minor">
+            <a:schemeClr val="tx1"/>
+          </a:fontRef>
+        </p:style>
+      </p:cxnSp>
+      <p:sp>
+        <p:nvSpPr>
+          <p:cNvPr id="14" name="文本框 13"/>
+          <p:cNvSpPr txBox="1"/>
+          <p:nvPr/>
+        </p:nvSpPr>
+        <p:spPr>
+          <a:xfrm>
+            <a:off x="2902228" y="2652163"/>
+            <a:ext cx="1046922" cy="369332"/>
+          </a:xfrm>
+          <a:prstGeom prst="rect">
+            <a:avLst/>
+          </a:prstGeom>
+          <a:noFill/>
+        </p:spPr>
+        <p:txBody>
+          <a:bodyPr wrap="square" rtlCol="0">
+            <a:spAutoFit/>
+          </a:bodyPr>
+          <a:lstStyle/>
+          <a:p>
+            <a:pPr algn="ctr"/>
+            <a:r>
+              <a:rPr lang="zh-CN" altLang="en-US" dirty="0"/>
+              <a:t>调用</a:t>
+            </a:r>
+          </a:p>
+        </p:txBody>
+      </p:sp>
+      <p:sp>
+        <p:nvSpPr>
+          <p:cNvPr id="15" name="矩形: 圆角 14"/>
+          <p:cNvSpPr/>
+          <p:nvPr/>
+        </p:nvSpPr>
+        <p:spPr>
+          <a:xfrm>
+            <a:off x="4194316" y="2836828"/>
+            <a:ext cx="1232452" cy="477079"/>
+          </a:xfrm>
+          <a:prstGeom prst="roundRect">
+            <a:avLst/>
+          </a:prstGeom>
+        </p:spPr>
+        <p:style>
+          <a:lnRef idx="2">
+            <a:schemeClr val="dk1"/>
+          </a:lnRef>
+          <a:fillRef idx="1">
+            <a:schemeClr val="lt1"/>
+          </a:fillRef>
+          <a:effectRef idx="0">
+            <a:schemeClr val="dk1"/>
+          </a:effectRef>
+          <a:fontRef idx="minor">
+            <a:schemeClr val="dk1"/>
+          </a:fontRef>
+        </p:style>
+        <p:txBody>
+          <a:bodyPr rtlCol="0" anchor="ctr"/>
+          <a:lstStyle/>
+          <a:p>
+            <a:pPr algn="ctr"/>
+            <a:r>
+              <a:rPr lang="en-US" altLang="zh-CN" dirty="0"/>
+              <a:t>factory</a:t>
+            </a:r>
+            <a:endParaRPr lang="zh-CN" altLang="en-US" dirty="0"/>
+          </a:p>
+        </p:txBody>
+      </p:sp>
+      <p:cxnSp>
+        <p:nvCxnSpPr>
+          <p:cNvPr id="16" name="直接箭头连接符 15"/>
+          <p:cNvCxnSpPr/>
+          <p:nvPr/>
+        </p:nvCxnSpPr>
+        <p:spPr>
+          <a:xfrm>
+            <a:off x="5426768" y="3108500"/>
+            <a:ext cx="1364974" cy="0"/>
+          </a:xfrm>
+          <a:prstGeom prst="straightConnector1">
+            <a:avLst/>
+          </a:prstGeom>
+          <a:ln>
+            <a:tailEnd type="triangle"/>
+          </a:ln>
+        </p:spPr>
+        <p:style>
+          <a:lnRef idx="1">
+            <a:schemeClr val="accent1"/>
+          </a:lnRef>
+          <a:fillRef idx="0">
+            <a:schemeClr val="accent1"/>
+          </a:fillRef>
+          <a:effectRef idx="0">
+            <a:schemeClr val="accent1"/>
+          </a:effectRef>
+          <a:fontRef idx="minor">
+            <a:schemeClr val="tx1"/>
+          </a:fontRef>
+        </p:style>
+      </p:cxnSp>
+      <p:sp>
+        <p:nvSpPr>
+          <p:cNvPr id="17" name="文本框 16"/>
+          <p:cNvSpPr txBox="1"/>
+          <p:nvPr/>
+        </p:nvSpPr>
+        <p:spPr>
+          <a:xfrm>
+            <a:off x="5506281" y="2462169"/>
+            <a:ext cx="1205948" cy="646331"/>
+          </a:xfrm>
+          <a:prstGeom prst="rect">
+            <a:avLst/>
+          </a:prstGeom>
+          <a:noFill/>
+        </p:spPr>
+        <p:txBody>
+          <a:bodyPr wrap="square" rtlCol="0">
+            <a:spAutoFit/>
+          </a:bodyPr>
+          <a:lstStyle/>
+          <a:p>
+            <a:pPr algn="ctr"/>
+            <a:r>
+              <a:rPr lang="zh-CN" altLang="en-US" dirty="0"/>
+              <a:t>产生</a:t>
+            </a:r>
+            <a:r>
+              <a:rPr lang="en-US" altLang="zh-CN" dirty="0"/>
+              <a:t>Handler</a:t>
+            </a:r>
+            <a:endParaRPr lang="zh-CN" altLang="en-US" dirty="0"/>
+          </a:p>
+        </p:txBody>
+      </p:sp>
+      <p:sp>
+        <p:nvSpPr>
+          <p:cNvPr id="18" name="矩形: 圆角 17"/>
+          <p:cNvSpPr/>
+          <p:nvPr/>
+        </p:nvSpPr>
+        <p:spPr>
+          <a:xfrm>
+            <a:off x="6871255" y="2888973"/>
+            <a:ext cx="1232452" cy="477079"/>
+          </a:xfrm>
+          <a:prstGeom prst="roundRect">
+            <a:avLst/>
+          </a:prstGeom>
+        </p:spPr>
+        <p:style>
+          <a:lnRef idx="2">
+            <a:schemeClr val="dk1"/>
+          </a:lnRef>
+          <a:fillRef idx="1">
+            <a:schemeClr val="lt1"/>
+          </a:fillRef>
+          <a:effectRef idx="0">
+            <a:schemeClr val="dk1"/>
+          </a:effectRef>
+          <a:fontRef idx="minor">
+            <a:schemeClr val="dk1"/>
+          </a:fontRef>
+        </p:style>
+        <p:txBody>
+          <a:bodyPr rot="0" spcFirstLastPara="0" vert="horz" wrap="square" lIns="91440" tIns="45720" rIns="91440" bIns="45720" numCol="1" spcCol="0" rtlCol="0" fromWordArt="0" anchor="ctr" anchorCtr="0" forceAA="0" compatLnSpc="1">
+            <a:prstTxWarp prst="textNoShape">
+              <a:avLst/>
+            </a:prstTxWarp>
+            <a:noAutofit/>
+          </a:bodyPr>
+          <a:lstStyle>
+            <a:defPPr>
+              <a:defRPr lang="zh-CN"/>
+            </a:defPPr>
+            <a:lvl1pPr marL="0" algn="l" defTabSz="914400" rtl="0" eaLnBrk="1" latinLnBrk="0" hangingPunct="1">
+              <a:defRPr sz="1800" kern="1200">
+                <a:solidFill>
+                  <a:schemeClr val="dk1"/>
+                </a:solidFill>
+                <a:latin typeface="+mn-lt"/>
+                <a:ea typeface="+mn-ea"/>
+                <a:cs typeface="+mn-cs"/>
+              </a:defRPr>
+            </a:lvl1pPr>
+            <a:lvl2pPr marL="457200" algn="l" defTabSz="914400" rtl="0" eaLnBrk="1" latinLnBrk="0" hangingPunct="1">
+              <a:defRPr sz="1800" kern="1200">
+                <a:solidFill>
+                  <a:schemeClr val="dk1"/>
+                </a:solidFill>
+                <a:latin typeface="+mn-lt"/>
+                <a:ea typeface="+mn-ea"/>
+                <a:cs typeface="+mn-cs"/>
+              </a:defRPr>
+            </a:lvl2pPr>
+            <a:lvl3pPr marL="914400" algn="l" defTabSz="914400" rtl="0" eaLnBrk="1" latinLnBrk="0" hangingPunct="1">
+              <a:defRPr sz="1800" kern="1200">
+                <a:solidFill>
+                  <a:schemeClr val="dk1"/>
+                </a:solidFill>
+                <a:latin typeface="+mn-lt"/>
+                <a:ea typeface="+mn-ea"/>
+                <a:cs typeface="+mn-cs"/>
+              </a:defRPr>
+            </a:lvl3pPr>
+            <a:lvl4pPr marL="1371600" algn="l" defTabSz="914400" rtl="0" eaLnBrk="1" latinLnBrk="0" hangingPunct="1">
+              <a:defRPr sz="1800" kern="1200">
+                <a:solidFill>
+                  <a:schemeClr val="dk1"/>
+                </a:solidFill>
+                <a:latin typeface="+mn-lt"/>
+                <a:ea typeface="+mn-ea"/>
+                <a:cs typeface="+mn-cs"/>
+              </a:defRPr>
+            </a:lvl4pPr>
+            <a:lvl5pPr marL="1828800" algn="l" defTabSz="914400" rtl="0" eaLnBrk="1" latinLnBrk="0" hangingPunct="1">
+              <a:defRPr sz="1800" kern="1200">
+                <a:solidFill>
+                  <a:schemeClr val="dk1"/>
+                </a:solidFill>
+                <a:latin typeface="+mn-lt"/>
+                <a:ea typeface="+mn-ea"/>
+                <a:cs typeface="+mn-cs"/>
+              </a:defRPr>
+            </a:lvl5pPr>
+            <a:lvl6pPr marL="2286000" algn="l" defTabSz="914400" rtl="0" eaLnBrk="1" latinLnBrk="0" hangingPunct="1">
+              <a:defRPr sz="1800" kern="1200">
+                <a:solidFill>
+                  <a:schemeClr val="dk1"/>
+                </a:solidFill>
+                <a:latin typeface="+mn-lt"/>
+                <a:ea typeface="+mn-ea"/>
+                <a:cs typeface="+mn-cs"/>
+              </a:defRPr>
+            </a:lvl6pPr>
+            <a:lvl7pPr marL="2743200" algn="l" defTabSz="914400" rtl="0" eaLnBrk="1" latinLnBrk="0" hangingPunct="1">
+              <a:defRPr sz="1800" kern="1200">
+                <a:solidFill>
+                  <a:schemeClr val="dk1"/>
+                </a:solidFill>
+                <a:latin typeface="+mn-lt"/>
+                <a:ea typeface="+mn-ea"/>
+                <a:cs typeface="+mn-cs"/>
+              </a:defRPr>
+            </a:lvl7pPr>
+            <a:lvl8pPr marL="3200400" algn="l" defTabSz="914400" rtl="0" eaLnBrk="1" latinLnBrk="0" hangingPunct="1">
+              <a:defRPr sz="1800" kern="1200">
+                <a:solidFill>
+                  <a:schemeClr val="dk1"/>
+                </a:solidFill>
+                <a:latin typeface="+mn-lt"/>
+                <a:ea typeface="+mn-ea"/>
+                <a:cs typeface="+mn-cs"/>
+              </a:defRPr>
+            </a:lvl8pPr>
+            <a:lvl9pPr marL="3657600" algn="l" defTabSz="914400" rtl="0" eaLnBrk="1" latinLnBrk="0" hangingPunct="1">
+              <a:defRPr sz="1800" kern="1200">
+                <a:solidFill>
+                  <a:schemeClr val="dk1"/>
+                </a:solidFill>
+                <a:latin typeface="+mn-lt"/>
+                <a:ea typeface="+mn-ea"/>
+                <a:cs typeface="+mn-cs"/>
+              </a:defRPr>
+            </a:lvl9pPr>
+          </a:lstStyle>
+          <a:p>
+            <a:pPr algn="ctr"/>
+            <a:r>
+              <a:rPr lang="en-US" altLang="zh-CN" dirty="0"/>
+              <a:t>Handler</a:t>
+            </a:r>
+            <a:endParaRPr lang="zh-CN" altLang="en-US" dirty="0"/>
+          </a:p>
+        </p:txBody>
+      </p:sp>
+    </p:spTree>
+    <p:extLst>
+      <p:ext uri="{BB962C8B-B14F-4D97-AF65-F5344CB8AC3E}">
+        <p14:creationId xmlns:p14="http://schemas.microsoft.com/office/powerpoint/2010/main" val="2572203740"/>
+      </p:ext>
+    </p:extLst>
+  </p:cSld>
+  <p:clrMapOvr>
+    <a:masterClrMapping/>
+  </p:clrMapOvr>
+  <p:timing>
+    <p:tnLst>
+      <p:par>
+        <p:cTn id="1" dur="indefinite" restart="never" nodeType="tmRoot">
+          <p:childTnLst>
+            <p:seq concurrent="1" nextAc="seek">
+              <p:cTn id="2" dur="indefinite" nodeType="mainSeq">
+                <p:childTnLst>
+                  <p:par>
+                    <p:cTn id="3" fill="hold">
+                      <p:stCondLst>
+                        <p:cond delay="indefinite"/>
+                      </p:stCondLst>
+                      <p:childTnLst>
+                        <p:par>
+                          <p:cTn id="4" fill="hold">
+                            <p:stCondLst>
+                              <p:cond delay="0"/>
+                            </p:stCondLst>
+                            <p:childTnLst>
+                              <p:par>
+                                <p:cTn id="5" presetID="1" presetClass="entr" presetSubtype="0" fill="hold" grpId="0" nodeType="clickEffect">
+                                  <p:stCondLst>
+                                    <p:cond delay="0"/>
+                                  </p:stCondLst>
+                                  <p:childTnLst>
+                                    <p:set>
+                                      <p:cBhvr>
+                                        <p:cTn id="6" dur="1" fill="hold">
+                                          <p:stCondLst>
+                                            <p:cond delay="0"/>
+                                          </p:stCondLst>
+                                        </p:cTn>
+                                        <p:tgtEl>
+                                          <p:spTgt spid="2"/>
+                                        </p:tgtEl>
+                                        <p:attrNameLst>
+                                          <p:attrName>style.visibility</p:attrName>
+                                        </p:attrNameLst>
+                                      </p:cBhvr>
+                                      <p:to>
+                                        <p:strVal val="visible"/>
+                                      </p:to>
+                                    </p:set>
+                                  </p:childTnLst>
+                                </p:cTn>
+                              </p:par>
+                              <p:par>
+                                <p:cTn id="7" presetID="1" presetClass="entr" presetSubtype="0" fill="hold" grpId="0" nodeType="withEffect">
+                                  <p:stCondLst>
+                                    <p:cond delay="0"/>
+                                  </p:stCondLst>
+                                  <p:childTnLst>
+                                    <p:set>
+                                      <p:cBhvr>
+                                        <p:cTn id="8" dur="1" fill="hold">
+                                          <p:stCondLst>
+                                            <p:cond delay="0"/>
+                                          </p:stCondLst>
+                                        </p:cTn>
+                                        <p:tgtEl>
+                                          <p:spTgt spid="14"/>
+                                        </p:tgtEl>
+                                        <p:attrNameLst>
+                                          <p:attrName>style.visibility</p:attrName>
+                                        </p:attrNameLst>
+                                      </p:cBhvr>
+                                      <p:to>
+                                        <p:strVal val="visible"/>
+                                      </p:to>
+                                    </p:set>
+                                  </p:childTnLst>
+                                </p:cTn>
+                              </p:par>
+                              <p:par>
+                                <p:cTn id="9" presetID="1" presetClass="entr" presetSubtype="0" fill="hold" nodeType="withEffect">
+                                  <p:stCondLst>
+                                    <p:cond delay="0"/>
+                                  </p:stCondLst>
+                                  <p:childTnLst>
+                                    <p:set>
+                                      <p:cBhvr>
+                                        <p:cTn id="10" dur="1" fill="hold">
+                                          <p:stCondLst>
+                                            <p:cond delay="0"/>
+                                          </p:stCondLst>
+                                        </p:cTn>
+                                        <p:tgtEl>
+                                          <p:spTgt spid="13"/>
+                                        </p:tgtEl>
+                                        <p:attrNameLst>
+                                          <p:attrName>style.visibility</p:attrName>
+                                        </p:attrNameLst>
+                                      </p:cBhvr>
+                                      <p:to>
+                                        <p:strVal val="visible"/>
+                                      </p:to>
+                                    </p:set>
+                                  </p:childTnLst>
+                                </p:cTn>
+                              </p:par>
+                            </p:childTnLst>
+                          </p:cTn>
+                        </p:par>
+                      </p:childTnLst>
+                    </p:cTn>
+                  </p:par>
+                  <p:par>
+                    <p:cTn id="11" fill="hold">
+                      <p:stCondLst>
+                        <p:cond delay="indefinite"/>
+                      </p:stCondLst>
+                      <p:childTnLst>
+                        <p:par>
+                          <p:cTn id="12" fill="hold">
+                            <p:stCondLst>
+                              <p:cond delay="0"/>
+                            </p:stCondLst>
+                            <p:childTnLst>
+                              <p:par>
+                                <p:cTn id="13" presetID="1" presetClass="entr" presetSubtype="0" fill="hold" grpId="0" nodeType="clickEffect">
+                                  <p:stCondLst>
+                                    <p:cond delay="0"/>
+                                  </p:stCondLst>
+                                  <p:childTnLst>
+                                    <p:set>
+                                      <p:cBhvr>
+                                        <p:cTn id="14" dur="1" fill="hold">
+                                          <p:stCondLst>
+                                            <p:cond delay="0"/>
+                                          </p:stCondLst>
+                                        </p:cTn>
+                                        <p:tgtEl>
+                                          <p:spTgt spid="15"/>
+                                        </p:tgtEl>
+                                        <p:attrNameLst>
+                                          <p:attrName>style.visibility</p:attrName>
+                                        </p:attrNameLst>
+                                      </p:cBhvr>
+                                      <p:to>
+                                        <p:strVal val="visible"/>
+                                      </p:to>
+                                    </p:set>
+                                  </p:childTnLst>
+                                </p:cTn>
+                              </p:par>
+                              <p:par>
+                                <p:cTn id="15" presetID="1" presetClass="entr" presetSubtype="0" fill="hold" nodeType="withEffect">
+                                  <p:stCondLst>
+                                    <p:cond delay="0"/>
+                                  </p:stCondLst>
+                                  <p:childTnLst>
+                                    <p:set>
+                                      <p:cBhvr>
+                                        <p:cTn id="16" dur="1" fill="hold">
+                                          <p:stCondLst>
+                                            <p:cond delay="0"/>
+                                          </p:stCondLst>
+                                        </p:cTn>
+                                        <p:tgtEl>
+                                          <p:spTgt spid="16"/>
+                                        </p:tgtEl>
+                                        <p:attrNameLst>
+                                          <p:attrName>style.visibility</p:attrName>
+                                        </p:attrNameLst>
+                                      </p:cBhvr>
+                                      <p:to>
+                                        <p:strVal val="visible"/>
+                                      </p:to>
+                                    </p:set>
+                                  </p:childTnLst>
+                                </p:cTn>
+                              </p:par>
+                              <p:par>
+                                <p:cTn id="17" presetID="1" presetClass="entr" presetSubtype="0" fill="hold" grpId="0" nodeType="withEffect">
+                                  <p:stCondLst>
+                                    <p:cond delay="0"/>
+                                  </p:stCondLst>
+                                  <p:childTnLst>
+                                    <p:set>
+                                      <p:cBhvr>
+                                        <p:cTn id="18" dur="1" fill="hold">
+                                          <p:stCondLst>
+                                            <p:cond delay="0"/>
+                                          </p:stCondLst>
+                                        </p:cTn>
+                                        <p:tgtEl>
+                                          <p:spTgt spid="17"/>
+                                        </p:tgtEl>
+                                        <p:attrNameLst>
+                                          <p:attrName>style.visibility</p:attrName>
+                                        </p:attrNameLst>
+                                      </p:cBhvr>
+                                      <p:to>
+                                        <p:strVal val="visible"/>
+                                      </p:to>
+                                    </p:set>
+                                  </p:childTnLst>
+                                </p:cTn>
+                              </p:par>
+                            </p:childTnLst>
+                          </p:cTn>
+                        </p:par>
+                      </p:childTnLst>
+                    </p:cTn>
+                  </p:par>
+                  <p:par>
+                    <p:cTn id="19" fill="hold">
+                      <p:stCondLst>
+                        <p:cond delay="indefinite"/>
+                      </p:stCondLst>
+                      <p:childTnLst>
+                        <p:par>
+                          <p:cTn id="20" fill="hold">
+                            <p:stCondLst>
+                              <p:cond delay="0"/>
+                            </p:stCondLst>
+                            <p:childTnLst>
+                              <p:par>
+                                <p:cTn id="21" presetID="1" presetClass="entr" presetSubtype="0" fill="hold" grpId="0" nodeType="clickEffect">
+                                  <p:stCondLst>
+                                    <p:cond delay="0"/>
+                                  </p:stCondLst>
+                                  <p:childTnLst>
+                                    <p:set>
+                                      <p:cBhvr>
+                                        <p:cTn id="22" dur="1" fill="hold">
+                                          <p:stCondLst>
+                                            <p:cond delay="0"/>
+                                          </p:stCondLst>
+                                        </p:cTn>
+                                        <p:tgtEl>
+                                          <p:spTgt spid="18"/>
+                                        </p:tgtEl>
+                                        <p:attrNameLst>
+                                          <p:attrName>style.visibility</p:attrName>
+                                        </p:attrNameLst>
+                                      </p:cBhvr>
+                                      <p:to>
+                                        <p:strVal val="visible"/>
+                                      </p:to>
+                                    </p:set>
+                                  </p:childTnLst>
+                                </p:cTn>
+                              </p:par>
+                            </p:childTnLst>
+                          </p:cTn>
+                        </p:par>
+                      </p:childTnLst>
+                    </p:cTn>
+                  </p:par>
+                </p:childTnLst>
+              </p:cTn>
+              <p:prevCondLst>
+                <p:cond evt="onPrev" delay="0">
+                  <p:tgtEl>
+                    <p:sldTgt/>
+                  </p:tgtEl>
+                </p:cond>
+              </p:prevCondLst>
+              <p:nextCondLst>
+                <p:cond evt="onNext" delay="0">
+                  <p:tgtEl>
+                    <p:sldTgt/>
+                  </p:tgtEl>
+                </p:cond>
+              </p:nextCondLst>
+            </p:seq>
+          </p:childTnLst>
+        </p:cTn>
+      </p:par>
+    </p:tnLst>
+    <p:bldLst>
+      <p:bldP spid="2" grpId="0" animBg="1"/>
+      <p:bldP spid="14" grpId="0"/>
+      <p:bldP spid="15" grpId="0" animBg="1"/>
+      <p:bldP spid="17" grpId="0"/>
+      <p:bldP spid="18" grpId="0" animBg="1"/>
+    </p:bldLst>
+  </p:timing>
+</p:sld>
+</file>
+
+<file path=ppt/slides/slide6.xml><?xml version="1.0" encoding="utf-8"?>
 <p:sld xmlns:a="http://schemas.openxmlformats.org/drawingml/2006/main" xmlns:r="http://schemas.openxmlformats.org/officeDocument/2006/relationships" xmlns:p="http://schemas.openxmlformats.org/presentationml/2006/main">
   <p:cSld>
     <p:spTree>
@@ -4143,6 +9482,51 @@
                       </p:childTnLst>
                     </p:cTn>
                   </p:par>
+                  <p:par>
+                    <p:cTn id="15" fill="hold">
+                      <p:stCondLst>
+                        <p:cond delay="indefinite"/>
+                      </p:stCondLst>
+                      <p:childTnLst>
+                        <p:par>
+                          <p:cTn id="16" fill="hold">
+                            <p:stCondLst>
+                              <p:cond delay="0"/>
+                            </p:stCondLst>
+                            <p:childTnLst>
+                              <p:par>
+                                <p:cTn id="17" presetID="1" presetClass="entr" presetSubtype="0" fill="hold" grpId="0" nodeType="clickEffect">
+                                  <p:stCondLst>
+                                    <p:cond delay="0"/>
+                                  </p:stCondLst>
+                                  <p:childTnLst>
+                                    <p:set>
+                                      <p:cBhvr>
+                                        <p:cTn id="18" dur="1" fill="hold">
+                                          <p:stCondLst>
+                                            <p:cond delay="0"/>
+                                          </p:stCondLst>
+                                        </p:cTn>
+                                        <p:tgtEl>
+                                          <p:spTgt spid="7"/>
+                                        </p:tgtEl>
+                                        <p:attrNameLst>
+                                          <p:attrName>style.visibility</p:attrName>
+                                        </p:attrNameLst>
+                                      </p:cBhvr>
+                                      <p:to>
+                                        <p:strVal val="visible"/>
+                                      </p:to>
+                                    </p:set>
+                                  </p:childTnLst>
+                                </p:cTn>
+                              </p:par>
+                            </p:childTnLst>
+                          </p:cTn>
+                        </p:par>
+                      </p:childTnLst>
+                    </p:cTn>
+                  </p:par>
                 </p:childTnLst>
               </p:cTn>
               <p:prevCondLst>
@@ -4168,12 +9552,13 @@
       <p:bldP spid="5" grpId="0" animBg="1"/>
       <p:bldP spid="9" grpId="0" animBg="1"/>
       <p:bldP spid="10" grpId="0" animBg="1"/>
+      <p:bldP spid="7" grpId="0"/>
     </p:bldLst>
   </p:timing>
 </p:sld>
 </file>
 
-<file path=ppt/slides/slide3.xml><?xml version="1.0" encoding="utf-8"?>
+<file path=ppt/slides/slide7.xml><?xml version="1.0" encoding="utf-8"?>
 <p:sld xmlns:a="http://schemas.openxmlformats.org/drawingml/2006/main" xmlns:r="http://schemas.openxmlformats.org/officeDocument/2006/relationships" xmlns:p="http://schemas.openxmlformats.org/presentationml/2006/main">
   <p:cSld>
     <p:spTree>
@@ -4769,7 +10154,7 @@
 </p:sld>
 </file>
 
-<file path=ppt/slides/slide4.xml><?xml version="1.0" encoding="utf-8"?>
+<file path=ppt/slides/slide8.xml><?xml version="1.0" encoding="utf-8"?>
 <p:sld xmlns:a="http://schemas.openxmlformats.org/drawingml/2006/main" xmlns:r="http://schemas.openxmlformats.org/officeDocument/2006/relationships" xmlns:p="http://schemas.openxmlformats.org/presentationml/2006/main">
   <p:cSld>
     <p:spTree>
@@ -5542,60 +10927,6 @@
           </a:p>
         </p:txBody>
       </p:sp>
-      <p:sp>
-        <p:nvSpPr>
-          <p:cNvPr id="8" name="文本框 7"/>
-          <p:cNvSpPr txBox="1"/>
-          <p:nvPr/>
-        </p:nvSpPr>
-        <p:spPr>
-          <a:xfrm>
-            <a:off x="1921098" y="5591955"/>
-            <a:ext cx="5666704" cy="307777"/>
-          </a:xfrm>
-          <a:prstGeom prst="rect">
-            <a:avLst/>
-          </a:prstGeom>
-          <a:noFill/>
-        </p:spPr>
-        <p:txBody>
-          <a:bodyPr wrap="square" rtlCol="0">
-            <a:spAutoFit/>
-          </a:bodyPr>
-          <a:lstStyle/>
-          <a:p>
-            <a:pPr lvl="0" eaLnBrk="0" fontAlgn="base" hangingPunct="0">
-              <a:spcBef>
-                <a:spcPct val="0"/>
-              </a:spcBef>
-              <a:spcAft>
-                <a:spcPct val="0"/>
-              </a:spcAft>
-            </a:pPr>
-            <a:r>
-              <a:rPr lang="en-US" altLang="zh-CN" sz="1400" dirty="0">
-                <a:solidFill>
-                  <a:srgbClr val="000000"/>
-                </a:solidFill>
-                <a:latin typeface="Times New Roman" panose="02020603050405020304" pitchFamily="18" charset="0"/>
-                <a:ea typeface="微软雅黑" panose="020B0503020204020204" pitchFamily="34" charset="-122"/>
-                <a:cs typeface="Times New Roman" panose="02020603050405020304" pitchFamily="18" charset="0"/>
-              </a:rPr>
-              <a:t>http://www.cnblogs.com/littleatp/p/4835879.html</a:t>
-            </a:r>
-            <a:endParaRPr kumimoji="0" lang="en-US" altLang="zh-CN" sz="2000" b="0" i="0" u="none" strike="noStrike" cap="none" normalizeH="0" baseline="0" dirty="0">
-              <a:ln>
-                <a:noFill/>
-              </a:ln>
-              <a:solidFill>
-                <a:schemeClr val="tx1"/>
-              </a:solidFill>
-              <a:effectLst/>
-              <a:latin typeface="Arial" panose="020B0604020202020204" pitchFamily="34" charset="0"/>
-            </a:endParaRPr>
-          </a:p>
-        </p:txBody>
-      </p:sp>
     </p:spTree>
     <p:extLst>
       <p:ext uri="{BB962C8B-B14F-4D97-AF65-F5344CB8AC3E}">
@@ -5606,1559 +10937,186 @@
   <p:clrMapOvr>
     <a:masterClrMapping/>
   </p:clrMapOvr>
-</p:sld>
-</file>
-
-<file path=ppt/slides/slide5.xml><?xml version="1.0" encoding="utf-8"?>
-<p:sld xmlns:a="http://schemas.openxmlformats.org/drawingml/2006/main" xmlns:r="http://schemas.openxmlformats.org/officeDocument/2006/relationships" xmlns:p="http://schemas.openxmlformats.org/presentationml/2006/main">
-  <p:cSld>
-    <p:spTree>
-      <p:nvGrpSpPr>
-        <p:cNvPr id="1" name=""/>
-        <p:cNvGrpSpPr/>
-        <p:nvPr/>
-      </p:nvGrpSpPr>
-      <p:grpSpPr>
-        <a:xfrm>
-          <a:off x="0" y="0"/>
-          <a:ext cx="0" cy="0"/>
-          <a:chOff x="0" y="0"/>
-          <a:chExt cx="0" cy="0"/>
-        </a:xfrm>
-      </p:grpSpPr>
-      <p:sp>
-        <p:nvSpPr>
-          <p:cNvPr id="7" name="文本框 6"/>
-          <p:cNvSpPr txBox="1"/>
-          <p:nvPr/>
-        </p:nvSpPr>
-        <p:spPr>
-          <a:xfrm>
-            <a:off x="3236144" y="354864"/>
-            <a:ext cx="5666704" cy="646331"/>
-          </a:xfrm>
-          <a:prstGeom prst="rect">
-            <a:avLst/>
-          </a:prstGeom>
-          <a:noFill/>
-        </p:spPr>
-        <p:txBody>
-          <a:bodyPr wrap="square" rtlCol="0">
-            <a:spAutoFit/>
-          </a:bodyPr>
-          <a:lstStyle/>
-          <a:p>
-            <a:pPr algn="ctr"/>
-            <a:r>
-              <a:rPr lang="en-US" altLang="zh-CN" sz="3600" dirty="0" err="1"/>
-              <a:t>Mosquitto</a:t>
-            </a:r>
-            <a:r>
-              <a:rPr lang="zh-CN" altLang="en-US" sz="3600" dirty="0"/>
-              <a:t>环境兼容</a:t>
-            </a:r>
-            <a:endParaRPr lang="en-US" altLang="zh-CN" sz="3600" dirty="0"/>
-          </a:p>
-        </p:txBody>
-      </p:sp>
-      <p:sp>
-        <p:nvSpPr>
-          <p:cNvPr id="10" name="文本框 9"/>
-          <p:cNvSpPr txBox="1"/>
-          <p:nvPr/>
-        </p:nvSpPr>
-        <p:spPr>
-          <a:xfrm>
-            <a:off x="556591" y="1663165"/>
-            <a:ext cx="4015409" cy="984885"/>
-          </a:xfrm>
-          <a:prstGeom prst="rect">
-            <a:avLst/>
-          </a:prstGeom>
-          <a:noFill/>
-        </p:spPr>
-        <p:txBody>
-          <a:bodyPr wrap="square" rtlCol="0">
-            <a:spAutoFit/>
-          </a:bodyPr>
-          <a:lstStyle/>
-          <a:p>
-            <a:pPr lvl="0" eaLnBrk="0" fontAlgn="base" hangingPunct="0">
-              <a:spcBef>
-                <a:spcPct val="0"/>
-              </a:spcBef>
-              <a:spcAft>
-                <a:spcPct val="0"/>
-              </a:spcAft>
-            </a:pPr>
-            <a:r>
-              <a:rPr lang="zh-CN" altLang="en-US" sz="1600" dirty="0">
-                <a:solidFill>
-                  <a:srgbClr val="000000"/>
-                </a:solidFill>
-                <a:latin typeface="微软雅黑" panose="020B0503020204020204" pitchFamily="34" charset="-122"/>
-                <a:ea typeface="微软雅黑" panose="020B0503020204020204" pitchFamily="34" charset="-122"/>
-              </a:rPr>
-              <a:t>端口冲突：</a:t>
-            </a:r>
-            <a:endParaRPr lang="en-US" altLang="zh-CN" sz="1600" dirty="0">
-              <a:solidFill>
-                <a:srgbClr val="000000"/>
-              </a:solidFill>
-              <a:latin typeface="微软雅黑" panose="020B0503020204020204" pitchFamily="34" charset="-122"/>
-              <a:ea typeface="微软雅黑" panose="020B0503020204020204" pitchFamily="34" charset="-122"/>
-            </a:endParaRPr>
-          </a:p>
-          <a:p>
-            <a:pPr lvl="0" eaLnBrk="0" fontAlgn="base" hangingPunct="0">
-              <a:spcBef>
-                <a:spcPct val="0"/>
-              </a:spcBef>
-              <a:spcAft>
-                <a:spcPct val="0"/>
-              </a:spcAft>
-            </a:pPr>
-            <a:endParaRPr lang="en-US" altLang="zh-CN" sz="1400" dirty="0">
-              <a:solidFill>
-                <a:srgbClr val="000000"/>
-              </a:solidFill>
-              <a:latin typeface="微软雅黑" panose="020B0503020204020204" pitchFamily="34" charset="-122"/>
-              <a:ea typeface="微软雅黑" panose="020B0503020204020204" pitchFamily="34" charset="-122"/>
-            </a:endParaRPr>
-          </a:p>
-          <a:p>
-            <a:pPr lvl="0" eaLnBrk="0" fontAlgn="base" hangingPunct="0">
-              <a:spcBef>
-                <a:spcPct val="0"/>
-              </a:spcBef>
-              <a:spcAft>
-                <a:spcPct val="0"/>
-              </a:spcAft>
-            </a:pPr>
-            <a:r>
-              <a:rPr lang="en-US" altLang="zh-CN" sz="1400" dirty="0" err="1">
-                <a:solidFill>
-                  <a:srgbClr val="000000"/>
-                </a:solidFill>
-                <a:latin typeface="微软雅黑" panose="020B0503020204020204" pitchFamily="34" charset="-122"/>
-                <a:ea typeface="微软雅黑" panose="020B0503020204020204" pitchFamily="34" charset="-122"/>
-              </a:rPr>
-              <a:t>ActiveMQ</a:t>
-            </a:r>
-            <a:r>
-              <a:rPr lang="en-US" altLang="zh-CN" sz="1400" dirty="0">
-                <a:solidFill>
-                  <a:srgbClr val="000000"/>
-                </a:solidFill>
-                <a:latin typeface="微软雅黑" panose="020B0503020204020204" pitchFamily="34" charset="-122"/>
-                <a:ea typeface="微软雅黑" panose="020B0503020204020204" pitchFamily="34" charset="-122"/>
-              </a:rPr>
-              <a:t> </a:t>
-            </a:r>
-            <a:r>
-              <a:rPr lang="zh-CN" altLang="en-US" sz="1400" dirty="0">
-                <a:solidFill>
-                  <a:srgbClr val="000000"/>
-                </a:solidFill>
-                <a:latin typeface="微软雅黑" panose="020B0503020204020204" pitchFamily="34" charset="-122"/>
-                <a:ea typeface="微软雅黑" panose="020B0503020204020204" pitchFamily="34" charset="-122"/>
-              </a:rPr>
-              <a:t>默认端口：</a:t>
-            </a:r>
-            <a:r>
-              <a:rPr lang="en-US" altLang="zh-CN" sz="1400" dirty="0">
-                <a:solidFill>
-                  <a:srgbClr val="000000"/>
-                </a:solidFill>
-                <a:latin typeface="微软雅黑" panose="020B0503020204020204" pitchFamily="34" charset="-122"/>
-                <a:ea typeface="微软雅黑" panose="020B0503020204020204" pitchFamily="34" charset="-122"/>
-              </a:rPr>
-              <a:t>1883</a:t>
-            </a:r>
-          </a:p>
-          <a:p>
-            <a:pPr lvl="0" eaLnBrk="0" fontAlgn="base" hangingPunct="0">
-              <a:spcBef>
-                <a:spcPct val="0"/>
-              </a:spcBef>
-              <a:spcAft>
-                <a:spcPct val="0"/>
-              </a:spcAft>
-            </a:pPr>
-            <a:r>
-              <a:rPr lang="en-US" altLang="zh-CN" sz="1400" dirty="0" err="1"/>
-              <a:t>Mosquitto</a:t>
-            </a:r>
-            <a:r>
-              <a:rPr lang="en-US" altLang="zh-CN" sz="1400" dirty="0">
-                <a:solidFill>
-                  <a:srgbClr val="000000"/>
-                </a:solidFill>
-                <a:latin typeface="微软雅黑" panose="020B0503020204020204" pitchFamily="34" charset="-122"/>
-                <a:ea typeface="微软雅黑" panose="020B0503020204020204" pitchFamily="34" charset="-122"/>
-              </a:rPr>
-              <a:t> </a:t>
-            </a:r>
-            <a:r>
-              <a:rPr lang="zh-CN" altLang="en-US" sz="1400" dirty="0">
-                <a:solidFill>
-                  <a:srgbClr val="000000"/>
-                </a:solidFill>
-                <a:latin typeface="微软雅黑" panose="020B0503020204020204" pitchFamily="34" charset="-122"/>
-                <a:ea typeface="微软雅黑" panose="020B0503020204020204" pitchFamily="34" charset="-122"/>
-              </a:rPr>
-              <a:t>默认端口：</a:t>
-            </a:r>
-            <a:r>
-              <a:rPr lang="en-US" altLang="zh-CN" sz="1400" dirty="0">
-                <a:solidFill>
-                  <a:srgbClr val="000000"/>
-                </a:solidFill>
-                <a:latin typeface="微软雅黑" panose="020B0503020204020204" pitchFamily="34" charset="-122"/>
-                <a:ea typeface="微软雅黑" panose="020B0503020204020204" pitchFamily="34" charset="-122"/>
-              </a:rPr>
-              <a:t>1883</a:t>
-            </a:r>
-          </a:p>
-        </p:txBody>
-      </p:sp>
-      <p:sp>
-        <p:nvSpPr>
-          <p:cNvPr id="9" name="文本框 8"/>
-          <p:cNvSpPr txBox="1"/>
-          <p:nvPr/>
-        </p:nvSpPr>
-        <p:spPr>
-          <a:xfrm>
-            <a:off x="556591" y="3279242"/>
-            <a:ext cx="10045148" cy="1415772"/>
-          </a:xfrm>
-          <a:prstGeom prst="rect">
-            <a:avLst/>
-          </a:prstGeom>
-          <a:noFill/>
-        </p:spPr>
-        <p:txBody>
-          <a:bodyPr wrap="square" rtlCol="0">
-            <a:spAutoFit/>
-          </a:bodyPr>
-          <a:lstStyle/>
-          <a:p>
-            <a:pPr lvl="0" eaLnBrk="0" fontAlgn="base" hangingPunct="0">
-              <a:spcBef>
-                <a:spcPct val="0"/>
-              </a:spcBef>
-              <a:spcAft>
-                <a:spcPct val="0"/>
-              </a:spcAft>
-            </a:pPr>
-            <a:r>
-              <a:rPr lang="zh-CN" altLang="en-US" sz="1600" dirty="0">
-                <a:solidFill>
-                  <a:srgbClr val="000000"/>
-                </a:solidFill>
-                <a:latin typeface="微软雅黑" panose="020B0503020204020204" pitchFamily="34" charset="-122"/>
-                <a:ea typeface="微软雅黑" panose="020B0503020204020204" pitchFamily="34" charset="-122"/>
-              </a:rPr>
-              <a:t>防火墙：</a:t>
-            </a:r>
-            <a:endParaRPr lang="en-US" altLang="zh-CN" sz="1600" dirty="0">
-              <a:solidFill>
-                <a:srgbClr val="000000"/>
-              </a:solidFill>
-              <a:latin typeface="微软雅黑" panose="020B0503020204020204" pitchFamily="34" charset="-122"/>
-              <a:ea typeface="微软雅黑" panose="020B0503020204020204" pitchFamily="34" charset="-122"/>
-            </a:endParaRPr>
-          </a:p>
-          <a:p>
-            <a:pPr lvl="0" eaLnBrk="0" fontAlgn="base" hangingPunct="0">
-              <a:spcBef>
-                <a:spcPct val="0"/>
-              </a:spcBef>
-              <a:spcAft>
-                <a:spcPct val="0"/>
-              </a:spcAft>
-            </a:pPr>
-            <a:endParaRPr lang="en-US" altLang="zh-CN" sz="1400" dirty="0">
-              <a:solidFill>
-                <a:srgbClr val="000000"/>
-              </a:solidFill>
-              <a:latin typeface="微软雅黑" panose="020B0503020204020204" pitchFamily="34" charset="-122"/>
-              <a:ea typeface="微软雅黑" panose="020B0503020204020204" pitchFamily="34" charset="-122"/>
-            </a:endParaRPr>
-          </a:p>
-          <a:p>
-            <a:pPr lvl="0" eaLnBrk="0" fontAlgn="base" hangingPunct="0">
-              <a:spcBef>
-                <a:spcPct val="0"/>
-              </a:spcBef>
-              <a:spcAft>
-                <a:spcPct val="0"/>
-              </a:spcAft>
-            </a:pPr>
-            <a:r>
-              <a:rPr lang="en-US" altLang="zh-CN" sz="1400" dirty="0">
-                <a:solidFill>
-                  <a:srgbClr val="000000"/>
-                </a:solidFill>
-                <a:latin typeface="微软雅黑" panose="020B0503020204020204" pitchFamily="34" charset="-122"/>
-                <a:ea typeface="微软雅黑" panose="020B0503020204020204" pitchFamily="34" charset="-122"/>
-              </a:rPr>
-              <a:t>-A INPUT -p </a:t>
-            </a:r>
-            <a:r>
-              <a:rPr lang="en-US" altLang="zh-CN" sz="1400" dirty="0" err="1">
-                <a:solidFill>
-                  <a:srgbClr val="000000"/>
-                </a:solidFill>
-                <a:latin typeface="微软雅黑" panose="020B0503020204020204" pitchFamily="34" charset="-122"/>
-                <a:ea typeface="微软雅黑" panose="020B0503020204020204" pitchFamily="34" charset="-122"/>
-              </a:rPr>
-              <a:t>tcp</a:t>
-            </a:r>
-            <a:r>
-              <a:rPr lang="en-US" altLang="zh-CN" sz="1400" dirty="0">
-                <a:solidFill>
-                  <a:srgbClr val="000000"/>
-                </a:solidFill>
-                <a:latin typeface="微软雅黑" panose="020B0503020204020204" pitchFamily="34" charset="-122"/>
-                <a:ea typeface="微软雅黑" panose="020B0503020204020204" pitchFamily="34" charset="-122"/>
-              </a:rPr>
-              <a:t> -m state --state NEW -m </a:t>
-            </a:r>
-            <a:r>
-              <a:rPr lang="en-US" altLang="zh-CN" sz="1400" dirty="0" err="1">
-                <a:solidFill>
-                  <a:srgbClr val="000000"/>
-                </a:solidFill>
-                <a:latin typeface="微软雅黑" panose="020B0503020204020204" pitchFamily="34" charset="-122"/>
-                <a:ea typeface="微软雅黑" panose="020B0503020204020204" pitchFamily="34" charset="-122"/>
-              </a:rPr>
-              <a:t>tcp</a:t>
-            </a:r>
-            <a:r>
-              <a:rPr lang="en-US" altLang="zh-CN" sz="1400" dirty="0">
-                <a:solidFill>
-                  <a:srgbClr val="000000"/>
-                </a:solidFill>
-                <a:latin typeface="微软雅黑" panose="020B0503020204020204" pitchFamily="34" charset="-122"/>
-                <a:ea typeface="微软雅黑" panose="020B0503020204020204" pitchFamily="34" charset="-122"/>
-              </a:rPr>
-              <a:t> --</a:t>
-            </a:r>
-            <a:r>
-              <a:rPr lang="en-US" altLang="zh-CN" sz="1400" dirty="0" err="1">
-                <a:solidFill>
-                  <a:srgbClr val="000000"/>
-                </a:solidFill>
-                <a:latin typeface="微软雅黑" panose="020B0503020204020204" pitchFamily="34" charset="-122"/>
-                <a:ea typeface="微软雅黑" panose="020B0503020204020204" pitchFamily="34" charset="-122"/>
-              </a:rPr>
-              <a:t>dport</a:t>
-            </a:r>
-            <a:r>
-              <a:rPr lang="en-US" altLang="zh-CN" sz="1400" dirty="0">
-                <a:solidFill>
-                  <a:srgbClr val="000000"/>
-                </a:solidFill>
-                <a:latin typeface="微软雅黑" panose="020B0503020204020204" pitchFamily="34" charset="-122"/>
-                <a:ea typeface="微软雅黑" panose="020B0503020204020204" pitchFamily="34" charset="-122"/>
-              </a:rPr>
-              <a:t> 1884 -j ACCEPT</a:t>
-            </a:r>
-          </a:p>
-          <a:p>
-            <a:pPr lvl="0" eaLnBrk="0" fontAlgn="base" hangingPunct="0">
-              <a:spcBef>
-                <a:spcPct val="0"/>
-              </a:spcBef>
-              <a:spcAft>
-                <a:spcPct val="0"/>
-              </a:spcAft>
-            </a:pPr>
-            <a:endParaRPr lang="en-US" altLang="zh-CN" sz="1400" dirty="0">
-              <a:solidFill>
-                <a:srgbClr val="000000"/>
-              </a:solidFill>
-              <a:latin typeface="微软雅黑" panose="020B0503020204020204" pitchFamily="34" charset="-122"/>
-              <a:ea typeface="微软雅黑" panose="020B0503020204020204" pitchFamily="34" charset="-122"/>
-            </a:endParaRPr>
-          </a:p>
-          <a:p>
-            <a:pPr lvl="0" eaLnBrk="0" fontAlgn="base" hangingPunct="0">
-              <a:spcBef>
-                <a:spcPct val="0"/>
-              </a:spcBef>
-              <a:spcAft>
-                <a:spcPct val="0"/>
-              </a:spcAft>
-            </a:pPr>
-            <a:r>
-              <a:rPr lang="en-US" altLang="zh-CN" sz="1400" dirty="0">
-                <a:solidFill>
-                  <a:srgbClr val="000000"/>
-                </a:solidFill>
-                <a:latin typeface="微软雅黑" panose="020B0503020204020204" pitchFamily="34" charset="-122"/>
-                <a:ea typeface="微软雅黑" panose="020B0503020204020204" pitchFamily="34" charset="-122"/>
-              </a:rPr>
-              <a:t>#</a:t>
-            </a:r>
-            <a:r>
-              <a:rPr lang="zh-CN" altLang="en-US" sz="1400" dirty="0">
-                <a:solidFill>
-                  <a:srgbClr val="000000"/>
-                </a:solidFill>
-                <a:latin typeface="微软雅黑" panose="020B0503020204020204" pitchFamily="34" charset="-122"/>
-                <a:ea typeface="微软雅黑" panose="020B0503020204020204" pitchFamily="34" charset="-122"/>
-              </a:rPr>
-              <a:t>匿名时需要配置</a:t>
-            </a:r>
-            <a:endParaRPr lang="en-US" altLang="zh-CN" sz="1400" dirty="0">
-              <a:solidFill>
-                <a:srgbClr val="000000"/>
-              </a:solidFill>
-              <a:latin typeface="微软雅黑" panose="020B0503020204020204" pitchFamily="34" charset="-122"/>
-              <a:ea typeface="微软雅黑" panose="020B0503020204020204" pitchFamily="34" charset="-122"/>
-            </a:endParaRPr>
-          </a:p>
-          <a:p>
-            <a:pPr lvl="0" eaLnBrk="0" fontAlgn="base" hangingPunct="0">
-              <a:spcBef>
-                <a:spcPct val="0"/>
-              </a:spcBef>
-              <a:spcAft>
-                <a:spcPct val="0"/>
-              </a:spcAft>
-            </a:pPr>
-            <a:r>
-              <a:rPr lang="en-US" altLang="zh-CN" sz="1400" dirty="0">
-                <a:solidFill>
-                  <a:srgbClr val="000000"/>
-                </a:solidFill>
-                <a:latin typeface="微软雅黑" panose="020B0503020204020204" pitchFamily="34" charset="-122"/>
-                <a:ea typeface="微软雅黑" panose="020B0503020204020204" pitchFamily="34" charset="-122"/>
-              </a:rPr>
-              <a:t>-A INPUT -s 118.190.88.34 -p </a:t>
-            </a:r>
-            <a:r>
-              <a:rPr lang="en-US" altLang="zh-CN" sz="1400" dirty="0" err="1">
-                <a:solidFill>
-                  <a:srgbClr val="000000"/>
-                </a:solidFill>
-                <a:latin typeface="微软雅黑" panose="020B0503020204020204" pitchFamily="34" charset="-122"/>
-                <a:ea typeface="微软雅黑" panose="020B0503020204020204" pitchFamily="34" charset="-122"/>
-              </a:rPr>
-              <a:t>tcp</a:t>
-            </a:r>
-            <a:r>
-              <a:rPr lang="en-US" altLang="zh-CN" sz="1400" dirty="0">
-                <a:solidFill>
-                  <a:srgbClr val="000000"/>
-                </a:solidFill>
-                <a:latin typeface="微软雅黑" panose="020B0503020204020204" pitchFamily="34" charset="-122"/>
-                <a:ea typeface="微软雅黑" panose="020B0503020204020204" pitchFamily="34" charset="-122"/>
-              </a:rPr>
-              <a:t> -m state --state NEW -m </a:t>
-            </a:r>
-            <a:r>
-              <a:rPr lang="en-US" altLang="zh-CN" sz="1400" dirty="0" err="1">
-                <a:solidFill>
-                  <a:srgbClr val="000000"/>
-                </a:solidFill>
-                <a:latin typeface="微软雅黑" panose="020B0503020204020204" pitchFamily="34" charset="-122"/>
-                <a:ea typeface="微软雅黑" panose="020B0503020204020204" pitchFamily="34" charset="-122"/>
-              </a:rPr>
-              <a:t>tcp</a:t>
-            </a:r>
-            <a:r>
-              <a:rPr lang="en-US" altLang="zh-CN" sz="1400" dirty="0">
-                <a:solidFill>
-                  <a:srgbClr val="000000"/>
-                </a:solidFill>
-                <a:latin typeface="微软雅黑" panose="020B0503020204020204" pitchFamily="34" charset="-122"/>
-                <a:ea typeface="微软雅黑" panose="020B0503020204020204" pitchFamily="34" charset="-122"/>
-              </a:rPr>
-              <a:t> -j ACCEPT</a:t>
-            </a:r>
-          </a:p>
-        </p:txBody>
-      </p:sp>
-    </p:spTree>
-    <p:extLst>
-      <p:ext uri="{BB962C8B-B14F-4D97-AF65-F5344CB8AC3E}">
-        <p14:creationId xmlns:p14="http://schemas.microsoft.com/office/powerpoint/2010/main" val="80010438"/>
-      </p:ext>
-    </p:extLst>
-  </p:cSld>
-  <p:clrMapOvr>
-    <a:masterClrMapping/>
-  </p:clrMapOvr>
-</p:sld>
-</file>
-
-<file path=ppt/slides/slide6.xml><?xml version="1.0" encoding="utf-8"?>
-<p:sld xmlns:a="http://schemas.openxmlformats.org/drawingml/2006/main" xmlns:r="http://schemas.openxmlformats.org/officeDocument/2006/relationships" xmlns:p="http://schemas.openxmlformats.org/presentationml/2006/main">
-  <p:cSld>
-    <p:spTree>
-      <p:nvGrpSpPr>
-        <p:cNvPr id="1" name=""/>
-        <p:cNvGrpSpPr/>
-        <p:nvPr/>
-      </p:nvGrpSpPr>
-      <p:grpSpPr>
-        <a:xfrm>
-          <a:off x="0" y="0"/>
-          <a:ext cx="0" cy="0"/>
-          <a:chOff x="0" y="0"/>
-          <a:chExt cx="0" cy="0"/>
-        </a:xfrm>
-      </p:grpSpPr>
-      <p:sp>
-        <p:nvSpPr>
-          <p:cNvPr id="7" name="文本框 6"/>
-          <p:cNvSpPr txBox="1"/>
-          <p:nvPr/>
-        </p:nvSpPr>
-        <p:spPr>
-          <a:xfrm>
-            <a:off x="3236144" y="354864"/>
-            <a:ext cx="5666704" cy="646331"/>
-          </a:xfrm>
-          <a:prstGeom prst="rect">
-            <a:avLst/>
-          </a:prstGeom>
-          <a:noFill/>
-        </p:spPr>
-        <p:txBody>
-          <a:bodyPr wrap="square" rtlCol="0">
-            <a:spAutoFit/>
-          </a:bodyPr>
-          <a:lstStyle/>
-          <a:p>
-            <a:pPr algn="ctr"/>
-            <a:r>
-              <a:rPr lang="en-US" altLang="zh-CN" sz="3600" dirty="0" err="1"/>
-              <a:t>Mosquitto</a:t>
-            </a:r>
-            <a:r>
-              <a:rPr lang="en-US" altLang="zh-CN" sz="3600" dirty="0"/>
-              <a:t> </a:t>
-            </a:r>
-            <a:r>
-              <a:rPr lang="zh-CN" altLang="en-US" sz="3600" dirty="0"/>
-              <a:t>配置</a:t>
-            </a:r>
-            <a:endParaRPr lang="en-US" altLang="zh-CN" sz="3600" dirty="0"/>
-          </a:p>
-        </p:txBody>
-      </p:sp>
-      <p:sp>
-        <p:nvSpPr>
-          <p:cNvPr id="10" name="文本框 9"/>
-          <p:cNvSpPr txBox="1"/>
-          <p:nvPr/>
-        </p:nvSpPr>
-        <p:spPr>
-          <a:xfrm>
-            <a:off x="728870" y="1649209"/>
-            <a:ext cx="5473147" cy="1384995"/>
-          </a:xfrm>
-          <a:prstGeom prst="rect">
-            <a:avLst/>
-          </a:prstGeom>
-          <a:noFill/>
-        </p:spPr>
-        <p:txBody>
-          <a:bodyPr wrap="square" rtlCol="0">
-            <a:spAutoFit/>
-          </a:bodyPr>
-          <a:lstStyle/>
-          <a:p>
-            <a:pPr lvl="0" eaLnBrk="0" fontAlgn="base" hangingPunct="0">
-              <a:spcBef>
-                <a:spcPct val="0"/>
-              </a:spcBef>
-              <a:spcAft>
-                <a:spcPct val="0"/>
-              </a:spcAft>
-            </a:pPr>
-            <a:r>
-              <a:rPr lang="zh-CN" altLang="en-US" sz="1400" dirty="0">
-                <a:solidFill>
-                  <a:srgbClr val="000000"/>
-                </a:solidFill>
-                <a:latin typeface="微软雅黑" panose="020B0503020204020204" pitchFamily="34" charset="-122"/>
-                <a:ea typeface="微软雅黑" panose="020B0503020204020204" pitchFamily="34" charset="-122"/>
-              </a:rPr>
-              <a:t>在</a:t>
-            </a:r>
-            <a:r>
-              <a:rPr lang="en-US" altLang="zh-CN" sz="1400" dirty="0">
-                <a:solidFill>
-                  <a:srgbClr val="000000"/>
-                </a:solidFill>
-                <a:latin typeface="微软雅黑" panose="020B0503020204020204" pitchFamily="34" charset="-122"/>
-                <a:ea typeface="微软雅黑" panose="020B0503020204020204" pitchFamily="34" charset="-122"/>
-              </a:rPr>
-              <a:t>/</a:t>
-            </a:r>
-            <a:r>
-              <a:rPr lang="en-US" altLang="zh-CN" sz="1400" dirty="0" err="1">
-                <a:solidFill>
-                  <a:srgbClr val="000000"/>
-                </a:solidFill>
-                <a:latin typeface="微软雅黑" panose="020B0503020204020204" pitchFamily="34" charset="-122"/>
-                <a:ea typeface="微软雅黑" panose="020B0503020204020204" pitchFamily="34" charset="-122"/>
-              </a:rPr>
-              <a:t>etc</a:t>
-            </a:r>
-            <a:r>
-              <a:rPr lang="en-US" altLang="zh-CN" sz="1400" dirty="0">
-                <a:solidFill>
-                  <a:srgbClr val="000000"/>
-                </a:solidFill>
-                <a:latin typeface="微软雅黑" panose="020B0503020204020204" pitchFamily="34" charset="-122"/>
-                <a:ea typeface="微软雅黑" panose="020B0503020204020204" pitchFamily="34" charset="-122"/>
-              </a:rPr>
-              <a:t>/mosquito/</a:t>
-            </a:r>
-            <a:r>
-              <a:rPr lang="en-US" altLang="zh-CN" sz="1400" dirty="0" err="1">
-                <a:solidFill>
-                  <a:srgbClr val="000000"/>
-                </a:solidFill>
-                <a:latin typeface="微软雅黑" panose="020B0503020204020204" pitchFamily="34" charset="-122"/>
-                <a:ea typeface="微软雅黑" panose="020B0503020204020204" pitchFamily="34" charset="-122"/>
-              </a:rPr>
-              <a:t>mosquito.conf</a:t>
-            </a:r>
-            <a:r>
-              <a:rPr lang="en-US" altLang="zh-CN" sz="1400" dirty="0">
-                <a:solidFill>
-                  <a:srgbClr val="000000"/>
-                </a:solidFill>
-                <a:latin typeface="微软雅黑" panose="020B0503020204020204" pitchFamily="34" charset="-122"/>
-                <a:ea typeface="微软雅黑" panose="020B0503020204020204" pitchFamily="34" charset="-122"/>
-              </a:rPr>
-              <a:t> </a:t>
-            </a:r>
-            <a:r>
-              <a:rPr lang="zh-CN" altLang="en-US" sz="1400" dirty="0">
-                <a:solidFill>
-                  <a:srgbClr val="000000"/>
-                </a:solidFill>
-                <a:latin typeface="微软雅黑" panose="020B0503020204020204" pitchFamily="34" charset="-122"/>
-                <a:ea typeface="微软雅黑" panose="020B0503020204020204" pitchFamily="34" charset="-122"/>
-              </a:rPr>
-              <a:t>后添加</a:t>
-            </a:r>
-            <a:endParaRPr lang="en-US" altLang="zh-CN" sz="1400" dirty="0">
-              <a:solidFill>
-                <a:srgbClr val="000000"/>
-              </a:solidFill>
-              <a:latin typeface="微软雅黑" panose="020B0503020204020204" pitchFamily="34" charset="-122"/>
-              <a:ea typeface="微软雅黑" panose="020B0503020204020204" pitchFamily="34" charset="-122"/>
-            </a:endParaRPr>
-          </a:p>
-          <a:p>
-            <a:pPr lvl="0" eaLnBrk="0" fontAlgn="base" hangingPunct="0">
-              <a:spcBef>
-                <a:spcPct val="0"/>
-              </a:spcBef>
-              <a:spcAft>
-                <a:spcPct val="0"/>
-              </a:spcAft>
-            </a:pPr>
-            <a:endParaRPr lang="en-US" altLang="zh-CN" sz="1400" dirty="0">
-              <a:solidFill>
-                <a:srgbClr val="000000"/>
-              </a:solidFill>
-              <a:latin typeface="微软雅黑" panose="020B0503020204020204" pitchFamily="34" charset="-122"/>
-              <a:ea typeface="微软雅黑" panose="020B0503020204020204" pitchFamily="34" charset="-122"/>
-            </a:endParaRPr>
-          </a:p>
-          <a:p>
-            <a:pPr lvl="0" eaLnBrk="0" fontAlgn="base" hangingPunct="0">
-              <a:spcBef>
-                <a:spcPct val="0"/>
-              </a:spcBef>
-              <a:spcAft>
-                <a:spcPct val="0"/>
-              </a:spcAft>
-            </a:pPr>
-            <a:r>
-              <a:rPr lang="en-US" altLang="zh-CN" sz="1400" dirty="0">
-                <a:solidFill>
-                  <a:srgbClr val="000000"/>
-                </a:solidFill>
-                <a:latin typeface="微软雅黑" panose="020B0503020204020204" pitchFamily="34" charset="-122"/>
-                <a:ea typeface="微软雅黑" panose="020B0503020204020204" pitchFamily="34" charset="-122"/>
-              </a:rPr>
-              <a:t>port 1884</a:t>
-            </a:r>
-          </a:p>
-          <a:p>
-            <a:pPr lvl="0" eaLnBrk="0" fontAlgn="base" hangingPunct="0">
-              <a:spcBef>
-                <a:spcPct val="0"/>
-              </a:spcBef>
-              <a:spcAft>
-                <a:spcPct val="0"/>
-              </a:spcAft>
-            </a:pPr>
-            <a:r>
-              <a:rPr lang="en-US" altLang="zh-CN" sz="1400" dirty="0" err="1">
-                <a:solidFill>
-                  <a:srgbClr val="000000"/>
-                </a:solidFill>
-                <a:latin typeface="微软雅黑" panose="020B0503020204020204" pitchFamily="34" charset="-122"/>
-                <a:ea typeface="微软雅黑" panose="020B0503020204020204" pitchFamily="34" charset="-122"/>
-              </a:rPr>
-              <a:t>allow_anonymous</a:t>
-            </a:r>
-            <a:r>
-              <a:rPr lang="en-US" altLang="zh-CN" sz="1400" dirty="0">
-                <a:solidFill>
-                  <a:srgbClr val="000000"/>
-                </a:solidFill>
-                <a:latin typeface="微软雅黑" panose="020B0503020204020204" pitchFamily="34" charset="-122"/>
-                <a:ea typeface="微软雅黑" panose="020B0503020204020204" pitchFamily="34" charset="-122"/>
-              </a:rPr>
-              <a:t> false</a:t>
-            </a:r>
-          </a:p>
-          <a:p>
-            <a:pPr lvl="0" eaLnBrk="0" fontAlgn="base" hangingPunct="0">
-              <a:spcBef>
-                <a:spcPct val="0"/>
-              </a:spcBef>
-              <a:spcAft>
-                <a:spcPct val="0"/>
-              </a:spcAft>
-            </a:pPr>
-            <a:r>
-              <a:rPr lang="en-US" altLang="zh-CN" sz="1400" dirty="0" err="1">
-                <a:solidFill>
-                  <a:srgbClr val="000000"/>
-                </a:solidFill>
-                <a:latin typeface="微软雅黑" panose="020B0503020204020204" pitchFamily="34" charset="-122"/>
-                <a:ea typeface="微软雅黑" panose="020B0503020204020204" pitchFamily="34" charset="-122"/>
-              </a:rPr>
-              <a:t>password_file</a:t>
-            </a:r>
-            <a:r>
-              <a:rPr lang="en-US" altLang="zh-CN" sz="1400" dirty="0">
-                <a:solidFill>
-                  <a:srgbClr val="000000"/>
-                </a:solidFill>
-                <a:latin typeface="微软雅黑" panose="020B0503020204020204" pitchFamily="34" charset="-122"/>
-                <a:ea typeface="微软雅黑" panose="020B0503020204020204" pitchFamily="34" charset="-122"/>
-              </a:rPr>
-              <a:t> /</a:t>
-            </a:r>
-            <a:r>
-              <a:rPr lang="en-US" altLang="zh-CN" sz="1400" dirty="0" err="1">
-                <a:solidFill>
-                  <a:srgbClr val="000000"/>
-                </a:solidFill>
-                <a:latin typeface="微软雅黑" panose="020B0503020204020204" pitchFamily="34" charset="-122"/>
-                <a:ea typeface="微软雅黑" panose="020B0503020204020204" pitchFamily="34" charset="-122"/>
-              </a:rPr>
-              <a:t>etc</a:t>
-            </a:r>
-            <a:r>
-              <a:rPr lang="en-US" altLang="zh-CN" sz="1400" dirty="0">
-                <a:solidFill>
-                  <a:srgbClr val="000000"/>
-                </a:solidFill>
-                <a:latin typeface="微软雅黑" panose="020B0503020204020204" pitchFamily="34" charset="-122"/>
-                <a:ea typeface="微软雅黑" panose="020B0503020204020204" pitchFamily="34" charset="-122"/>
-              </a:rPr>
-              <a:t>/</a:t>
-            </a:r>
-            <a:r>
-              <a:rPr lang="en-US" altLang="zh-CN" sz="1400" dirty="0" err="1">
-                <a:solidFill>
-                  <a:srgbClr val="000000"/>
-                </a:solidFill>
-                <a:latin typeface="微软雅黑" panose="020B0503020204020204" pitchFamily="34" charset="-122"/>
-                <a:ea typeface="微软雅黑" panose="020B0503020204020204" pitchFamily="34" charset="-122"/>
-              </a:rPr>
-              <a:t>mosquitto</a:t>
-            </a:r>
-            <a:r>
-              <a:rPr lang="en-US" altLang="zh-CN" sz="1400" dirty="0">
-                <a:solidFill>
-                  <a:srgbClr val="000000"/>
-                </a:solidFill>
-                <a:latin typeface="微软雅黑" panose="020B0503020204020204" pitchFamily="34" charset="-122"/>
-                <a:ea typeface="微软雅黑" panose="020B0503020204020204" pitchFamily="34" charset="-122"/>
-              </a:rPr>
-              <a:t>/</a:t>
-            </a:r>
-            <a:r>
-              <a:rPr lang="en-US" altLang="zh-CN" sz="1400" dirty="0" err="1">
-                <a:solidFill>
-                  <a:srgbClr val="000000"/>
-                </a:solidFill>
-                <a:latin typeface="微软雅黑" panose="020B0503020204020204" pitchFamily="34" charset="-122"/>
-                <a:ea typeface="微软雅黑" panose="020B0503020204020204" pitchFamily="34" charset="-122"/>
-              </a:rPr>
-              <a:t>pwfile.example</a:t>
-            </a:r>
-            <a:endParaRPr lang="en-US" altLang="zh-CN" sz="1400" dirty="0">
-              <a:solidFill>
-                <a:srgbClr val="000000"/>
-              </a:solidFill>
-              <a:latin typeface="微软雅黑" panose="020B0503020204020204" pitchFamily="34" charset="-122"/>
-              <a:ea typeface="微软雅黑" panose="020B0503020204020204" pitchFamily="34" charset="-122"/>
-            </a:endParaRPr>
-          </a:p>
-          <a:p>
-            <a:pPr lvl="0" eaLnBrk="0" fontAlgn="base" hangingPunct="0">
-              <a:spcBef>
-                <a:spcPct val="0"/>
-              </a:spcBef>
-              <a:spcAft>
-                <a:spcPct val="0"/>
-              </a:spcAft>
-            </a:pPr>
-            <a:r>
-              <a:rPr lang="fr-FR" altLang="zh-CN" sz="1400" dirty="0">
-                <a:solidFill>
-                  <a:srgbClr val="000000"/>
-                </a:solidFill>
-                <a:latin typeface="微软雅黑" panose="020B0503020204020204" pitchFamily="34" charset="-122"/>
-                <a:ea typeface="微软雅黑" panose="020B0503020204020204" pitchFamily="34" charset="-122"/>
-              </a:rPr>
-              <a:t>acl_file /etc/mosquitto/aclfile.example </a:t>
-            </a:r>
-            <a:r>
-              <a:rPr lang="en-US" altLang="zh-CN" sz="1400" dirty="0">
-                <a:solidFill>
-                  <a:srgbClr val="000000"/>
-                </a:solidFill>
-                <a:latin typeface="微软雅黑" panose="020B0503020204020204" pitchFamily="34" charset="-122"/>
-                <a:ea typeface="微软雅黑" panose="020B0503020204020204" pitchFamily="34" charset="-122"/>
-              </a:rPr>
-              <a:t>#</a:t>
-            </a:r>
-            <a:r>
-              <a:rPr lang="zh-CN" altLang="en-US" sz="1400" dirty="0">
-                <a:solidFill>
-                  <a:srgbClr val="000000"/>
-                </a:solidFill>
-                <a:latin typeface="微软雅黑" panose="020B0503020204020204" pitchFamily="34" charset="-122"/>
-                <a:ea typeface="微软雅黑" panose="020B0503020204020204" pitchFamily="34" charset="-122"/>
-              </a:rPr>
-              <a:t>暂时不需要</a:t>
-            </a:r>
-            <a:endParaRPr lang="en-US" altLang="zh-CN" sz="1400" dirty="0">
-              <a:solidFill>
-                <a:srgbClr val="000000"/>
-              </a:solidFill>
-              <a:latin typeface="微软雅黑" panose="020B0503020204020204" pitchFamily="34" charset="-122"/>
-              <a:ea typeface="微软雅黑" panose="020B0503020204020204" pitchFamily="34" charset="-122"/>
-            </a:endParaRPr>
-          </a:p>
-        </p:txBody>
-      </p:sp>
-      <p:sp>
-        <p:nvSpPr>
-          <p:cNvPr id="5" name="文本框 4"/>
-          <p:cNvSpPr txBox="1"/>
-          <p:nvPr/>
-        </p:nvSpPr>
-        <p:spPr>
-          <a:xfrm>
-            <a:off x="728870" y="3577401"/>
-            <a:ext cx="5473147" cy="738664"/>
-          </a:xfrm>
-          <a:prstGeom prst="rect">
-            <a:avLst/>
-          </a:prstGeom>
-          <a:noFill/>
-        </p:spPr>
-        <p:txBody>
-          <a:bodyPr wrap="square" rtlCol="0">
-            <a:spAutoFit/>
-          </a:bodyPr>
-          <a:lstStyle/>
-          <a:p>
-            <a:pPr lvl="0" eaLnBrk="0" fontAlgn="base" hangingPunct="0">
-              <a:spcBef>
-                <a:spcPct val="0"/>
-              </a:spcBef>
-              <a:spcAft>
-                <a:spcPct val="0"/>
-              </a:spcAft>
-            </a:pPr>
-            <a:r>
-              <a:rPr lang="zh-CN" altLang="en-US" sz="1400" dirty="0">
-                <a:solidFill>
-                  <a:srgbClr val="000000"/>
-                </a:solidFill>
-                <a:latin typeface="微软雅黑" panose="020B0503020204020204" pitchFamily="34" charset="-122"/>
-                <a:ea typeface="微软雅黑" panose="020B0503020204020204" pitchFamily="34" charset="-122"/>
-              </a:rPr>
-              <a:t>用户名：</a:t>
-            </a:r>
-            <a:r>
-              <a:rPr lang="en-US" altLang="zh-CN" sz="1400" dirty="0" err="1">
-                <a:solidFill>
-                  <a:srgbClr val="000000"/>
-                </a:solidFill>
-                <a:latin typeface="微软雅黑" panose="020B0503020204020204" pitchFamily="34" charset="-122"/>
-                <a:ea typeface="微软雅黑" panose="020B0503020204020204" pitchFamily="34" charset="-122"/>
-              </a:rPr>
-              <a:t>mosquitto</a:t>
-            </a:r>
-            <a:endParaRPr lang="en-US" altLang="zh-CN" sz="1400" dirty="0">
-              <a:solidFill>
-                <a:srgbClr val="000000"/>
-              </a:solidFill>
-              <a:latin typeface="微软雅黑" panose="020B0503020204020204" pitchFamily="34" charset="-122"/>
-              <a:ea typeface="微软雅黑" panose="020B0503020204020204" pitchFamily="34" charset="-122"/>
-            </a:endParaRPr>
-          </a:p>
-          <a:p>
-            <a:pPr lvl="0" eaLnBrk="0" fontAlgn="base" hangingPunct="0">
-              <a:spcBef>
-                <a:spcPct val="0"/>
-              </a:spcBef>
-              <a:spcAft>
-                <a:spcPct val="0"/>
-              </a:spcAft>
-            </a:pPr>
-            <a:r>
-              <a:rPr lang="zh-CN" altLang="en-US" sz="1400" dirty="0">
-                <a:solidFill>
-                  <a:srgbClr val="000000"/>
-                </a:solidFill>
-                <a:latin typeface="微软雅黑" panose="020B0503020204020204" pitchFamily="34" charset="-122"/>
-                <a:ea typeface="微软雅黑" panose="020B0503020204020204" pitchFamily="34" charset="-122"/>
-              </a:rPr>
-              <a:t>密码：</a:t>
-            </a:r>
-            <a:r>
-              <a:rPr lang="en-US" altLang="zh-CN" sz="1400" dirty="0">
-                <a:solidFill>
-                  <a:srgbClr val="000000"/>
-                </a:solidFill>
-                <a:latin typeface="微软雅黑" panose="020B0503020204020204" pitchFamily="34" charset="-122"/>
-                <a:ea typeface="微软雅黑" panose="020B0503020204020204" pitchFamily="34" charset="-122"/>
-              </a:rPr>
-              <a:t>vanrui@123</a:t>
-            </a:r>
-          </a:p>
-          <a:p>
-            <a:pPr lvl="0" eaLnBrk="0" fontAlgn="base" hangingPunct="0">
-              <a:spcBef>
-                <a:spcPct val="0"/>
-              </a:spcBef>
-              <a:spcAft>
-                <a:spcPct val="0"/>
-              </a:spcAft>
-            </a:pPr>
-            <a:endParaRPr lang="en-US" altLang="zh-CN" sz="1400" dirty="0">
-              <a:solidFill>
-                <a:srgbClr val="000000"/>
-              </a:solidFill>
-              <a:latin typeface="微软雅黑" panose="020B0503020204020204" pitchFamily="34" charset="-122"/>
-              <a:ea typeface="微软雅黑" panose="020B0503020204020204" pitchFamily="34" charset="-122"/>
-            </a:endParaRPr>
-          </a:p>
-        </p:txBody>
-      </p:sp>
-    </p:spTree>
-    <p:extLst>
-      <p:ext uri="{BB962C8B-B14F-4D97-AF65-F5344CB8AC3E}">
-        <p14:creationId xmlns:p14="http://schemas.microsoft.com/office/powerpoint/2010/main" val="3613180011"/>
-      </p:ext>
-    </p:extLst>
-  </p:cSld>
-  <p:clrMapOvr>
-    <a:masterClrMapping/>
-  </p:clrMapOvr>
-</p:sld>
-</file>
-
-<file path=ppt/slides/slide7.xml><?xml version="1.0" encoding="utf-8"?>
-<p:sld xmlns:a="http://schemas.openxmlformats.org/drawingml/2006/main" xmlns:r="http://schemas.openxmlformats.org/officeDocument/2006/relationships" xmlns:p="http://schemas.openxmlformats.org/presentationml/2006/main">
-  <p:cSld>
-    <p:spTree>
-      <p:nvGrpSpPr>
-        <p:cNvPr id="1" name=""/>
-        <p:cNvGrpSpPr/>
-        <p:nvPr/>
-      </p:nvGrpSpPr>
-      <p:grpSpPr>
-        <a:xfrm>
-          <a:off x="0" y="0"/>
-          <a:ext cx="0" cy="0"/>
-          <a:chOff x="0" y="0"/>
-          <a:chExt cx="0" cy="0"/>
-        </a:xfrm>
-      </p:grpSpPr>
-      <p:sp>
-        <p:nvSpPr>
-          <p:cNvPr id="7" name="文本框 6"/>
-          <p:cNvSpPr txBox="1"/>
-          <p:nvPr/>
-        </p:nvSpPr>
-        <p:spPr>
-          <a:xfrm>
-            <a:off x="3236144" y="354864"/>
-            <a:ext cx="5666704" cy="646331"/>
-          </a:xfrm>
-          <a:prstGeom prst="rect">
-            <a:avLst/>
-          </a:prstGeom>
-          <a:noFill/>
-        </p:spPr>
-        <p:txBody>
-          <a:bodyPr wrap="square" rtlCol="0">
-            <a:spAutoFit/>
-          </a:bodyPr>
-          <a:lstStyle/>
-          <a:p>
-            <a:pPr algn="ctr"/>
-            <a:r>
-              <a:rPr lang="en-US" altLang="zh-CN" sz="3600" dirty="0" err="1"/>
-              <a:t>Mosquitto</a:t>
-            </a:r>
-            <a:r>
-              <a:rPr lang="zh-CN" altLang="en-US" sz="3600" dirty="0"/>
-              <a:t>联机测试</a:t>
-            </a:r>
-            <a:endParaRPr lang="en-US" altLang="zh-CN" sz="3600" dirty="0"/>
-          </a:p>
-        </p:txBody>
-      </p:sp>
-      <p:sp>
-        <p:nvSpPr>
-          <p:cNvPr id="10" name="文本框 9"/>
-          <p:cNvSpPr txBox="1"/>
-          <p:nvPr/>
-        </p:nvSpPr>
-        <p:spPr>
-          <a:xfrm>
-            <a:off x="1921098" y="1145626"/>
-            <a:ext cx="8799911" cy="923330"/>
-          </a:xfrm>
-          <a:prstGeom prst="rect">
-            <a:avLst/>
-          </a:prstGeom>
-          <a:noFill/>
-        </p:spPr>
-        <p:txBody>
-          <a:bodyPr wrap="square" rtlCol="0">
-            <a:spAutoFit/>
-          </a:bodyPr>
-          <a:lstStyle/>
-          <a:p>
-            <a:pPr lvl="0" eaLnBrk="0" fontAlgn="base" hangingPunct="0">
-              <a:spcBef>
-                <a:spcPct val="0"/>
-              </a:spcBef>
-              <a:spcAft>
-                <a:spcPct val="0"/>
-              </a:spcAft>
-            </a:pPr>
-            <a:r>
-              <a:rPr lang="zh-CN" altLang="en-US" sz="2000" dirty="0">
-                <a:solidFill>
-                  <a:srgbClr val="000000"/>
-                </a:solidFill>
-                <a:latin typeface="微软雅黑" panose="020B0503020204020204" pitchFamily="34" charset="-122"/>
-                <a:ea typeface="微软雅黑" panose="020B0503020204020204" pitchFamily="34" charset="-122"/>
-              </a:rPr>
-              <a:t>服务器</a:t>
-            </a:r>
-            <a:r>
-              <a:rPr lang="en-US" altLang="zh-CN" sz="2000" dirty="0">
-                <a:solidFill>
-                  <a:srgbClr val="000000"/>
-                </a:solidFill>
-                <a:latin typeface="微软雅黑" panose="020B0503020204020204" pitchFamily="34" charset="-122"/>
-                <a:ea typeface="微软雅黑" panose="020B0503020204020204" pitchFamily="34" charset="-122"/>
-              </a:rPr>
-              <a:t>A</a:t>
-            </a:r>
-            <a:r>
-              <a:rPr lang="zh-CN" altLang="en-US" sz="2000" dirty="0">
-                <a:solidFill>
-                  <a:srgbClr val="000000"/>
-                </a:solidFill>
-                <a:latin typeface="微软雅黑" panose="020B0503020204020204" pitchFamily="34" charset="-122"/>
-                <a:ea typeface="微软雅黑" panose="020B0503020204020204" pitchFamily="34" charset="-122"/>
-              </a:rPr>
-              <a:t>（发布）</a:t>
-            </a:r>
-            <a:endParaRPr lang="en-US" altLang="zh-CN" sz="2000" dirty="0">
-              <a:solidFill>
-                <a:srgbClr val="000000"/>
-              </a:solidFill>
-              <a:latin typeface="微软雅黑" panose="020B0503020204020204" pitchFamily="34" charset="-122"/>
-              <a:ea typeface="微软雅黑" panose="020B0503020204020204" pitchFamily="34" charset="-122"/>
-            </a:endParaRPr>
-          </a:p>
-          <a:p>
-            <a:pPr lvl="0" eaLnBrk="0" fontAlgn="base" hangingPunct="0">
-              <a:spcBef>
-                <a:spcPct val="0"/>
-              </a:spcBef>
-              <a:spcAft>
-                <a:spcPct val="0"/>
-              </a:spcAft>
-            </a:pPr>
-            <a:endParaRPr lang="en-US" altLang="zh-CN" sz="2000" dirty="0">
-              <a:solidFill>
-                <a:srgbClr val="000000"/>
-              </a:solidFill>
-              <a:latin typeface="微软雅黑" panose="020B0503020204020204" pitchFamily="34" charset="-122"/>
-              <a:ea typeface="微软雅黑" panose="020B0503020204020204" pitchFamily="34" charset="-122"/>
-            </a:endParaRPr>
-          </a:p>
-          <a:p>
-            <a:pPr lvl="0" eaLnBrk="0" fontAlgn="base" hangingPunct="0">
-              <a:spcBef>
-                <a:spcPct val="0"/>
-              </a:spcBef>
-              <a:spcAft>
-                <a:spcPct val="0"/>
-              </a:spcAft>
-            </a:pPr>
-            <a:r>
-              <a:rPr lang="en-US" altLang="zh-CN" sz="1400" dirty="0" err="1">
-                <a:solidFill>
-                  <a:srgbClr val="000000"/>
-                </a:solidFill>
-                <a:latin typeface="微软雅黑" panose="020B0503020204020204" pitchFamily="34" charset="-122"/>
-                <a:ea typeface="微软雅黑" panose="020B0503020204020204" pitchFamily="34" charset="-122"/>
-              </a:rPr>
-              <a:t>mosquitto_pub</a:t>
-            </a:r>
-            <a:r>
-              <a:rPr lang="en-US" altLang="zh-CN" sz="1400" dirty="0">
-                <a:solidFill>
-                  <a:srgbClr val="000000"/>
-                </a:solidFill>
-                <a:latin typeface="微软雅黑" panose="020B0503020204020204" pitchFamily="34" charset="-122"/>
-                <a:ea typeface="微软雅黑" panose="020B0503020204020204" pitchFamily="34" charset="-122"/>
-              </a:rPr>
-              <a:t> -t </a:t>
-            </a:r>
-            <a:r>
-              <a:rPr lang="en-US" altLang="zh-CN" sz="1400" dirty="0" err="1">
-                <a:solidFill>
-                  <a:srgbClr val="000000"/>
-                </a:solidFill>
-                <a:latin typeface="微软雅黑" panose="020B0503020204020204" pitchFamily="34" charset="-122"/>
-                <a:ea typeface="微软雅黑" panose="020B0503020204020204" pitchFamily="34" charset="-122"/>
-              </a:rPr>
-              <a:t>topicTest</a:t>
-            </a:r>
-            <a:r>
-              <a:rPr lang="en-US" altLang="zh-CN" sz="1400" dirty="0">
-                <a:solidFill>
-                  <a:srgbClr val="000000"/>
-                </a:solidFill>
-                <a:latin typeface="微软雅黑" panose="020B0503020204020204" pitchFamily="34" charset="-122"/>
-                <a:ea typeface="微软雅黑" panose="020B0503020204020204" pitchFamily="34" charset="-122"/>
-              </a:rPr>
-              <a:t> -h 112.74.58.249 -p 1884 -u </a:t>
-            </a:r>
-            <a:r>
-              <a:rPr lang="en-US" altLang="zh-CN" sz="1400" dirty="0" err="1">
-                <a:solidFill>
-                  <a:srgbClr val="000000"/>
-                </a:solidFill>
-                <a:latin typeface="微软雅黑" panose="020B0503020204020204" pitchFamily="34" charset="-122"/>
-                <a:ea typeface="微软雅黑" panose="020B0503020204020204" pitchFamily="34" charset="-122"/>
-              </a:rPr>
-              <a:t>mosquitto</a:t>
-            </a:r>
-            <a:r>
-              <a:rPr lang="en-US" altLang="zh-CN" sz="1400" dirty="0">
-                <a:solidFill>
-                  <a:srgbClr val="000000"/>
-                </a:solidFill>
-                <a:latin typeface="微软雅黑" panose="020B0503020204020204" pitchFamily="34" charset="-122"/>
-                <a:ea typeface="微软雅黑" panose="020B0503020204020204" pitchFamily="34" charset="-122"/>
-              </a:rPr>
-              <a:t> -P vanrui@123 -m </a:t>
-            </a:r>
-            <a:r>
-              <a:rPr lang="en-US" altLang="zh-CN" sz="1400" dirty="0" err="1">
-                <a:solidFill>
-                  <a:srgbClr val="000000"/>
-                </a:solidFill>
-                <a:latin typeface="微软雅黑" panose="020B0503020204020204" pitchFamily="34" charset="-122"/>
-                <a:ea typeface="微软雅黑" panose="020B0503020204020204" pitchFamily="34" charset="-122"/>
-              </a:rPr>
-              <a:t>helloWorld</a:t>
-            </a:r>
-            <a:endParaRPr lang="en-US" altLang="zh-CN" sz="1400" dirty="0">
-              <a:solidFill>
-                <a:srgbClr val="000000"/>
-              </a:solidFill>
-              <a:latin typeface="微软雅黑" panose="020B0503020204020204" pitchFamily="34" charset="-122"/>
-              <a:ea typeface="微软雅黑" panose="020B0503020204020204" pitchFamily="34" charset="-122"/>
-            </a:endParaRPr>
-          </a:p>
-        </p:txBody>
-      </p:sp>
-      <p:sp>
-        <p:nvSpPr>
-          <p:cNvPr id="5" name="文本框 4"/>
-          <p:cNvSpPr txBox="1"/>
-          <p:nvPr/>
-        </p:nvSpPr>
-        <p:spPr>
-          <a:xfrm>
-            <a:off x="1921098" y="2941824"/>
-            <a:ext cx="8057789" cy="830997"/>
-          </a:xfrm>
-          <a:prstGeom prst="rect">
-            <a:avLst/>
-          </a:prstGeom>
-          <a:noFill/>
-        </p:spPr>
-        <p:txBody>
-          <a:bodyPr wrap="square" rtlCol="0">
-            <a:spAutoFit/>
-          </a:bodyPr>
-          <a:lstStyle/>
-          <a:p>
-            <a:pPr lvl="0" eaLnBrk="0" fontAlgn="base" hangingPunct="0">
-              <a:spcBef>
-                <a:spcPct val="0"/>
-              </a:spcBef>
-              <a:spcAft>
-                <a:spcPct val="0"/>
-              </a:spcAft>
-            </a:pPr>
-            <a:r>
-              <a:rPr lang="zh-CN" altLang="en-US" sz="2000" dirty="0">
-                <a:solidFill>
-                  <a:srgbClr val="000000"/>
-                </a:solidFill>
-                <a:latin typeface="微软雅黑" panose="020B0503020204020204" pitchFamily="34" charset="-122"/>
-                <a:ea typeface="微软雅黑" panose="020B0503020204020204" pitchFamily="34" charset="-122"/>
-              </a:rPr>
-              <a:t>服务器</a:t>
-            </a:r>
-            <a:r>
-              <a:rPr lang="en-US" altLang="zh-CN" sz="2000" dirty="0">
-                <a:solidFill>
-                  <a:srgbClr val="000000"/>
-                </a:solidFill>
-                <a:latin typeface="微软雅黑" panose="020B0503020204020204" pitchFamily="34" charset="-122"/>
-                <a:ea typeface="微软雅黑" panose="020B0503020204020204" pitchFamily="34" charset="-122"/>
-              </a:rPr>
-              <a:t> </a:t>
-            </a:r>
-            <a:r>
-              <a:rPr lang="en-US" altLang="zh-CN" sz="2000" dirty="0">
-                <a:solidFill>
-                  <a:srgbClr val="000000"/>
-                </a:solidFill>
-                <a:latin typeface="微软雅黑" panose="020B0503020204020204" pitchFamily="34" charset="-122"/>
-                <a:ea typeface="微软雅黑" panose="020B0503020204020204" pitchFamily="34" charset="-122"/>
-              </a:rPr>
-              <a:t>112.74.58.249</a:t>
-            </a:r>
-            <a:r>
-              <a:rPr lang="zh-CN" altLang="en-US" sz="2000" dirty="0">
-                <a:solidFill>
-                  <a:srgbClr val="000000"/>
-                </a:solidFill>
-                <a:latin typeface="微软雅黑" panose="020B0503020204020204" pitchFamily="34" charset="-122"/>
-                <a:ea typeface="微软雅黑" panose="020B0503020204020204" pitchFamily="34" charset="-122"/>
-              </a:rPr>
-              <a:t>（订阅）</a:t>
-            </a:r>
-            <a:endParaRPr lang="en-US" altLang="zh-CN" sz="2000" dirty="0">
-              <a:solidFill>
-                <a:srgbClr val="000000"/>
-              </a:solidFill>
-              <a:latin typeface="微软雅黑" panose="020B0503020204020204" pitchFamily="34" charset="-122"/>
-              <a:ea typeface="微软雅黑" panose="020B0503020204020204" pitchFamily="34" charset="-122"/>
-            </a:endParaRPr>
-          </a:p>
-          <a:p>
-            <a:pPr lvl="0" eaLnBrk="0" fontAlgn="base" hangingPunct="0">
-              <a:spcBef>
-                <a:spcPct val="0"/>
-              </a:spcBef>
-              <a:spcAft>
-                <a:spcPct val="0"/>
-              </a:spcAft>
-            </a:pPr>
-            <a:endParaRPr lang="en-US" altLang="zh-CN" sz="1400" dirty="0">
-              <a:solidFill>
-                <a:srgbClr val="000000"/>
-              </a:solidFill>
-              <a:latin typeface="微软雅黑" panose="020B0503020204020204" pitchFamily="34" charset="-122"/>
-              <a:ea typeface="微软雅黑" panose="020B0503020204020204" pitchFamily="34" charset="-122"/>
-            </a:endParaRPr>
-          </a:p>
-          <a:p>
-            <a:pPr lvl="0" eaLnBrk="0" fontAlgn="base" hangingPunct="0">
-              <a:spcBef>
-                <a:spcPct val="0"/>
-              </a:spcBef>
-              <a:spcAft>
-                <a:spcPct val="0"/>
-              </a:spcAft>
-            </a:pPr>
-            <a:r>
-              <a:rPr lang="en-US" altLang="zh-CN" sz="1400" dirty="0" err="1">
-                <a:solidFill>
-                  <a:srgbClr val="000000"/>
-                </a:solidFill>
-                <a:latin typeface="微软雅黑" panose="020B0503020204020204" pitchFamily="34" charset="-122"/>
-                <a:ea typeface="微软雅黑" panose="020B0503020204020204" pitchFamily="34" charset="-122"/>
-              </a:rPr>
-              <a:t>mosquitto_sub</a:t>
-            </a:r>
-            <a:r>
-              <a:rPr lang="en-US" altLang="zh-CN" sz="1400" dirty="0">
-                <a:solidFill>
-                  <a:srgbClr val="000000"/>
-                </a:solidFill>
-                <a:latin typeface="微软雅黑" panose="020B0503020204020204" pitchFamily="34" charset="-122"/>
-                <a:ea typeface="微软雅黑" panose="020B0503020204020204" pitchFamily="34" charset="-122"/>
-              </a:rPr>
-              <a:t> -t </a:t>
-            </a:r>
-            <a:r>
-              <a:rPr lang="en-US" altLang="zh-CN" sz="1400" dirty="0" err="1">
-                <a:solidFill>
-                  <a:srgbClr val="000000"/>
-                </a:solidFill>
-                <a:latin typeface="微软雅黑" panose="020B0503020204020204" pitchFamily="34" charset="-122"/>
-                <a:ea typeface="微软雅黑" panose="020B0503020204020204" pitchFamily="34" charset="-122"/>
-              </a:rPr>
-              <a:t>topicTest</a:t>
-            </a:r>
-            <a:r>
-              <a:rPr lang="en-US" altLang="zh-CN" sz="1400" dirty="0">
-                <a:solidFill>
-                  <a:srgbClr val="000000"/>
-                </a:solidFill>
-                <a:latin typeface="微软雅黑" panose="020B0503020204020204" pitchFamily="34" charset="-122"/>
-                <a:ea typeface="微软雅黑" panose="020B0503020204020204" pitchFamily="34" charset="-122"/>
-              </a:rPr>
-              <a:t> -p 1884 -u </a:t>
-            </a:r>
-            <a:r>
-              <a:rPr lang="en-US" altLang="zh-CN" sz="1400" dirty="0" err="1">
-                <a:solidFill>
-                  <a:srgbClr val="000000"/>
-                </a:solidFill>
-                <a:latin typeface="微软雅黑" panose="020B0503020204020204" pitchFamily="34" charset="-122"/>
-                <a:ea typeface="微软雅黑" panose="020B0503020204020204" pitchFamily="34" charset="-122"/>
-              </a:rPr>
-              <a:t>mosquitto</a:t>
-            </a:r>
-            <a:r>
-              <a:rPr lang="en-US" altLang="zh-CN" sz="1400" dirty="0">
-                <a:solidFill>
-                  <a:srgbClr val="000000"/>
-                </a:solidFill>
-                <a:latin typeface="微软雅黑" panose="020B0503020204020204" pitchFamily="34" charset="-122"/>
-                <a:ea typeface="微软雅黑" panose="020B0503020204020204" pitchFamily="34" charset="-122"/>
-              </a:rPr>
-              <a:t> -P vanrui@123</a:t>
-            </a:r>
-            <a:endParaRPr lang="en-US" altLang="zh-CN" sz="1400" dirty="0">
-              <a:solidFill>
-                <a:srgbClr val="000000"/>
-              </a:solidFill>
-              <a:latin typeface="微软雅黑" panose="020B0503020204020204" pitchFamily="34" charset="-122"/>
-              <a:ea typeface="微软雅黑" panose="020B0503020204020204" pitchFamily="34" charset="-122"/>
-            </a:endParaRPr>
-          </a:p>
-        </p:txBody>
-      </p:sp>
-    </p:spTree>
-    <p:extLst>
-      <p:ext uri="{BB962C8B-B14F-4D97-AF65-F5344CB8AC3E}">
-        <p14:creationId xmlns:p14="http://schemas.microsoft.com/office/powerpoint/2010/main" val="4255326473"/>
-      </p:ext>
-    </p:extLst>
-  </p:cSld>
-  <p:clrMapOvr>
-    <a:masterClrMapping/>
-  </p:clrMapOvr>
-</p:sld>
-</file>
-
-<file path=ppt/slides/slide8.xml><?xml version="1.0" encoding="utf-8"?>
-<p:sld xmlns:a="http://schemas.openxmlformats.org/drawingml/2006/main" xmlns:r="http://schemas.openxmlformats.org/officeDocument/2006/relationships" xmlns:p="http://schemas.openxmlformats.org/presentationml/2006/main">
-  <p:cSld>
-    <p:spTree>
-      <p:nvGrpSpPr>
-        <p:cNvPr id="1" name=""/>
-        <p:cNvGrpSpPr/>
-        <p:nvPr/>
-      </p:nvGrpSpPr>
-      <p:grpSpPr>
-        <a:xfrm>
-          <a:off x="0" y="0"/>
-          <a:ext cx="0" cy="0"/>
-          <a:chOff x="0" y="0"/>
-          <a:chExt cx="0" cy="0"/>
-        </a:xfrm>
-      </p:grpSpPr>
-      <p:sp>
-        <p:nvSpPr>
-          <p:cNvPr id="7" name="文本框 6"/>
-          <p:cNvSpPr txBox="1"/>
-          <p:nvPr/>
-        </p:nvSpPr>
-        <p:spPr>
-          <a:xfrm>
-            <a:off x="3262648" y="1038894"/>
-            <a:ext cx="3885127" cy="369332"/>
-          </a:xfrm>
-          <a:prstGeom prst="rect">
-            <a:avLst/>
-          </a:prstGeom>
-          <a:noFill/>
-        </p:spPr>
-        <p:txBody>
-          <a:bodyPr wrap="square" rtlCol="0">
-            <a:spAutoFit/>
-          </a:bodyPr>
-          <a:lstStyle/>
-          <a:p>
-            <a:pPr algn="ctr"/>
-            <a:r>
-              <a:rPr lang="en-US" altLang="zh-CN" dirty="0" err="1"/>
-              <a:t>Mqtt</a:t>
-            </a:r>
-            <a:r>
-              <a:rPr lang="en-US" altLang="zh-CN" dirty="0"/>
-              <a:t> </a:t>
-            </a:r>
-            <a:r>
-              <a:rPr lang="zh-CN" altLang="en-US" dirty="0"/>
-              <a:t>与 </a:t>
-            </a:r>
-            <a:r>
-              <a:rPr lang="en-US" altLang="zh-CN" dirty="0"/>
-              <a:t>java</a:t>
-            </a:r>
-            <a:endParaRPr lang="zh-CN" altLang="en-US" dirty="0"/>
-          </a:p>
-        </p:txBody>
-      </p:sp>
-      <p:sp>
-        <p:nvSpPr>
-          <p:cNvPr id="8" name="文本框 7"/>
-          <p:cNvSpPr txBox="1"/>
-          <p:nvPr/>
-        </p:nvSpPr>
-        <p:spPr>
-          <a:xfrm>
-            <a:off x="1326524" y="2865548"/>
-            <a:ext cx="9800822" cy="1477328"/>
-          </a:xfrm>
-          <a:prstGeom prst="rect">
-            <a:avLst/>
-          </a:prstGeom>
-          <a:noFill/>
-        </p:spPr>
-        <p:txBody>
-          <a:bodyPr wrap="square" rtlCol="0">
-            <a:spAutoFit/>
-          </a:bodyPr>
-          <a:lstStyle/>
-          <a:p>
-            <a:r>
-              <a:rPr lang="en-US" altLang="zh-CN" dirty="0"/>
-              <a:t>&lt;dependency&gt;</a:t>
-            </a:r>
-          </a:p>
-          <a:p>
-            <a:r>
-              <a:rPr lang="en-US" altLang="zh-CN" dirty="0"/>
-              <a:t>    &lt;</a:t>
-            </a:r>
-            <a:r>
-              <a:rPr lang="en-US" altLang="zh-CN" dirty="0" err="1"/>
-              <a:t>groupId</a:t>
-            </a:r>
-            <a:r>
-              <a:rPr lang="en-US" altLang="zh-CN" dirty="0"/>
-              <a:t>&gt;</a:t>
-            </a:r>
-            <a:r>
-              <a:rPr lang="en-US" altLang="zh-CN" dirty="0" err="1"/>
-              <a:t>org.eclipse.paho</a:t>
-            </a:r>
-            <a:r>
-              <a:rPr lang="en-US" altLang="zh-CN" dirty="0"/>
-              <a:t>&lt;/</a:t>
-            </a:r>
-            <a:r>
-              <a:rPr lang="en-US" altLang="zh-CN" dirty="0" err="1"/>
-              <a:t>groupId</a:t>
-            </a:r>
-            <a:r>
-              <a:rPr lang="en-US" altLang="zh-CN" dirty="0"/>
-              <a:t>&gt;</a:t>
-            </a:r>
-          </a:p>
-          <a:p>
-            <a:r>
-              <a:rPr lang="en-US" altLang="zh-CN" dirty="0"/>
-              <a:t>    &lt;</a:t>
-            </a:r>
-            <a:r>
-              <a:rPr lang="en-US" altLang="zh-CN" dirty="0" err="1"/>
-              <a:t>artifactId</a:t>
-            </a:r>
-            <a:r>
-              <a:rPr lang="en-US" altLang="zh-CN" dirty="0"/>
-              <a:t>&gt;org.eclipse.paho.client.mqttv3&lt;/</a:t>
-            </a:r>
-            <a:r>
-              <a:rPr lang="en-US" altLang="zh-CN" dirty="0" err="1"/>
-              <a:t>artifactId</a:t>
-            </a:r>
-            <a:r>
-              <a:rPr lang="en-US" altLang="zh-CN" dirty="0"/>
-              <a:t>&gt;</a:t>
-            </a:r>
-          </a:p>
-          <a:p>
-            <a:r>
-              <a:rPr lang="en-US" altLang="zh-CN" dirty="0"/>
-              <a:t>    &lt;version&gt;1.1.0&lt;/version&gt;</a:t>
-            </a:r>
-          </a:p>
-          <a:p>
-            <a:r>
-              <a:rPr lang="en-US" altLang="zh-CN" dirty="0"/>
-              <a:t>&lt;/dependency&gt;</a:t>
-            </a:r>
-          </a:p>
-        </p:txBody>
-      </p:sp>
-    </p:spTree>
-    <p:extLst>
-      <p:ext uri="{BB962C8B-B14F-4D97-AF65-F5344CB8AC3E}">
-        <p14:creationId xmlns:p14="http://schemas.microsoft.com/office/powerpoint/2010/main" val="2575361657"/>
-      </p:ext>
-    </p:extLst>
-  </p:cSld>
-  <p:clrMapOvr>
-    <a:masterClrMapping/>
-  </p:clrMapOvr>
+  <p:timing>
+    <p:tnLst>
+      <p:par>
+        <p:cTn id="1" dur="indefinite" restart="never" nodeType="tmRoot">
+          <p:childTnLst>
+            <p:seq concurrent="1" nextAc="seek">
+              <p:cTn id="2" dur="indefinite" nodeType="mainSeq">
+                <p:childTnLst>
+                  <p:par>
+                    <p:cTn id="3" fill="hold">
+                      <p:stCondLst>
+                        <p:cond delay="indefinite"/>
+                      </p:stCondLst>
+                      <p:childTnLst>
+                        <p:par>
+                          <p:cTn id="4" fill="hold">
+                            <p:stCondLst>
+                              <p:cond delay="0"/>
+                            </p:stCondLst>
+                            <p:childTnLst>
+                              <p:par>
+                                <p:cTn id="5" presetID="1" presetClass="entr" presetSubtype="0" fill="hold" grpId="0" nodeType="clickEffect">
+                                  <p:stCondLst>
+                                    <p:cond delay="0"/>
+                                  </p:stCondLst>
+                                  <p:childTnLst>
+                                    <p:set>
+                                      <p:cBhvr>
+                                        <p:cTn id="6" dur="1" fill="hold">
+                                          <p:stCondLst>
+                                            <p:cond delay="0"/>
+                                          </p:stCondLst>
+                                        </p:cTn>
+                                        <p:tgtEl>
+                                          <p:spTgt spid="10"/>
+                                        </p:tgtEl>
+                                        <p:attrNameLst>
+                                          <p:attrName>style.visibility</p:attrName>
+                                        </p:attrNameLst>
+                                      </p:cBhvr>
+                                      <p:to>
+                                        <p:strVal val="visible"/>
+                                      </p:to>
+                                    </p:set>
+                                  </p:childTnLst>
+                                </p:cTn>
+                              </p:par>
+                              <p:par>
+                                <p:cTn id="7" presetID="1" presetClass="entr" presetSubtype="0" fill="hold" grpId="0" nodeType="withEffect">
+                                  <p:stCondLst>
+                                    <p:cond delay="0"/>
+                                  </p:stCondLst>
+                                  <p:childTnLst>
+                                    <p:set>
+                                      <p:cBhvr>
+                                        <p:cTn id="8" dur="1" fill="hold">
+                                          <p:stCondLst>
+                                            <p:cond delay="0"/>
+                                          </p:stCondLst>
+                                        </p:cTn>
+                                        <p:tgtEl>
+                                          <p:spTgt spid="17"/>
+                                        </p:tgtEl>
+                                        <p:attrNameLst>
+                                          <p:attrName>style.visibility</p:attrName>
+                                        </p:attrNameLst>
+                                      </p:cBhvr>
+                                      <p:to>
+                                        <p:strVal val="visible"/>
+                                      </p:to>
+                                    </p:set>
+                                  </p:childTnLst>
+                                </p:cTn>
+                              </p:par>
+                            </p:childTnLst>
+                          </p:cTn>
+                        </p:par>
+                      </p:childTnLst>
+                    </p:cTn>
+                  </p:par>
+                  <p:par>
+                    <p:cTn id="9" fill="hold">
+                      <p:stCondLst>
+                        <p:cond delay="indefinite"/>
+                      </p:stCondLst>
+                      <p:childTnLst>
+                        <p:par>
+                          <p:cTn id="10" fill="hold">
+                            <p:stCondLst>
+                              <p:cond delay="0"/>
+                            </p:stCondLst>
+                            <p:childTnLst>
+                              <p:par>
+                                <p:cTn id="11" presetID="1" presetClass="entr" presetSubtype="0" fill="hold" grpId="0" nodeType="clickEffect">
+                                  <p:stCondLst>
+                                    <p:cond delay="0"/>
+                                  </p:stCondLst>
+                                  <p:childTnLst>
+                                    <p:set>
+                                      <p:cBhvr>
+                                        <p:cTn id="12" dur="1" fill="hold">
+                                          <p:stCondLst>
+                                            <p:cond delay="0"/>
+                                          </p:stCondLst>
+                                        </p:cTn>
+                                        <p:tgtEl>
+                                          <p:spTgt spid="14"/>
+                                        </p:tgtEl>
+                                        <p:attrNameLst>
+                                          <p:attrName>style.visibility</p:attrName>
+                                        </p:attrNameLst>
+                                      </p:cBhvr>
+                                      <p:to>
+                                        <p:strVal val="visible"/>
+                                      </p:to>
+                                    </p:set>
+                                  </p:childTnLst>
+                                </p:cTn>
+                              </p:par>
+                              <p:par>
+                                <p:cTn id="13" presetID="1" presetClass="entr" presetSubtype="0" fill="hold" grpId="0" nodeType="withEffect">
+                                  <p:stCondLst>
+                                    <p:cond delay="0"/>
+                                  </p:stCondLst>
+                                  <p:childTnLst>
+                                    <p:set>
+                                      <p:cBhvr>
+                                        <p:cTn id="14" dur="1" fill="hold">
+                                          <p:stCondLst>
+                                            <p:cond delay="0"/>
+                                          </p:stCondLst>
+                                        </p:cTn>
+                                        <p:tgtEl>
+                                          <p:spTgt spid="18"/>
+                                        </p:tgtEl>
+                                        <p:attrNameLst>
+                                          <p:attrName>style.visibility</p:attrName>
+                                        </p:attrNameLst>
+                                      </p:cBhvr>
+                                      <p:to>
+                                        <p:strVal val="visible"/>
+                                      </p:to>
+                                    </p:set>
+                                  </p:childTnLst>
+                                </p:cTn>
+                              </p:par>
+                            </p:childTnLst>
+                          </p:cTn>
+                        </p:par>
+                      </p:childTnLst>
+                    </p:cTn>
+                  </p:par>
+                </p:childTnLst>
+              </p:cTn>
+              <p:prevCondLst>
+                <p:cond evt="onPrev" delay="0">
+                  <p:tgtEl>
+                    <p:sldTgt/>
+                  </p:tgtEl>
+                </p:cond>
+              </p:prevCondLst>
+              <p:nextCondLst>
+                <p:cond evt="onNext" delay="0">
+                  <p:tgtEl>
+                    <p:sldTgt/>
+                  </p:tgtEl>
+                </p:cond>
+              </p:nextCondLst>
+            </p:seq>
+          </p:childTnLst>
+        </p:cTn>
+      </p:par>
+    </p:tnLst>
+    <p:bldLst>
+      <p:bldP spid="10" grpId="0"/>
+      <p:bldP spid="14" grpId="0"/>
+      <p:bldP spid="17" grpId="0"/>
+      <p:bldP spid="18" grpId="0"/>
+    </p:bldLst>
+  </p:timing>
 </p:sld>
 </file>
 
@@ -7181,226 +11139,14 @@
       </p:grpSpPr>
       <p:sp>
         <p:nvSpPr>
-          <p:cNvPr id="9" name="平行四边形 8"/>
-          <p:cNvSpPr/>
+          <p:cNvPr id="7" name="文本框 6"/>
+          <p:cNvSpPr txBox="1"/>
           <p:nvPr/>
         </p:nvSpPr>
         <p:spPr>
           <a:xfrm>
-            <a:off x="2101400" y="1781713"/>
-            <a:ext cx="2343955" cy="379207"/>
-          </a:xfrm>
-          <a:prstGeom prst="parallelogram">
-            <a:avLst/>
-          </a:prstGeom>
-        </p:spPr>
-        <p:style>
-          <a:lnRef idx="2">
-            <a:schemeClr val="dk1">
-              <a:shade val="50000"/>
-            </a:schemeClr>
-          </a:lnRef>
-          <a:fillRef idx="1">
-            <a:schemeClr val="dk1"/>
-          </a:fillRef>
-          <a:effectRef idx="0">
-            <a:schemeClr val="dk1"/>
-          </a:effectRef>
-          <a:fontRef idx="minor">
-            <a:schemeClr val="lt1"/>
-          </a:fontRef>
-        </p:style>
-        <p:txBody>
-          <a:bodyPr rtlCol="0" anchor="ctr"/>
-          <a:lstStyle/>
-          <a:p>
-            <a:pPr algn="ctr"/>
-            <a:r>
-              <a:rPr lang="zh-CN" altLang="en-US" dirty="0"/>
-              <a:t>应用层</a:t>
-            </a:r>
-          </a:p>
-        </p:txBody>
-      </p:sp>
-      <p:sp>
-        <p:nvSpPr>
-          <p:cNvPr id="10" name="平行四边形 9"/>
-          <p:cNvSpPr/>
-          <p:nvPr/>
-        </p:nvSpPr>
-        <p:spPr>
-          <a:xfrm>
-            <a:off x="2101403" y="3306748"/>
-            <a:ext cx="2343952" cy="431442"/>
-          </a:xfrm>
-          <a:prstGeom prst="parallelogram">
-            <a:avLst/>
-          </a:prstGeom>
-        </p:spPr>
-        <p:style>
-          <a:lnRef idx="2">
-            <a:schemeClr val="dk1">
-              <a:shade val="50000"/>
-            </a:schemeClr>
-          </a:lnRef>
-          <a:fillRef idx="1">
-            <a:schemeClr val="dk1"/>
-          </a:fillRef>
-          <a:effectRef idx="0">
-            <a:schemeClr val="dk1"/>
-          </a:effectRef>
-          <a:fontRef idx="minor">
-            <a:schemeClr val="lt1"/>
-          </a:fontRef>
-        </p:style>
-        <p:txBody>
-          <a:bodyPr rtlCol="0" anchor="ctr"/>
-          <a:lstStyle/>
-          <a:p>
-            <a:pPr algn="ctr"/>
-            <a:r>
-              <a:rPr lang="zh-CN" altLang="en-US" dirty="0"/>
-              <a:t>网络层</a:t>
-            </a:r>
-          </a:p>
-        </p:txBody>
-      </p:sp>
-      <p:sp>
-        <p:nvSpPr>
-          <p:cNvPr id="11" name="平行四边形 10"/>
-          <p:cNvSpPr/>
-          <p:nvPr/>
-        </p:nvSpPr>
-        <p:spPr>
-          <a:xfrm>
-            <a:off x="2101403" y="4138309"/>
-            <a:ext cx="2343955" cy="371341"/>
-          </a:xfrm>
-          <a:prstGeom prst="parallelogram">
-            <a:avLst/>
-          </a:prstGeom>
-        </p:spPr>
-        <p:style>
-          <a:lnRef idx="2">
-            <a:schemeClr val="dk1">
-              <a:shade val="50000"/>
-            </a:schemeClr>
-          </a:lnRef>
-          <a:fillRef idx="1">
-            <a:schemeClr val="dk1"/>
-          </a:fillRef>
-          <a:effectRef idx="0">
-            <a:schemeClr val="dk1"/>
-          </a:effectRef>
-          <a:fontRef idx="minor">
-            <a:schemeClr val="lt1"/>
-          </a:fontRef>
-        </p:style>
-        <p:txBody>
-          <a:bodyPr rtlCol="0" anchor="ctr"/>
-          <a:lstStyle/>
-          <a:p>
-            <a:pPr algn="ctr"/>
-            <a:r>
-              <a:rPr lang="zh-CN" altLang="en-US" dirty="0"/>
-              <a:t>链路层</a:t>
-            </a:r>
-          </a:p>
-        </p:txBody>
-      </p:sp>
-      <p:sp>
-        <p:nvSpPr>
-          <p:cNvPr id="14" name="上箭头 13"/>
-          <p:cNvSpPr/>
-          <p:nvPr/>
-        </p:nvSpPr>
-        <p:spPr>
-          <a:xfrm>
-            <a:off x="1300766" y="1781713"/>
-            <a:ext cx="484632" cy="2727937"/>
-          </a:xfrm>
-          <a:prstGeom prst="upArrow">
-            <a:avLst/>
-          </a:prstGeom>
-        </p:spPr>
-        <p:style>
-          <a:lnRef idx="2">
-            <a:schemeClr val="accent1">
-              <a:shade val="50000"/>
-            </a:schemeClr>
-          </a:lnRef>
-          <a:fillRef idx="1">
-            <a:schemeClr val="accent1"/>
-          </a:fillRef>
-          <a:effectRef idx="0">
-            <a:schemeClr val="accent1"/>
-          </a:effectRef>
-          <a:fontRef idx="minor">
-            <a:schemeClr val="lt1"/>
-          </a:fontRef>
-        </p:style>
-        <p:txBody>
-          <a:bodyPr rtlCol="0" anchor="ctr"/>
-          <a:lstStyle/>
-          <a:p>
-            <a:pPr algn="ctr"/>
-            <a:endParaRPr lang="zh-CN" altLang="en-US"/>
-          </a:p>
-        </p:txBody>
-      </p:sp>
-      <p:sp>
-        <p:nvSpPr>
-          <p:cNvPr id="15" name="平行四边形 14"/>
-          <p:cNvSpPr/>
-          <p:nvPr/>
-        </p:nvSpPr>
-        <p:spPr>
-          <a:xfrm>
-            <a:off x="2101403" y="2543363"/>
-            <a:ext cx="2343952" cy="431442"/>
-          </a:xfrm>
-          <a:prstGeom prst="parallelogram">
-            <a:avLst/>
-          </a:prstGeom>
-        </p:spPr>
-        <p:style>
-          <a:lnRef idx="2">
-            <a:schemeClr val="dk1">
-              <a:shade val="50000"/>
-            </a:schemeClr>
-          </a:lnRef>
-          <a:fillRef idx="1">
-            <a:schemeClr val="dk1"/>
-          </a:fillRef>
-          <a:effectRef idx="0">
-            <a:schemeClr val="dk1"/>
-          </a:effectRef>
-          <a:fontRef idx="minor">
-            <a:schemeClr val="lt1"/>
-          </a:fontRef>
-        </p:style>
-        <p:txBody>
-          <a:bodyPr rtlCol="0" anchor="ctr"/>
-          <a:lstStyle/>
-          <a:p>
-            <a:pPr algn="ctr"/>
-            <a:r>
-              <a:rPr lang="zh-CN" altLang="en-US" dirty="0"/>
-              <a:t>传输层</a:t>
-            </a:r>
-          </a:p>
-        </p:txBody>
-      </p:sp>
-      <p:sp>
-        <p:nvSpPr>
-          <p:cNvPr id="16" name="文本框 15"/>
-          <p:cNvSpPr txBox="1"/>
-          <p:nvPr/>
-        </p:nvSpPr>
-        <p:spPr>
-          <a:xfrm>
-            <a:off x="1300766" y="5346247"/>
-            <a:ext cx="3631842" cy="369332"/>
+            <a:off x="3236144" y="354864"/>
+            <a:ext cx="5666704" cy="646331"/>
           </a:xfrm>
           <a:prstGeom prst="rect">
             <a:avLst/>
@@ -7415,108 +11161,573 @@
           <a:p>
             <a:pPr algn="ctr"/>
             <a:r>
-              <a:rPr lang="en-US" altLang="zh-CN" dirty="0"/>
-              <a:t>TCP/IP</a:t>
-            </a:r>
-            <a:r>
-              <a:rPr lang="zh-CN" altLang="en-US" dirty="0"/>
-              <a:t>四层参考模型</a:t>
-            </a:r>
-          </a:p>
-        </p:txBody>
-      </p:sp>
-      <p:sp>
-        <p:nvSpPr>
-          <p:cNvPr id="19" name="左箭头 18"/>
-          <p:cNvSpPr/>
+              <a:rPr lang="en-US" altLang="zh-CN" sz="3600" dirty="0" err="1"/>
+              <a:t>Mosquitto</a:t>
+            </a:r>
+            <a:r>
+              <a:rPr lang="zh-CN" altLang="en-US" sz="3600" dirty="0"/>
+              <a:t>环境兼容</a:t>
+            </a:r>
+            <a:endParaRPr lang="en-US" altLang="zh-CN" sz="3600" dirty="0"/>
+          </a:p>
+        </p:txBody>
+      </p:sp>
+      <p:sp>
+        <p:nvSpPr>
+          <p:cNvPr id="10" name="文本框 9"/>
+          <p:cNvSpPr txBox="1"/>
           <p:nvPr/>
         </p:nvSpPr>
         <p:spPr>
           <a:xfrm>
-            <a:off x="4761357" y="1876514"/>
-            <a:ext cx="1661375" cy="189604"/>
+            <a:off x="556591" y="1663165"/>
+            <a:ext cx="4015409" cy="984885"/>
           </a:xfrm>
-          <a:prstGeom prst="leftArrow">
+          <a:prstGeom prst="rect">
             <a:avLst/>
           </a:prstGeom>
+          <a:noFill/>
         </p:spPr>
-        <p:style>
-          <a:lnRef idx="2">
-            <a:schemeClr val="dk1"/>
-          </a:lnRef>
-          <a:fillRef idx="1">
-            <a:schemeClr val="lt1"/>
-          </a:fillRef>
-          <a:effectRef idx="0">
-            <a:schemeClr val="dk1"/>
-          </a:effectRef>
-          <a:fontRef idx="minor">
-            <a:schemeClr val="dk1"/>
-          </a:fontRef>
-        </p:style>
-        <p:txBody>
-          <a:bodyPr rtlCol="0" anchor="ctr"/>
-          <a:lstStyle/>
-          <a:p>
-            <a:pPr algn="ctr"/>
-            <a:endParaRPr lang="zh-CN" altLang="en-US"/>
-          </a:p>
-        </p:txBody>
-      </p:sp>
-      <p:sp>
-        <p:nvSpPr>
-          <p:cNvPr id="20" name="圆角矩形 19"/>
-          <p:cNvSpPr/>
+        <p:txBody>
+          <a:bodyPr wrap="square" rtlCol="0">
+            <a:spAutoFit/>
+          </a:bodyPr>
+          <a:lstStyle/>
+          <a:p>
+            <a:pPr lvl="0" eaLnBrk="0" fontAlgn="base" hangingPunct="0">
+              <a:spcBef>
+                <a:spcPct val="0"/>
+              </a:spcBef>
+              <a:spcAft>
+                <a:spcPct val="0"/>
+              </a:spcAft>
+            </a:pPr>
+            <a:r>
+              <a:rPr lang="zh-CN" altLang="en-US" sz="1600" dirty="0">
+                <a:solidFill>
+                  <a:srgbClr val="000000"/>
+                </a:solidFill>
+                <a:latin typeface="微软雅黑" panose="020B0503020204020204" pitchFamily="34" charset="-122"/>
+                <a:ea typeface="微软雅黑" panose="020B0503020204020204" pitchFamily="34" charset="-122"/>
+              </a:rPr>
+              <a:t>端口冲突：</a:t>
+            </a:r>
+            <a:endParaRPr lang="en-US" altLang="zh-CN" sz="1600" dirty="0">
+              <a:solidFill>
+                <a:srgbClr val="000000"/>
+              </a:solidFill>
+              <a:latin typeface="微软雅黑" panose="020B0503020204020204" pitchFamily="34" charset="-122"/>
+              <a:ea typeface="微软雅黑" panose="020B0503020204020204" pitchFamily="34" charset="-122"/>
+            </a:endParaRPr>
+          </a:p>
+          <a:p>
+            <a:pPr lvl="0" eaLnBrk="0" fontAlgn="base" hangingPunct="0">
+              <a:spcBef>
+                <a:spcPct val="0"/>
+              </a:spcBef>
+              <a:spcAft>
+                <a:spcPct val="0"/>
+              </a:spcAft>
+            </a:pPr>
+            <a:endParaRPr lang="en-US" altLang="zh-CN" sz="1400" dirty="0">
+              <a:solidFill>
+                <a:srgbClr val="000000"/>
+              </a:solidFill>
+              <a:latin typeface="微软雅黑" panose="020B0503020204020204" pitchFamily="34" charset="-122"/>
+              <a:ea typeface="微软雅黑" panose="020B0503020204020204" pitchFamily="34" charset="-122"/>
+            </a:endParaRPr>
+          </a:p>
+          <a:p>
+            <a:pPr lvl="0" eaLnBrk="0" fontAlgn="base" hangingPunct="0">
+              <a:spcBef>
+                <a:spcPct val="0"/>
+              </a:spcBef>
+              <a:spcAft>
+                <a:spcPct val="0"/>
+              </a:spcAft>
+            </a:pPr>
+            <a:r>
+              <a:rPr lang="en-US" altLang="zh-CN" sz="1400" dirty="0" err="1">
+                <a:solidFill>
+                  <a:srgbClr val="000000"/>
+                </a:solidFill>
+                <a:latin typeface="微软雅黑" panose="020B0503020204020204" pitchFamily="34" charset="-122"/>
+                <a:ea typeface="微软雅黑" panose="020B0503020204020204" pitchFamily="34" charset="-122"/>
+              </a:rPr>
+              <a:t>ActiveMQ</a:t>
+            </a:r>
+            <a:r>
+              <a:rPr lang="en-US" altLang="zh-CN" sz="1400" dirty="0">
+                <a:solidFill>
+                  <a:srgbClr val="000000"/>
+                </a:solidFill>
+                <a:latin typeface="微软雅黑" panose="020B0503020204020204" pitchFamily="34" charset="-122"/>
+                <a:ea typeface="微软雅黑" panose="020B0503020204020204" pitchFamily="34" charset="-122"/>
+              </a:rPr>
+              <a:t> </a:t>
+            </a:r>
+            <a:r>
+              <a:rPr lang="zh-CN" altLang="en-US" sz="1400" dirty="0">
+                <a:solidFill>
+                  <a:srgbClr val="000000"/>
+                </a:solidFill>
+                <a:latin typeface="微软雅黑" panose="020B0503020204020204" pitchFamily="34" charset="-122"/>
+                <a:ea typeface="微软雅黑" panose="020B0503020204020204" pitchFamily="34" charset="-122"/>
+              </a:rPr>
+              <a:t>默认端口：</a:t>
+            </a:r>
+            <a:r>
+              <a:rPr lang="en-US" altLang="zh-CN" sz="1400" dirty="0">
+                <a:solidFill>
+                  <a:srgbClr val="000000"/>
+                </a:solidFill>
+                <a:latin typeface="微软雅黑" panose="020B0503020204020204" pitchFamily="34" charset="-122"/>
+                <a:ea typeface="微软雅黑" panose="020B0503020204020204" pitchFamily="34" charset="-122"/>
+              </a:rPr>
+              <a:t>1883</a:t>
+            </a:r>
+          </a:p>
+          <a:p>
+            <a:pPr lvl="0" eaLnBrk="0" fontAlgn="base" hangingPunct="0">
+              <a:spcBef>
+                <a:spcPct val="0"/>
+              </a:spcBef>
+              <a:spcAft>
+                <a:spcPct val="0"/>
+              </a:spcAft>
+            </a:pPr>
+            <a:r>
+              <a:rPr lang="en-US" altLang="zh-CN" sz="1400" dirty="0" err="1"/>
+              <a:t>Mosquitto</a:t>
+            </a:r>
+            <a:r>
+              <a:rPr lang="en-US" altLang="zh-CN" sz="1400" dirty="0">
+                <a:solidFill>
+                  <a:srgbClr val="000000"/>
+                </a:solidFill>
+                <a:latin typeface="微软雅黑" panose="020B0503020204020204" pitchFamily="34" charset="-122"/>
+                <a:ea typeface="微软雅黑" panose="020B0503020204020204" pitchFamily="34" charset="-122"/>
+              </a:rPr>
+              <a:t> </a:t>
+            </a:r>
+            <a:r>
+              <a:rPr lang="zh-CN" altLang="en-US" sz="1400" dirty="0">
+                <a:solidFill>
+                  <a:srgbClr val="000000"/>
+                </a:solidFill>
+                <a:latin typeface="微软雅黑" panose="020B0503020204020204" pitchFamily="34" charset="-122"/>
+                <a:ea typeface="微软雅黑" panose="020B0503020204020204" pitchFamily="34" charset="-122"/>
+              </a:rPr>
+              <a:t>默认端口：</a:t>
+            </a:r>
+            <a:r>
+              <a:rPr lang="en-US" altLang="zh-CN" sz="1400" dirty="0">
+                <a:solidFill>
+                  <a:srgbClr val="000000"/>
+                </a:solidFill>
+                <a:latin typeface="微软雅黑" panose="020B0503020204020204" pitchFamily="34" charset="-122"/>
+                <a:ea typeface="微软雅黑" panose="020B0503020204020204" pitchFamily="34" charset="-122"/>
+              </a:rPr>
+              <a:t>1883</a:t>
+            </a:r>
+          </a:p>
+        </p:txBody>
+      </p:sp>
+      <p:sp>
+        <p:nvSpPr>
+          <p:cNvPr id="9" name="文本框 8"/>
+          <p:cNvSpPr txBox="1"/>
           <p:nvPr/>
         </p:nvSpPr>
         <p:spPr>
           <a:xfrm>
-            <a:off x="6645498" y="1703074"/>
-            <a:ext cx="1674254" cy="536484"/>
+            <a:off x="556591" y="3279242"/>
+            <a:ext cx="10045148" cy="1415772"/>
           </a:xfrm>
-          <a:prstGeom prst="roundRect">
+          <a:prstGeom prst="rect">
             <a:avLst/>
           </a:prstGeom>
+          <a:noFill/>
         </p:spPr>
-        <p:style>
-          <a:lnRef idx="2">
-            <a:schemeClr val="accent1">
-              <a:shade val="50000"/>
-            </a:schemeClr>
-          </a:lnRef>
-          <a:fillRef idx="1">
-            <a:schemeClr val="accent1"/>
-          </a:fillRef>
-          <a:effectRef idx="0">
-            <a:schemeClr val="accent1"/>
-          </a:effectRef>
-          <a:fontRef idx="minor">
-            <a:schemeClr val="lt1"/>
-          </a:fontRef>
-        </p:style>
-        <p:txBody>
-          <a:bodyPr rtlCol="0" anchor="ctr"/>
-          <a:lstStyle/>
-          <a:p>
-            <a:pPr algn="ctr"/>
-            <a:r>
-              <a:rPr lang="en-US" altLang="zh-CN" dirty="0" err="1"/>
-              <a:t>mqtt</a:t>
-            </a:r>
-            <a:endParaRPr lang="zh-CN" altLang="en-US" dirty="0"/>
+        <p:txBody>
+          <a:bodyPr wrap="square" rtlCol="0">
+            <a:spAutoFit/>
+          </a:bodyPr>
+          <a:lstStyle/>
+          <a:p>
+            <a:pPr lvl="0" eaLnBrk="0" fontAlgn="base" hangingPunct="0">
+              <a:spcBef>
+                <a:spcPct val="0"/>
+              </a:spcBef>
+              <a:spcAft>
+                <a:spcPct val="0"/>
+              </a:spcAft>
+            </a:pPr>
+            <a:r>
+              <a:rPr lang="zh-CN" altLang="en-US" sz="1600" dirty="0">
+                <a:solidFill>
+                  <a:srgbClr val="000000"/>
+                </a:solidFill>
+                <a:latin typeface="微软雅黑" panose="020B0503020204020204" pitchFamily="34" charset="-122"/>
+                <a:ea typeface="微软雅黑" panose="020B0503020204020204" pitchFamily="34" charset="-122"/>
+              </a:rPr>
+              <a:t>防火墙：</a:t>
+            </a:r>
+            <a:endParaRPr lang="en-US" altLang="zh-CN" sz="1600" dirty="0">
+              <a:solidFill>
+                <a:srgbClr val="000000"/>
+              </a:solidFill>
+              <a:latin typeface="微软雅黑" panose="020B0503020204020204" pitchFamily="34" charset="-122"/>
+              <a:ea typeface="微软雅黑" panose="020B0503020204020204" pitchFamily="34" charset="-122"/>
+            </a:endParaRPr>
+          </a:p>
+          <a:p>
+            <a:pPr lvl="0" eaLnBrk="0" fontAlgn="base" hangingPunct="0">
+              <a:spcBef>
+                <a:spcPct val="0"/>
+              </a:spcBef>
+              <a:spcAft>
+                <a:spcPct val="0"/>
+              </a:spcAft>
+            </a:pPr>
+            <a:endParaRPr lang="en-US" altLang="zh-CN" sz="1400" dirty="0">
+              <a:solidFill>
+                <a:srgbClr val="000000"/>
+              </a:solidFill>
+              <a:latin typeface="微软雅黑" panose="020B0503020204020204" pitchFamily="34" charset="-122"/>
+              <a:ea typeface="微软雅黑" panose="020B0503020204020204" pitchFamily="34" charset="-122"/>
+            </a:endParaRPr>
+          </a:p>
+          <a:p>
+            <a:pPr lvl="0" eaLnBrk="0" fontAlgn="base" hangingPunct="0">
+              <a:spcBef>
+                <a:spcPct val="0"/>
+              </a:spcBef>
+              <a:spcAft>
+                <a:spcPct val="0"/>
+              </a:spcAft>
+            </a:pPr>
+            <a:r>
+              <a:rPr lang="en-US" altLang="zh-CN" sz="1400" dirty="0">
+                <a:solidFill>
+                  <a:srgbClr val="000000"/>
+                </a:solidFill>
+                <a:latin typeface="微软雅黑" panose="020B0503020204020204" pitchFamily="34" charset="-122"/>
+                <a:ea typeface="微软雅黑" panose="020B0503020204020204" pitchFamily="34" charset="-122"/>
+              </a:rPr>
+              <a:t>-A INPUT -p </a:t>
+            </a:r>
+            <a:r>
+              <a:rPr lang="en-US" altLang="zh-CN" sz="1400" dirty="0" err="1">
+                <a:solidFill>
+                  <a:srgbClr val="000000"/>
+                </a:solidFill>
+                <a:latin typeface="微软雅黑" panose="020B0503020204020204" pitchFamily="34" charset="-122"/>
+                <a:ea typeface="微软雅黑" panose="020B0503020204020204" pitchFamily="34" charset="-122"/>
+              </a:rPr>
+              <a:t>tcp</a:t>
+            </a:r>
+            <a:r>
+              <a:rPr lang="en-US" altLang="zh-CN" sz="1400" dirty="0">
+                <a:solidFill>
+                  <a:srgbClr val="000000"/>
+                </a:solidFill>
+                <a:latin typeface="微软雅黑" panose="020B0503020204020204" pitchFamily="34" charset="-122"/>
+                <a:ea typeface="微软雅黑" panose="020B0503020204020204" pitchFamily="34" charset="-122"/>
+              </a:rPr>
+              <a:t> -m state --state NEW -m </a:t>
+            </a:r>
+            <a:r>
+              <a:rPr lang="en-US" altLang="zh-CN" sz="1400" dirty="0" err="1">
+                <a:solidFill>
+                  <a:srgbClr val="000000"/>
+                </a:solidFill>
+                <a:latin typeface="微软雅黑" panose="020B0503020204020204" pitchFamily="34" charset="-122"/>
+                <a:ea typeface="微软雅黑" panose="020B0503020204020204" pitchFamily="34" charset="-122"/>
+              </a:rPr>
+              <a:t>tcp</a:t>
+            </a:r>
+            <a:r>
+              <a:rPr lang="en-US" altLang="zh-CN" sz="1400" dirty="0">
+                <a:solidFill>
+                  <a:srgbClr val="000000"/>
+                </a:solidFill>
+                <a:latin typeface="微软雅黑" panose="020B0503020204020204" pitchFamily="34" charset="-122"/>
+                <a:ea typeface="微软雅黑" panose="020B0503020204020204" pitchFamily="34" charset="-122"/>
+              </a:rPr>
+              <a:t> --</a:t>
+            </a:r>
+            <a:r>
+              <a:rPr lang="en-US" altLang="zh-CN" sz="1400" dirty="0" err="1">
+                <a:solidFill>
+                  <a:srgbClr val="000000"/>
+                </a:solidFill>
+                <a:latin typeface="微软雅黑" panose="020B0503020204020204" pitchFamily="34" charset="-122"/>
+                <a:ea typeface="微软雅黑" panose="020B0503020204020204" pitchFamily="34" charset="-122"/>
+              </a:rPr>
+              <a:t>dport</a:t>
+            </a:r>
+            <a:r>
+              <a:rPr lang="en-US" altLang="zh-CN" sz="1400" dirty="0">
+                <a:solidFill>
+                  <a:srgbClr val="000000"/>
+                </a:solidFill>
+                <a:latin typeface="微软雅黑" panose="020B0503020204020204" pitchFamily="34" charset="-122"/>
+                <a:ea typeface="微软雅黑" panose="020B0503020204020204" pitchFamily="34" charset="-122"/>
+              </a:rPr>
+              <a:t> 1884 -j ACCEPT</a:t>
+            </a:r>
+          </a:p>
+          <a:p>
+            <a:pPr lvl="0" eaLnBrk="0" fontAlgn="base" hangingPunct="0">
+              <a:spcBef>
+                <a:spcPct val="0"/>
+              </a:spcBef>
+              <a:spcAft>
+                <a:spcPct val="0"/>
+              </a:spcAft>
+            </a:pPr>
+            <a:endParaRPr lang="en-US" altLang="zh-CN" sz="1400" dirty="0">
+              <a:solidFill>
+                <a:srgbClr val="000000"/>
+              </a:solidFill>
+              <a:latin typeface="微软雅黑" panose="020B0503020204020204" pitchFamily="34" charset="-122"/>
+              <a:ea typeface="微软雅黑" panose="020B0503020204020204" pitchFamily="34" charset="-122"/>
+            </a:endParaRPr>
+          </a:p>
+          <a:p>
+            <a:pPr lvl="0" eaLnBrk="0" fontAlgn="base" hangingPunct="0">
+              <a:spcBef>
+                <a:spcPct val="0"/>
+              </a:spcBef>
+              <a:spcAft>
+                <a:spcPct val="0"/>
+              </a:spcAft>
+            </a:pPr>
+            <a:r>
+              <a:rPr lang="en-US" altLang="zh-CN" sz="1400" dirty="0">
+                <a:solidFill>
+                  <a:srgbClr val="000000"/>
+                </a:solidFill>
+                <a:latin typeface="微软雅黑" panose="020B0503020204020204" pitchFamily="34" charset="-122"/>
+                <a:ea typeface="微软雅黑" panose="020B0503020204020204" pitchFamily="34" charset="-122"/>
+              </a:rPr>
+              <a:t>#</a:t>
+            </a:r>
+            <a:r>
+              <a:rPr lang="zh-CN" altLang="en-US" sz="1400" dirty="0">
+                <a:solidFill>
+                  <a:srgbClr val="000000"/>
+                </a:solidFill>
+                <a:latin typeface="微软雅黑" panose="020B0503020204020204" pitchFamily="34" charset="-122"/>
+                <a:ea typeface="微软雅黑" panose="020B0503020204020204" pitchFamily="34" charset="-122"/>
+              </a:rPr>
+              <a:t>匿名时需要配置</a:t>
+            </a:r>
+            <a:endParaRPr lang="en-US" altLang="zh-CN" sz="1400" dirty="0">
+              <a:solidFill>
+                <a:srgbClr val="000000"/>
+              </a:solidFill>
+              <a:latin typeface="微软雅黑" panose="020B0503020204020204" pitchFamily="34" charset="-122"/>
+              <a:ea typeface="微软雅黑" panose="020B0503020204020204" pitchFamily="34" charset="-122"/>
+            </a:endParaRPr>
+          </a:p>
+          <a:p>
+            <a:pPr lvl="0" eaLnBrk="0" fontAlgn="base" hangingPunct="0">
+              <a:spcBef>
+                <a:spcPct val="0"/>
+              </a:spcBef>
+              <a:spcAft>
+                <a:spcPct val="0"/>
+              </a:spcAft>
+            </a:pPr>
+            <a:r>
+              <a:rPr lang="en-US" altLang="zh-CN" sz="1400" dirty="0">
+                <a:solidFill>
+                  <a:srgbClr val="000000"/>
+                </a:solidFill>
+                <a:latin typeface="微软雅黑" panose="020B0503020204020204" pitchFamily="34" charset="-122"/>
+                <a:ea typeface="微软雅黑" panose="020B0503020204020204" pitchFamily="34" charset="-122"/>
+              </a:rPr>
+              <a:t>-A INPUT -s 118.190.88.34 -p </a:t>
+            </a:r>
+            <a:r>
+              <a:rPr lang="en-US" altLang="zh-CN" sz="1400" dirty="0" err="1">
+                <a:solidFill>
+                  <a:srgbClr val="000000"/>
+                </a:solidFill>
+                <a:latin typeface="微软雅黑" panose="020B0503020204020204" pitchFamily="34" charset="-122"/>
+                <a:ea typeface="微软雅黑" panose="020B0503020204020204" pitchFamily="34" charset="-122"/>
+              </a:rPr>
+              <a:t>tcp</a:t>
+            </a:r>
+            <a:r>
+              <a:rPr lang="en-US" altLang="zh-CN" sz="1400" dirty="0">
+                <a:solidFill>
+                  <a:srgbClr val="000000"/>
+                </a:solidFill>
+                <a:latin typeface="微软雅黑" panose="020B0503020204020204" pitchFamily="34" charset="-122"/>
+                <a:ea typeface="微软雅黑" panose="020B0503020204020204" pitchFamily="34" charset="-122"/>
+              </a:rPr>
+              <a:t> -m state --state NEW -m </a:t>
+            </a:r>
+            <a:r>
+              <a:rPr lang="en-US" altLang="zh-CN" sz="1400" dirty="0" err="1">
+                <a:solidFill>
+                  <a:srgbClr val="000000"/>
+                </a:solidFill>
+                <a:latin typeface="微软雅黑" panose="020B0503020204020204" pitchFamily="34" charset="-122"/>
+                <a:ea typeface="微软雅黑" panose="020B0503020204020204" pitchFamily="34" charset="-122"/>
+              </a:rPr>
+              <a:t>tcp</a:t>
+            </a:r>
+            <a:r>
+              <a:rPr lang="en-US" altLang="zh-CN" sz="1400" dirty="0">
+                <a:solidFill>
+                  <a:srgbClr val="000000"/>
+                </a:solidFill>
+                <a:latin typeface="微软雅黑" panose="020B0503020204020204" pitchFamily="34" charset="-122"/>
+                <a:ea typeface="微软雅黑" panose="020B0503020204020204" pitchFamily="34" charset="-122"/>
+              </a:rPr>
+              <a:t> -j ACCEPT</a:t>
+            </a:r>
           </a:p>
         </p:txBody>
       </p:sp>
     </p:spTree>
     <p:extLst>
       <p:ext uri="{BB962C8B-B14F-4D97-AF65-F5344CB8AC3E}">
-        <p14:creationId xmlns:p14="http://schemas.microsoft.com/office/powerpoint/2010/main" val="2505989208"/>
+        <p14:creationId xmlns:p14="http://schemas.microsoft.com/office/powerpoint/2010/main" val="80010438"/>
       </p:ext>
     </p:extLst>
   </p:cSld>
   <p:clrMapOvr>
     <a:masterClrMapping/>
   </p:clrMapOvr>
+  <p:timing>
+    <p:tnLst>
+      <p:par>
+        <p:cTn id="1" dur="indefinite" restart="never" nodeType="tmRoot">
+          <p:childTnLst>
+            <p:seq concurrent="1" nextAc="seek">
+              <p:cTn id="2" dur="indefinite" nodeType="mainSeq">
+                <p:childTnLst>
+                  <p:par>
+                    <p:cTn id="3" fill="hold">
+                      <p:stCondLst>
+                        <p:cond delay="indefinite"/>
+                      </p:stCondLst>
+                      <p:childTnLst>
+                        <p:par>
+                          <p:cTn id="4" fill="hold">
+                            <p:stCondLst>
+                              <p:cond delay="0"/>
+                            </p:stCondLst>
+                            <p:childTnLst>
+                              <p:par>
+                                <p:cTn id="5" presetID="1" presetClass="entr" presetSubtype="0" fill="hold" grpId="0" nodeType="clickEffect">
+                                  <p:stCondLst>
+                                    <p:cond delay="0"/>
+                                  </p:stCondLst>
+                                  <p:childTnLst>
+                                    <p:set>
+                                      <p:cBhvr>
+                                        <p:cTn id="6" dur="1" fill="hold">
+                                          <p:stCondLst>
+                                            <p:cond delay="0"/>
+                                          </p:stCondLst>
+                                        </p:cTn>
+                                        <p:tgtEl>
+                                          <p:spTgt spid="10"/>
+                                        </p:tgtEl>
+                                        <p:attrNameLst>
+                                          <p:attrName>style.visibility</p:attrName>
+                                        </p:attrNameLst>
+                                      </p:cBhvr>
+                                      <p:to>
+                                        <p:strVal val="visible"/>
+                                      </p:to>
+                                    </p:set>
+                                  </p:childTnLst>
+                                </p:cTn>
+                              </p:par>
+                            </p:childTnLst>
+                          </p:cTn>
+                        </p:par>
+                      </p:childTnLst>
+                    </p:cTn>
+                  </p:par>
+                  <p:par>
+                    <p:cTn id="7" fill="hold">
+                      <p:stCondLst>
+                        <p:cond delay="indefinite"/>
+                      </p:stCondLst>
+                      <p:childTnLst>
+                        <p:par>
+                          <p:cTn id="8" fill="hold">
+                            <p:stCondLst>
+                              <p:cond delay="0"/>
+                            </p:stCondLst>
+                            <p:childTnLst>
+                              <p:par>
+                                <p:cTn id="9" presetID="1" presetClass="entr" presetSubtype="0" fill="hold" grpId="0" nodeType="clickEffect">
+                                  <p:stCondLst>
+                                    <p:cond delay="0"/>
+                                  </p:stCondLst>
+                                  <p:childTnLst>
+                                    <p:set>
+                                      <p:cBhvr>
+                                        <p:cTn id="10" dur="1" fill="hold">
+                                          <p:stCondLst>
+                                            <p:cond delay="0"/>
+                                          </p:stCondLst>
+                                        </p:cTn>
+                                        <p:tgtEl>
+                                          <p:spTgt spid="9"/>
+                                        </p:tgtEl>
+                                        <p:attrNameLst>
+                                          <p:attrName>style.visibility</p:attrName>
+                                        </p:attrNameLst>
+                                      </p:cBhvr>
+                                      <p:to>
+                                        <p:strVal val="visible"/>
+                                      </p:to>
+                                    </p:set>
+                                  </p:childTnLst>
+                                </p:cTn>
+                              </p:par>
+                            </p:childTnLst>
+                          </p:cTn>
+                        </p:par>
+                      </p:childTnLst>
+                    </p:cTn>
+                  </p:par>
+                </p:childTnLst>
+              </p:cTn>
+              <p:prevCondLst>
+                <p:cond evt="onPrev" delay="0">
+                  <p:tgtEl>
+                    <p:sldTgt/>
+                  </p:tgtEl>
+                </p:cond>
+              </p:prevCondLst>
+              <p:nextCondLst>
+                <p:cond evt="onNext" delay="0">
+                  <p:tgtEl>
+                    <p:sldTgt/>
+                  </p:tgtEl>
+                </p:cond>
+              </p:nextCondLst>
+            </p:seq>
+          </p:childTnLst>
+        </p:cTn>
+      </p:par>
+    </p:tnLst>
+    <p:bldLst>
+      <p:bldP spid="10" grpId="0"/>
+      <p:bldP spid="9" grpId="0"/>
+    </p:bldLst>
+  </p:timing>
 </p:sld>
 </file>
 
